--- a/work-plan_v1.pptx
+++ b/work-plan_v1.pptx
@@ -2,13 +2,13 @@
 <file path=ppt/presentation.xml><?xml version="1.0" encoding="utf-8"?>
 <p:presentation xmlns:a="http://schemas.openxmlformats.org/drawingml/2006/main" xmlns:r="http://schemas.openxmlformats.org/officeDocument/2006/relationships" xmlns:p="http://schemas.openxmlformats.org/presentationml/2006/main">
   <p:sldMasterIdLst>
-    <p:sldMasterId id="2147483648" r:id="rId5"/>
+    <p:sldMasterId id="2147483648" r:id="rId1"/>
   </p:sldMasterIdLst>
   <p:notesMasterIdLst>
-    <p:notesMasterId r:id="rId7"/>
+    <p:notesMasterId r:id="rId3"/>
   </p:notesMasterIdLst>
   <p:sldIdLst>
-    <p:sldId id="256" r:id="rId8"/>
+    <p:sldId id="256" r:id="rId2"/>
   </p:sldIdLst>
   <p:sldSz cx="13004800" cy="9753600"/>
   <p:notesSz cx="6858000" cy="9144000"/>
@@ -89,13 +89,14 @@
 </p:presentation>
 </file>
 
-<file path=ppt/commentAuthors.xml><?xml version="1.0" encoding="utf-8"?>
-<p:cmAuthorLst xmlns:a="http://schemas.openxmlformats.org/drawingml/2006/main" xmlns:r="http://schemas.openxmlformats.org/officeDocument/2006/relationships" xmlns:p="http://schemas.openxmlformats.org/presentationml/2006/main"/>
-</file>
-
 <file path=ppt/notesMasters/notesMaster1.xml><?xml version="1.0" encoding="utf-8"?>
 <p:notesMaster xmlns:a="http://schemas.openxmlformats.org/drawingml/2006/main" xmlns:r="http://schemas.openxmlformats.org/officeDocument/2006/relationships" xmlns:p="http://schemas.openxmlformats.org/presentationml/2006/main">
   <p:cSld>
+    <p:bg>
+      <p:bgRef idx="1001">
+        <a:schemeClr val="bg1"/>
+      </p:bgRef>
+    </p:bg>
     <p:spTree>
       <p:nvGrpSpPr>
         <p:cNvPr id="1" name=""/>
@@ -113,7 +114,9 @@
       <p:sp>
         <p:nvSpPr>
           <p:cNvPr id="39" name="Shape 39"/>
-          <p:cNvSpPr/>
+          <p:cNvSpPr>
+            <a:spLocks noGrp="1" noRot="1" noChangeAspect="1"/>
+          </p:cNvSpPr>
           <p:nvPr>
             <p:ph type="sldImg"/>
           </p:nvPr>
@@ -132,13 +135,16 @@
           <a:lstStyle/>
           <a:p>
             <a:pPr lvl="0"/>
+            <a:endParaRPr/>
           </a:p>
         </p:txBody>
       </p:sp>
       <p:sp>
         <p:nvSpPr>
           <p:cNvPr id="40" name="Shape 40"/>
-          <p:cNvSpPr/>
+          <p:cNvSpPr>
+            <a:spLocks noGrp="1"/>
+          </p:cNvSpPr>
           <p:nvPr>
             <p:ph type="body" sz="quarter" idx="1"/>
           </p:nvPr>
@@ -157,10 +163,16 @@
           <a:lstStyle/>
           <a:p>
             <a:pPr lvl="0"/>
+            <a:endParaRPr/>
           </a:p>
         </p:txBody>
       </p:sp>
     </p:spTree>
+    <p:extLst>
+      <p:ext uri="{BB962C8B-B14F-4D97-AF65-F5344CB8AC3E}">
+        <p14:creationId xmlns:p14="http://schemas.microsoft.com/office/powerpoint/2010/main" val="2789056509"/>
+      </p:ext>
+    </p:extLst>
   </p:cSld>
   <p:clrMap bg1="lt1" tx1="dk1" bg2="lt2" tx2="dk2" accent1="accent1" accent2="accent2" accent3="accent3" accent4="accent4" accent5="accent5" accent6="accent6" hlink="hlink" folHlink="folHlink"/>
   <p:notesStyle>
@@ -241,7 +253,7 @@
 </file>
 
 <file path=ppt/slideLayouts/slideLayout1.xml><?xml version="1.0" encoding="utf-8"?>
-<p:sldLayout xmlns:a="http://schemas.openxmlformats.org/drawingml/2006/main" xmlns:r="http://schemas.openxmlformats.org/officeDocument/2006/relationships" xmlns:p="http://schemas.openxmlformats.org/presentationml/2006/main" type="tx" showMasterSp="1" showMasterPhAnim="1">
+<p:sldLayout xmlns:a="http://schemas.openxmlformats.org/drawingml/2006/main" xmlns:r="http://schemas.openxmlformats.org/officeDocument/2006/relationships" xmlns:p="http://schemas.openxmlformats.org/presentationml/2006/main" type="tx">
   <p:cSld name="Title &amp; Subtitle">
     <p:spTree>
       <p:nvGrpSpPr>
@@ -260,7 +272,9 @@
       <p:sp>
         <p:nvSpPr>
           <p:cNvPr id="5" name="Shape 5"/>
-          <p:cNvSpPr/>
+          <p:cNvSpPr>
+            <a:spLocks noGrp="1"/>
+          </p:cNvSpPr>
           <p:nvPr>
             <p:ph type="title"/>
           </p:nvPr>
@@ -291,7 +305,9 @@
       <p:sp>
         <p:nvSpPr>
           <p:cNvPr id="6" name="Shape 6"/>
-          <p:cNvSpPr/>
+          <p:cNvSpPr>
+            <a:spLocks noGrp="1"/>
+          </p:cNvSpPr>
           <p:nvPr>
             <p:ph type="body" idx="1"/>
           </p:nvPr>
@@ -357,7 +373,6 @@
               <a:rPr sz="3600"/>
               <a:t>Body Level One</a:t>
             </a:r>
-            <a:endParaRPr sz="3600"/>
           </a:p>
           <a:p>
             <a:pPr lvl="1">
@@ -367,7 +382,6 @@
               <a:rPr sz="3600"/>
               <a:t>Body Level Two</a:t>
             </a:r>
-            <a:endParaRPr sz="3600"/>
           </a:p>
           <a:p>
             <a:pPr lvl="2">
@@ -377,7 +391,6 @@
               <a:rPr sz="3600"/>
               <a:t>Body Level Three</a:t>
             </a:r>
-            <a:endParaRPr sz="3600"/>
           </a:p>
           <a:p>
             <a:pPr lvl="3">
@@ -387,7 +400,6 @@
               <a:rPr sz="3600"/>
               <a:t>Body Level Four</a:t>
             </a:r>
-            <a:endParaRPr sz="3600"/>
           </a:p>
           <a:p>
             <a:pPr lvl="4">
@@ -405,12 +417,12 @@
   <p:clrMapOvr>
     <a:masterClrMapping/>
   </p:clrMapOvr>
-  <p:transition spd="med" advClick="1"/>
+  <p:transition xmlns:p14="http://schemas.microsoft.com/office/powerpoint/2010/main" spd="med"/>
 </p:sldLayout>
 </file>
 
 <file path=ppt/slideLayouts/slideLayout10.xml><?xml version="1.0" encoding="utf-8"?>
-<p:sldLayout xmlns:a="http://schemas.openxmlformats.org/drawingml/2006/main" xmlns:r="http://schemas.openxmlformats.org/officeDocument/2006/relationships" xmlns:p="http://schemas.openxmlformats.org/presentationml/2006/main" type="tx" showMasterSp="1" showMasterPhAnim="1">
+<p:sldLayout xmlns:a="http://schemas.openxmlformats.org/drawingml/2006/main" xmlns:r="http://schemas.openxmlformats.org/officeDocument/2006/relationships" xmlns:p="http://schemas.openxmlformats.org/presentationml/2006/main" type="tx">
   <p:cSld name="Photo - Vertical">
     <p:spTree>
       <p:nvGrpSpPr>
@@ -429,7 +441,9 @@
       <p:sp>
         <p:nvSpPr>
           <p:cNvPr id="25" name="Shape 25"/>
-          <p:cNvSpPr/>
+          <p:cNvSpPr>
+            <a:spLocks noGrp="1"/>
+          </p:cNvSpPr>
           <p:nvPr>
             <p:ph type="title"/>
           </p:nvPr>
@@ -464,7 +478,9 @@
       <p:sp>
         <p:nvSpPr>
           <p:cNvPr id="26" name="Shape 26"/>
-          <p:cNvSpPr/>
+          <p:cNvSpPr>
+            <a:spLocks noGrp="1"/>
+          </p:cNvSpPr>
           <p:nvPr>
             <p:ph type="body" idx="1"/>
           </p:nvPr>
@@ -530,7 +546,6 @@
               <a:rPr sz="3400"/>
               <a:t>Body Level One</a:t>
             </a:r>
-            <a:endParaRPr sz="3400"/>
           </a:p>
           <a:p>
             <a:pPr lvl="1">
@@ -540,7 +555,6 @@
               <a:rPr sz="3400"/>
               <a:t>Body Level Two</a:t>
             </a:r>
-            <a:endParaRPr sz="3400"/>
           </a:p>
           <a:p>
             <a:pPr lvl="2">
@@ -550,7 +564,6 @@
               <a:rPr sz="3400"/>
               <a:t>Body Level Three</a:t>
             </a:r>
-            <a:endParaRPr sz="3400"/>
           </a:p>
           <a:p>
             <a:pPr lvl="3">
@@ -560,7 +573,6 @@
               <a:rPr sz="3400"/>
               <a:t>Body Level Four</a:t>
             </a:r>
-            <a:endParaRPr sz="3400"/>
           </a:p>
           <a:p>
             <a:pPr lvl="4">
@@ -578,12 +590,12 @@
   <p:clrMapOvr>
     <a:masterClrMapping/>
   </p:clrMapOvr>
-  <p:transition spd="med" advClick="1"/>
+  <p:transition xmlns:p14="http://schemas.microsoft.com/office/powerpoint/2010/main" spd="med"/>
 </p:sldLayout>
 </file>
 
 <file path=ppt/slideLayouts/slideLayout11.xml><?xml version="1.0" encoding="utf-8"?>
-<p:sldLayout xmlns:a="http://schemas.openxmlformats.org/drawingml/2006/main" xmlns:r="http://schemas.openxmlformats.org/officeDocument/2006/relationships" xmlns:p="http://schemas.openxmlformats.org/presentationml/2006/main" type="tx" showMasterSp="1" showMasterPhAnim="1">
+<p:sldLayout xmlns:a="http://schemas.openxmlformats.org/drawingml/2006/main" xmlns:r="http://schemas.openxmlformats.org/officeDocument/2006/relationships" xmlns:p="http://schemas.openxmlformats.org/presentationml/2006/main" type="tx">
   <p:cSld name="Photo - Vertical Reflection">
     <p:spTree>
       <p:nvGrpSpPr>
@@ -602,7 +614,9 @@
       <p:sp>
         <p:nvSpPr>
           <p:cNvPr id="28" name="Shape 28"/>
-          <p:cNvSpPr/>
+          <p:cNvSpPr>
+            <a:spLocks noGrp="1"/>
+          </p:cNvSpPr>
           <p:nvPr>
             <p:ph type="title"/>
           </p:nvPr>
@@ -637,7 +651,9 @@
       <p:sp>
         <p:nvSpPr>
           <p:cNvPr id="29" name="Shape 29"/>
-          <p:cNvSpPr/>
+          <p:cNvSpPr>
+            <a:spLocks noGrp="1"/>
+          </p:cNvSpPr>
           <p:nvPr>
             <p:ph type="body" idx="1"/>
           </p:nvPr>
@@ -703,7 +719,6 @@
               <a:rPr sz="3400"/>
               <a:t>Body Level One</a:t>
             </a:r>
-            <a:endParaRPr sz="3400"/>
           </a:p>
           <a:p>
             <a:pPr lvl="1">
@@ -713,7 +728,6 @@
               <a:rPr sz="3400"/>
               <a:t>Body Level Two</a:t>
             </a:r>
-            <a:endParaRPr sz="3400"/>
           </a:p>
           <a:p>
             <a:pPr lvl="2">
@@ -723,7 +737,6 @@
               <a:rPr sz="3400"/>
               <a:t>Body Level Three</a:t>
             </a:r>
-            <a:endParaRPr sz="3400"/>
           </a:p>
           <a:p>
             <a:pPr lvl="3">
@@ -733,7 +746,6 @@
               <a:rPr sz="3400"/>
               <a:t>Body Level Four</a:t>
             </a:r>
-            <a:endParaRPr sz="3400"/>
           </a:p>
           <a:p>
             <a:pPr lvl="4">
@@ -751,12 +763,12 @@
   <p:clrMapOvr>
     <a:masterClrMapping/>
   </p:clrMapOvr>
-  <p:transition spd="med" advClick="1"/>
+  <p:transition xmlns:p14="http://schemas.microsoft.com/office/powerpoint/2010/main" spd="med"/>
 </p:sldLayout>
 </file>
 
 <file path=ppt/slideLayouts/slideLayout12.xml><?xml version="1.0" encoding="utf-8"?>
-<p:sldLayout xmlns:a="http://schemas.openxmlformats.org/drawingml/2006/main" xmlns:r="http://schemas.openxmlformats.org/officeDocument/2006/relationships" xmlns:p="http://schemas.openxmlformats.org/presentationml/2006/main" type="tx" showMasterSp="1" showMasterPhAnim="1">
+<p:sldLayout xmlns:a="http://schemas.openxmlformats.org/drawingml/2006/main" xmlns:r="http://schemas.openxmlformats.org/officeDocument/2006/relationships" xmlns:p="http://schemas.openxmlformats.org/presentationml/2006/main" type="tx">
   <p:cSld name="Title, Bullets &amp; Photo">
     <p:spTree>
       <p:nvGrpSpPr>
@@ -775,7 +787,9 @@
       <p:sp>
         <p:nvSpPr>
           <p:cNvPr id="31" name="Shape 31"/>
-          <p:cNvSpPr/>
+          <p:cNvSpPr>
+            <a:spLocks noGrp="1"/>
+          </p:cNvSpPr>
           <p:nvPr>
             <p:ph type="title"/>
           </p:nvPr>
@@ -802,7 +816,9 @@
       <p:sp>
         <p:nvSpPr>
           <p:cNvPr id="32" name="Shape 32"/>
-          <p:cNvSpPr/>
+          <p:cNvSpPr>
+            <a:spLocks noGrp="1"/>
+          </p:cNvSpPr>
           <p:nvPr>
             <p:ph type="body" idx="1"/>
           </p:nvPr>
@@ -858,7 +874,6 @@
               <a:rPr sz="3200"/>
               <a:t>Body Level One</a:t>
             </a:r>
-            <a:endParaRPr sz="3200"/>
           </a:p>
           <a:p>
             <a:pPr lvl="1">
@@ -868,7 +883,6 @@
               <a:rPr sz="3200"/>
               <a:t>Body Level Two</a:t>
             </a:r>
-            <a:endParaRPr sz="3200"/>
           </a:p>
           <a:p>
             <a:pPr lvl="2">
@@ -878,7 +892,6 @@
               <a:rPr sz="3200"/>
               <a:t>Body Level Three</a:t>
             </a:r>
-            <a:endParaRPr sz="3200"/>
           </a:p>
           <a:p>
             <a:pPr lvl="3">
@@ -888,7 +901,6 @@
               <a:rPr sz="3200"/>
               <a:t>Body Level Four</a:t>
             </a:r>
-            <a:endParaRPr sz="3200"/>
           </a:p>
           <a:p>
             <a:pPr lvl="4">
@@ -906,12 +918,12 @@
   <p:clrMapOvr>
     <a:masterClrMapping/>
   </p:clrMapOvr>
-  <p:transition spd="med" advClick="1"/>
+  <p:transition xmlns:p14="http://schemas.microsoft.com/office/powerpoint/2010/main" spd="med"/>
 </p:sldLayout>
 </file>
 
 <file path=ppt/slideLayouts/slideLayout13.xml><?xml version="1.0" encoding="utf-8"?>
-<p:sldLayout xmlns:a="http://schemas.openxmlformats.org/drawingml/2006/main" xmlns:r="http://schemas.openxmlformats.org/officeDocument/2006/relationships" xmlns:p="http://schemas.openxmlformats.org/presentationml/2006/main" type="tx" showMasterSp="1" showMasterPhAnim="1">
+<p:sldLayout xmlns:a="http://schemas.openxmlformats.org/drawingml/2006/main" xmlns:r="http://schemas.openxmlformats.org/officeDocument/2006/relationships" xmlns:p="http://schemas.openxmlformats.org/presentationml/2006/main" type="tx">
   <p:cSld name="Title &amp; Bullets - Left">
     <p:spTree>
       <p:nvGrpSpPr>
@@ -930,7 +942,9 @@
       <p:sp>
         <p:nvSpPr>
           <p:cNvPr id="34" name="Shape 34"/>
-          <p:cNvSpPr/>
+          <p:cNvSpPr>
+            <a:spLocks noGrp="1"/>
+          </p:cNvSpPr>
           <p:nvPr>
             <p:ph type="title"/>
           </p:nvPr>
@@ -957,7 +971,9 @@
       <p:sp>
         <p:nvSpPr>
           <p:cNvPr id="35" name="Shape 35"/>
-          <p:cNvSpPr/>
+          <p:cNvSpPr>
+            <a:spLocks noGrp="1"/>
+          </p:cNvSpPr>
           <p:nvPr>
             <p:ph type="body" idx="1"/>
           </p:nvPr>
@@ -1013,7 +1029,6 @@
               <a:rPr sz="3200"/>
               <a:t>Body Level One</a:t>
             </a:r>
-            <a:endParaRPr sz="3200"/>
           </a:p>
           <a:p>
             <a:pPr lvl="1">
@@ -1023,7 +1038,6 @@
               <a:rPr sz="3200"/>
               <a:t>Body Level Two</a:t>
             </a:r>
-            <a:endParaRPr sz="3200"/>
           </a:p>
           <a:p>
             <a:pPr lvl="2">
@@ -1033,7 +1047,6 @@
               <a:rPr sz="3200"/>
               <a:t>Body Level Three</a:t>
             </a:r>
-            <a:endParaRPr sz="3200"/>
           </a:p>
           <a:p>
             <a:pPr lvl="3">
@@ -1043,7 +1056,6 @@
               <a:rPr sz="3200"/>
               <a:t>Body Level Four</a:t>
             </a:r>
-            <a:endParaRPr sz="3200"/>
           </a:p>
           <a:p>
             <a:pPr lvl="4">
@@ -1061,12 +1073,12 @@
   <p:clrMapOvr>
     <a:masterClrMapping/>
   </p:clrMapOvr>
-  <p:transition spd="med" advClick="1"/>
+  <p:transition xmlns:p14="http://schemas.microsoft.com/office/powerpoint/2010/main" spd="med"/>
 </p:sldLayout>
 </file>
 
 <file path=ppt/slideLayouts/slideLayout14.xml><?xml version="1.0" encoding="utf-8"?>
-<p:sldLayout xmlns:a="http://schemas.openxmlformats.org/drawingml/2006/main" xmlns:r="http://schemas.openxmlformats.org/officeDocument/2006/relationships" xmlns:p="http://schemas.openxmlformats.org/presentationml/2006/main" type="tx" showMasterSp="1" showMasterPhAnim="1">
+<p:sldLayout xmlns:a="http://schemas.openxmlformats.org/drawingml/2006/main" xmlns:r="http://schemas.openxmlformats.org/officeDocument/2006/relationships" xmlns:p="http://schemas.openxmlformats.org/presentationml/2006/main" type="tx">
   <p:cSld name="Title &amp; Bullets - Right">
     <p:spTree>
       <p:nvGrpSpPr>
@@ -1085,7 +1097,9 @@
       <p:sp>
         <p:nvSpPr>
           <p:cNvPr id="37" name="Shape 37"/>
-          <p:cNvSpPr/>
+          <p:cNvSpPr>
+            <a:spLocks noGrp="1"/>
+          </p:cNvSpPr>
           <p:nvPr>
             <p:ph type="title"/>
           </p:nvPr>
@@ -1112,7 +1126,9 @@
       <p:sp>
         <p:nvSpPr>
           <p:cNvPr id="38" name="Shape 38"/>
-          <p:cNvSpPr/>
+          <p:cNvSpPr>
+            <a:spLocks noGrp="1"/>
+          </p:cNvSpPr>
           <p:nvPr>
             <p:ph type="body" idx="1"/>
           </p:nvPr>
@@ -1168,7 +1184,6 @@
               <a:rPr sz="3200"/>
               <a:t>Body Level One</a:t>
             </a:r>
-            <a:endParaRPr sz="3200"/>
           </a:p>
           <a:p>
             <a:pPr lvl="1">
@@ -1178,7 +1193,6 @@
               <a:rPr sz="3200"/>
               <a:t>Body Level Two</a:t>
             </a:r>
-            <a:endParaRPr sz="3200"/>
           </a:p>
           <a:p>
             <a:pPr lvl="2">
@@ -1188,7 +1202,6 @@
               <a:rPr sz="3200"/>
               <a:t>Body Level Three</a:t>
             </a:r>
-            <a:endParaRPr sz="3200"/>
           </a:p>
           <a:p>
             <a:pPr lvl="3">
@@ -1198,7 +1211,6 @@
               <a:rPr sz="3200"/>
               <a:t>Body Level Four</a:t>
             </a:r>
-            <a:endParaRPr sz="3200"/>
           </a:p>
           <a:p>
             <a:pPr lvl="4">
@@ -1216,12 +1228,12 @@
   <p:clrMapOvr>
     <a:masterClrMapping/>
   </p:clrMapOvr>
-  <p:transition spd="med" advClick="1"/>
+  <p:transition xmlns:p14="http://schemas.microsoft.com/office/powerpoint/2010/main" spd="med"/>
 </p:sldLayout>
 </file>
 
 <file path=ppt/slideLayouts/slideLayout2.xml><?xml version="1.0" encoding="utf-8"?>
-<p:sldLayout xmlns:a="http://schemas.openxmlformats.org/drawingml/2006/main" xmlns:r="http://schemas.openxmlformats.org/officeDocument/2006/relationships" xmlns:p="http://schemas.openxmlformats.org/presentationml/2006/main" type="tx" showMasterSp="1" showMasterPhAnim="1">
+<p:sldLayout xmlns:a="http://schemas.openxmlformats.org/drawingml/2006/main" xmlns:r="http://schemas.openxmlformats.org/officeDocument/2006/relationships" xmlns:p="http://schemas.openxmlformats.org/presentationml/2006/main" type="tx">
   <p:cSld name="Title &amp; Bullets">
     <p:spTree>
       <p:nvGrpSpPr>
@@ -1240,7 +1252,9 @@
       <p:sp>
         <p:nvSpPr>
           <p:cNvPr id="8" name="Shape 8"/>
-          <p:cNvSpPr/>
+          <p:cNvSpPr>
+            <a:spLocks noGrp="1"/>
+          </p:cNvSpPr>
           <p:nvPr>
             <p:ph type="title"/>
           </p:nvPr>
@@ -1267,7 +1281,9 @@
       <p:sp>
         <p:nvSpPr>
           <p:cNvPr id="9" name="Shape 9"/>
-          <p:cNvSpPr/>
+          <p:cNvSpPr>
+            <a:spLocks noGrp="1"/>
+          </p:cNvSpPr>
           <p:nvPr>
             <p:ph type="body" idx="1"/>
           </p:nvPr>
@@ -1288,7 +1304,6 @@
               <a:rPr sz="4200"/>
               <a:t>Body Level One</a:t>
             </a:r>
-            <a:endParaRPr sz="4200"/>
           </a:p>
           <a:p>
             <a:pPr lvl="1">
@@ -1298,7 +1313,6 @@
               <a:rPr sz="4200"/>
               <a:t>Body Level Two</a:t>
             </a:r>
-            <a:endParaRPr sz="4200"/>
           </a:p>
           <a:p>
             <a:pPr lvl="2">
@@ -1308,7 +1322,6 @@
               <a:rPr sz="4200"/>
               <a:t>Body Level Three</a:t>
             </a:r>
-            <a:endParaRPr sz="4200"/>
           </a:p>
           <a:p>
             <a:pPr lvl="3">
@@ -1318,7 +1331,6 @@
               <a:rPr sz="4200"/>
               <a:t>Body Level Four</a:t>
             </a:r>
-            <a:endParaRPr sz="4200"/>
           </a:p>
           <a:p>
             <a:pPr lvl="4">
@@ -1336,12 +1348,12 @@
   <p:clrMapOvr>
     <a:masterClrMapping/>
   </p:clrMapOvr>
-  <p:transition spd="med" advClick="1"/>
+  <p:transition xmlns:p14="http://schemas.microsoft.com/office/powerpoint/2010/main" spd="med"/>
 </p:sldLayout>
 </file>
 
 <file path=ppt/slideLayouts/slideLayout3.xml><?xml version="1.0" encoding="utf-8"?>
-<p:sldLayout xmlns:a="http://schemas.openxmlformats.org/drawingml/2006/main" xmlns:r="http://schemas.openxmlformats.org/officeDocument/2006/relationships" xmlns:p="http://schemas.openxmlformats.org/presentationml/2006/main" type="tx" showMasterSp="1" showMasterPhAnim="1">
+<p:sldLayout xmlns:a="http://schemas.openxmlformats.org/drawingml/2006/main" xmlns:r="http://schemas.openxmlformats.org/officeDocument/2006/relationships" xmlns:p="http://schemas.openxmlformats.org/presentationml/2006/main" type="tx">
   <p:cSld name="Title &amp; Bullets - 2 Column">
     <p:spTree>
       <p:nvGrpSpPr>
@@ -1360,7 +1372,9 @@
       <p:sp>
         <p:nvSpPr>
           <p:cNvPr id="11" name="Shape 11"/>
-          <p:cNvSpPr/>
+          <p:cNvSpPr>
+            <a:spLocks noGrp="1"/>
+          </p:cNvSpPr>
           <p:nvPr>
             <p:ph type="title"/>
           </p:nvPr>
@@ -1387,7 +1401,9 @@
       <p:sp>
         <p:nvSpPr>
           <p:cNvPr id="12" name="Shape 12"/>
-          <p:cNvSpPr/>
+          <p:cNvSpPr>
+            <a:spLocks noGrp="1"/>
+          </p:cNvSpPr>
           <p:nvPr>
             <p:ph type="body" idx="1"/>
           </p:nvPr>
@@ -1439,7 +1455,6 @@
               <a:rPr sz="3200"/>
               <a:t>Body Level One</a:t>
             </a:r>
-            <a:endParaRPr sz="3200"/>
           </a:p>
           <a:p>
             <a:pPr lvl="1">
@@ -1449,7 +1464,6 @@
               <a:rPr sz="3200"/>
               <a:t>Body Level Two</a:t>
             </a:r>
-            <a:endParaRPr sz="3200"/>
           </a:p>
           <a:p>
             <a:pPr lvl="2">
@@ -1459,7 +1473,6 @@
               <a:rPr sz="3200"/>
               <a:t>Body Level Three</a:t>
             </a:r>
-            <a:endParaRPr sz="3200"/>
           </a:p>
           <a:p>
             <a:pPr lvl="3">
@@ -1469,7 +1482,6 @@
               <a:rPr sz="3200"/>
               <a:t>Body Level Four</a:t>
             </a:r>
-            <a:endParaRPr sz="3200"/>
           </a:p>
           <a:p>
             <a:pPr lvl="4">
@@ -1487,12 +1499,12 @@
   <p:clrMapOvr>
     <a:masterClrMapping/>
   </p:clrMapOvr>
-  <p:transition spd="med" advClick="1"/>
+  <p:transition xmlns:p14="http://schemas.microsoft.com/office/powerpoint/2010/main" spd="med"/>
 </p:sldLayout>
 </file>
 
 <file path=ppt/slideLayouts/slideLayout4.xml><?xml version="1.0" encoding="utf-8"?>
-<p:sldLayout xmlns:a="http://schemas.openxmlformats.org/drawingml/2006/main" xmlns:r="http://schemas.openxmlformats.org/officeDocument/2006/relationships" xmlns:p="http://schemas.openxmlformats.org/presentationml/2006/main" type="tx" showMasterSp="1" showMasterPhAnim="1">
+<p:sldLayout xmlns:a="http://schemas.openxmlformats.org/drawingml/2006/main" xmlns:r="http://schemas.openxmlformats.org/officeDocument/2006/relationships" xmlns:p="http://schemas.openxmlformats.org/presentationml/2006/main" type="tx">
   <p:cSld name="Bullets">
     <p:spTree>
       <p:nvGrpSpPr>
@@ -1511,7 +1523,9 @@
       <p:sp>
         <p:nvSpPr>
           <p:cNvPr id="14" name="Shape 14"/>
-          <p:cNvSpPr/>
+          <p:cNvSpPr>
+            <a:spLocks noGrp="1"/>
+          </p:cNvSpPr>
           <p:nvPr>
             <p:ph type="body" idx="1"/>
           </p:nvPr>
@@ -1562,7 +1576,6 @@
               <a:rPr sz="4200"/>
               <a:t>Body Level One</a:t>
             </a:r>
-            <a:endParaRPr sz="4200"/>
           </a:p>
           <a:p>
             <a:pPr lvl="1">
@@ -1572,7 +1585,6 @@
               <a:rPr sz="4200"/>
               <a:t>Body Level Two</a:t>
             </a:r>
-            <a:endParaRPr sz="4200"/>
           </a:p>
           <a:p>
             <a:pPr lvl="2">
@@ -1582,7 +1594,6 @@
               <a:rPr sz="4200"/>
               <a:t>Body Level Three</a:t>
             </a:r>
-            <a:endParaRPr sz="4200"/>
           </a:p>
           <a:p>
             <a:pPr lvl="3">
@@ -1592,7 +1603,6 @@
               <a:rPr sz="4200"/>
               <a:t>Body Level Four</a:t>
             </a:r>
-            <a:endParaRPr sz="4200"/>
           </a:p>
           <a:p>
             <a:pPr lvl="4">
@@ -1610,12 +1620,12 @@
   <p:clrMapOvr>
     <a:masterClrMapping/>
   </p:clrMapOvr>
-  <p:transition spd="med" advClick="1"/>
+  <p:transition xmlns:p14="http://schemas.microsoft.com/office/powerpoint/2010/main" spd="med"/>
 </p:sldLayout>
 </file>
 
 <file path=ppt/slideLayouts/slideLayout5.xml><?xml version="1.0" encoding="utf-8"?>
-<p:sldLayout xmlns:a="http://schemas.openxmlformats.org/drawingml/2006/main" xmlns:r="http://schemas.openxmlformats.org/officeDocument/2006/relationships" xmlns:p="http://schemas.openxmlformats.org/presentationml/2006/main" type="tx" showMasterSp="1" showMasterPhAnim="1">
+<p:sldLayout xmlns:a="http://schemas.openxmlformats.org/drawingml/2006/main" xmlns:r="http://schemas.openxmlformats.org/officeDocument/2006/relationships" xmlns:p="http://schemas.openxmlformats.org/presentationml/2006/main" type="tx">
   <p:cSld name="Blank">
     <p:spTree>
       <p:nvGrpSpPr>
@@ -1636,12 +1646,12 @@
   <p:clrMapOvr>
     <a:masterClrMapping/>
   </p:clrMapOvr>
-  <p:transition spd="med" advClick="1"/>
+  <p:transition xmlns:p14="http://schemas.microsoft.com/office/powerpoint/2010/main" spd="med"/>
 </p:sldLayout>
 </file>
 
 <file path=ppt/slideLayouts/slideLayout6.xml><?xml version="1.0" encoding="utf-8"?>
-<p:sldLayout xmlns:a="http://schemas.openxmlformats.org/drawingml/2006/main" xmlns:r="http://schemas.openxmlformats.org/officeDocument/2006/relationships" xmlns:p="http://schemas.openxmlformats.org/presentationml/2006/main" type="tx" showMasterSp="1" showMasterPhAnim="1">
+<p:sldLayout xmlns:a="http://schemas.openxmlformats.org/drawingml/2006/main" xmlns:r="http://schemas.openxmlformats.org/officeDocument/2006/relationships" xmlns:p="http://schemas.openxmlformats.org/presentationml/2006/main" type="tx">
   <p:cSld name="Title - Top">
     <p:spTree>
       <p:nvGrpSpPr>
@@ -1660,7 +1670,9 @@
       <p:sp>
         <p:nvSpPr>
           <p:cNvPr id="17" name="Shape 17"/>
-          <p:cNvSpPr/>
+          <p:cNvSpPr>
+            <a:spLocks noGrp="1"/>
+          </p:cNvSpPr>
           <p:nvPr>
             <p:ph type="title"/>
           </p:nvPr>
@@ -1689,12 +1701,12 @@
   <p:clrMapOvr>
     <a:masterClrMapping/>
   </p:clrMapOvr>
-  <p:transition spd="med" advClick="1"/>
+  <p:transition xmlns:p14="http://schemas.microsoft.com/office/powerpoint/2010/main" spd="med"/>
 </p:sldLayout>
 </file>
 
 <file path=ppt/slideLayouts/slideLayout7.xml><?xml version="1.0" encoding="utf-8"?>
-<p:sldLayout xmlns:a="http://schemas.openxmlformats.org/drawingml/2006/main" xmlns:r="http://schemas.openxmlformats.org/officeDocument/2006/relationships" xmlns:p="http://schemas.openxmlformats.org/presentationml/2006/main" type="tx" showMasterSp="1" showMasterPhAnim="1">
+<p:sldLayout xmlns:a="http://schemas.openxmlformats.org/drawingml/2006/main" xmlns:r="http://schemas.openxmlformats.org/officeDocument/2006/relationships" xmlns:p="http://schemas.openxmlformats.org/presentationml/2006/main" type="tx">
   <p:cSld name="Title - Center">
     <p:spTree>
       <p:nvGrpSpPr>
@@ -1713,7 +1725,9 @@
       <p:sp>
         <p:nvSpPr>
           <p:cNvPr id="19" name="Shape 19"/>
-          <p:cNvSpPr/>
+          <p:cNvSpPr>
+            <a:spLocks noGrp="1"/>
+          </p:cNvSpPr>
           <p:nvPr>
             <p:ph type="title"/>
           </p:nvPr>
@@ -1746,12 +1760,12 @@
   <p:clrMapOvr>
     <a:masterClrMapping/>
   </p:clrMapOvr>
-  <p:transition spd="med" advClick="1"/>
+  <p:transition xmlns:p14="http://schemas.microsoft.com/office/powerpoint/2010/main" spd="med"/>
 </p:sldLayout>
 </file>
 
 <file path=ppt/slideLayouts/slideLayout8.xml><?xml version="1.0" encoding="utf-8"?>
-<p:sldLayout xmlns:a="http://schemas.openxmlformats.org/drawingml/2006/main" xmlns:r="http://schemas.openxmlformats.org/officeDocument/2006/relationships" xmlns:p="http://schemas.openxmlformats.org/presentationml/2006/main" type="tx" showMasterSp="1" showMasterPhAnim="1">
+<p:sldLayout xmlns:a="http://schemas.openxmlformats.org/drawingml/2006/main" xmlns:r="http://schemas.openxmlformats.org/officeDocument/2006/relationships" xmlns:p="http://schemas.openxmlformats.org/presentationml/2006/main" type="tx">
   <p:cSld name="Photo - Horizontal">
     <p:spTree>
       <p:nvGrpSpPr>
@@ -1770,7 +1784,9 @@
       <p:sp>
         <p:nvSpPr>
           <p:cNvPr id="21" name="Shape 21"/>
-          <p:cNvSpPr/>
+          <p:cNvSpPr>
+            <a:spLocks noGrp="1"/>
+          </p:cNvSpPr>
           <p:nvPr>
             <p:ph type="title"/>
           </p:nvPr>
@@ -1803,12 +1819,12 @@
   <p:clrMapOvr>
     <a:masterClrMapping/>
   </p:clrMapOvr>
-  <p:transition spd="med" advClick="1"/>
+  <p:transition xmlns:p14="http://schemas.microsoft.com/office/powerpoint/2010/main" spd="med"/>
 </p:sldLayout>
 </file>
 
 <file path=ppt/slideLayouts/slideLayout9.xml><?xml version="1.0" encoding="utf-8"?>
-<p:sldLayout xmlns:a="http://schemas.openxmlformats.org/drawingml/2006/main" xmlns:r="http://schemas.openxmlformats.org/officeDocument/2006/relationships" xmlns:p="http://schemas.openxmlformats.org/presentationml/2006/main" type="tx" showMasterSp="1" showMasterPhAnim="1">
+<p:sldLayout xmlns:a="http://schemas.openxmlformats.org/drawingml/2006/main" xmlns:r="http://schemas.openxmlformats.org/officeDocument/2006/relationships" xmlns:p="http://schemas.openxmlformats.org/presentationml/2006/main" type="tx">
   <p:cSld name="Photo - Horizontal Reflection">
     <p:spTree>
       <p:nvGrpSpPr>
@@ -1827,7 +1843,9 @@
       <p:sp>
         <p:nvSpPr>
           <p:cNvPr id="23" name="Shape 23"/>
-          <p:cNvSpPr/>
+          <p:cNvSpPr>
+            <a:spLocks noGrp="1"/>
+          </p:cNvSpPr>
           <p:nvPr>
             <p:ph type="title"/>
           </p:nvPr>
@@ -1860,7 +1878,7 @@
   <p:clrMapOvr>
     <a:masterClrMapping/>
   </p:clrMapOvr>
-  <p:transition spd="med" advClick="1"/>
+  <p:transition xmlns:p14="http://schemas.microsoft.com/office/powerpoint/2010/main" spd="med"/>
 </p:sldLayout>
 </file>
 
@@ -1872,6 +1890,7 @@
         <a:solidFill>
           <a:srgbClr val="FFFFFF"/>
         </a:solidFill>
+        <a:effectLst/>
       </p:bgPr>
     </p:bg>
     <p:spTree>
@@ -1891,7 +1910,9 @@
       <p:sp>
         <p:nvSpPr>
           <p:cNvPr id="2" name="Shape 2"/>
-          <p:cNvSpPr/>
+          <p:cNvSpPr>
+            <a:spLocks noGrp="1"/>
+          </p:cNvSpPr>
           <p:nvPr>
             <p:ph type="title"/>
           </p:nvPr>
@@ -1930,7 +1951,9 @@
       <p:sp>
         <p:nvSpPr>
           <p:cNvPr id="3" name="Shape 3"/>
-          <p:cNvSpPr/>
+          <p:cNvSpPr>
+            <a:spLocks noGrp="1"/>
+          </p:cNvSpPr>
           <p:nvPr>
             <p:ph type="body" idx="1"/>
           </p:nvPr>
@@ -1963,7 +1986,6 @@
               <a:rPr sz="4200"/>
               <a:t>Body Level One</a:t>
             </a:r>
-            <a:endParaRPr sz="4200"/>
           </a:p>
           <a:p>
             <a:pPr lvl="1">
@@ -1973,7 +1995,6 @@
               <a:rPr sz="4200"/>
               <a:t>Body Level Two</a:t>
             </a:r>
-            <a:endParaRPr sz="4200"/>
           </a:p>
           <a:p>
             <a:pPr lvl="2">
@@ -1983,7 +2004,6 @@
               <a:rPr sz="4200"/>
               <a:t>Body Level Three</a:t>
             </a:r>
-            <a:endParaRPr sz="4200"/>
           </a:p>
           <a:p>
             <a:pPr lvl="3">
@@ -1993,7 +2013,6 @@
               <a:rPr sz="4200"/>
               <a:t>Body Level Four</a:t>
             </a:r>
-            <a:endParaRPr sz="4200"/>
           </a:p>
           <a:p>
             <a:pPr lvl="4">
@@ -2010,22 +2029,22 @@
   </p:cSld>
   <p:clrMap bg1="lt1" tx1="dk1" bg2="lt2" tx2="dk2" accent1="accent1" accent2="accent2" accent3="accent3" accent4="accent4" accent5="accent5" accent6="accent6" hlink="hlink" folHlink="folHlink"/>
   <p:sldLayoutIdLst>
-    <p:sldLayoutId id="2147483649" r:id="rId2"/>
-    <p:sldLayoutId id="2147483650" r:id="rId3"/>
-    <p:sldLayoutId id="2147483651" r:id="rId4"/>
-    <p:sldLayoutId id="2147483652" r:id="rId5"/>
-    <p:sldLayoutId id="2147483653" r:id="rId6"/>
-    <p:sldLayoutId id="2147483654" r:id="rId7"/>
-    <p:sldLayoutId id="2147483655" r:id="rId8"/>
-    <p:sldLayoutId id="2147483656" r:id="rId9"/>
-    <p:sldLayoutId id="2147483657" r:id="rId10"/>
-    <p:sldLayoutId id="2147483658" r:id="rId11"/>
-    <p:sldLayoutId id="2147483659" r:id="rId12"/>
-    <p:sldLayoutId id="2147483660" r:id="rId13"/>
-    <p:sldLayoutId id="2147483661" r:id="rId14"/>
-    <p:sldLayoutId id="2147483662" r:id="rId15"/>
+    <p:sldLayoutId id="2147483649" r:id="rId1"/>
+    <p:sldLayoutId id="2147483650" r:id="rId2"/>
+    <p:sldLayoutId id="2147483651" r:id="rId3"/>
+    <p:sldLayoutId id="2147483652" r:id="rId4"/>
+    <p:sldLayoutId id="2147483653" r:id="rId5"/>
+    <p:sldLayoutId id="2147483654" r:id="rId6"/>
+    <p:sldLayoutId id="2147483655" r:id="rId7"/>
+    <p:sldLayoutId id="2147483656" r:id="rId8"/>
+    <p:sldLayoutId id="2147483657" r:id="rId9"/>
+    <p:sldLayoutId id="2147483658" r:id="rId10"/>
+    <p:sldLayoutId id="2147483659" r:id="rId11"/>
+    <p:sldLayoutId id="2147483660" r:id="rId12"/>
+    <p:sldLayoutId id="2147483661" r:id="rId13"/>
+    <p:sldLayoutId id="2147483662" r:id="rId14"/>
   </p:sldLayoutIdLst>
-  <p:transition spd="med" advClick="1"/>
+  <p:transition xmlns:p14="http://schemas.microsoft.com/office/powerpoint/2010/main" spd="med"/>
   <p:txStyles>
     <p:titleStyle>
       <a:lvl1pPr algn="ctr" defTabSz="584200">
@@ -2326,7 +2345,7 @@
 </file>
 
 <file path=ppt/slides/slide1.xml><?xml version="1.0" encoding="utf-8"?>
-<p:sld xmlns:a="http://schemas.openxmlformats.org/drawingml/2006/main" xmlns:r="http://schemas.openxmlformats.org/officeDocument/2006/relationships" xmlns:p="http://schemas.openxmlformats.org/presentationml/2006/main" showMasterSp="1" showMasterPhAnim="1">
+<p:sld xmlns:a="http://schemas.openxmlformats.org/drawingml/2006/main" xmlns:r="http://schemas.openxmlformats.org/officeDocument/2006/relationships" xmlns:p="http://schemas.openxmlformats.org/presentationml/2006/main">
   <p:cSld>
     <p:spTree>
       <p:nvGrpSpPr>
@@ -2508,6 +2527,7 @@
                 <a:sym typeface="Helvetica"/>
               </a:defRPr>
             </a:pPr>
+            <a:endParaRPr/>
           </a:p>
         </p:txBody>
       </p:sp>
@@ -2545,6 +2565,7 @@
                 <a:sym typeface="Helvetica"/>
               </a:defRPr>
             </a:pPr>
+            <a:endParaRPr/>
           </a:p>
         </p:txBody>
       </p:sp>
@@ -2582,6 +2603,7 @@
                 <a:sym typeface="Helvetica"/>
               </a:defRPr>
             </a:pPr>
+            <a:endParaRPr/>
           </a:p>
         </p:txBody>
       </p:sp>
@@ -2619,6 +2641,7 @@
                 <a:sym typeface="Helvetica"/>
               </a:defRPr>
             </a:pPr>
+            <a:endParaRPr/>
           </a:p>
         </p:txBody>
       </p:sp>
@@ -2656,6 +2679,7 @@
                 <a:sym typeface="Helvetica"/>
               </a:defRPr>
             </a:pPr>
+            <a:endParaRPr/>
           </a:p>
         </p:txBody>
       </p:sp>
@@ -2667,8 +2691,8 @@
         </p:nvSpPr>
         <p:spPr>
           <a:xfrm>
-            <a:off x="2994389" y="2200873"/>
-            <a:ext cx="3149601" cy="668450"/>
+            <a:off x="2997559" y="2200873"/>
+            <a:ext cx="3456475" cy="668450"/>
           </a:xfrm>
           <a:prstGeom prst="rect">
             <a:avLst/>
@@ -2701,7 +2725,7 @@
               <a:defRPr sz="1800"/>
             </a:pPr>
             <a:r>
-              <a:rPr b="1" sz="1600">
+              <a:rPr sz="1600" b="1" dirty="0">
                 <a:solidFill>
                   <a:srgbClr val="0433FF"/>
                 </a:solidFill>
@@ -2713,7 +2737,7 @@
               <a:t>Reduction of Halpha data </a:t>
             </a:r>
             <a:br>
-              <a:rPr b="1" sz="1600">
+              <a:rPr sz="1600" b="1" dirty="0">
                 <a:solidFill>
                   <a:srgbClr val="0433FF"/>
                 </a:solidFill>
@@ -2724,7 +2748,7 @@
               </a:rPr>
             </a:br>
             <a:r>
-              <a:rPr b="1" sz="1600">
+              <a:rPr sz="1600" b="1" dirty="0">
                 <a:solidFill>
                   <a:srgbClr val="0433FF"/>
                 </a:solidFill>
@@ -2769,6 +2793,7 @@
                 <a:sym typeface="Helvetica"/>
               </a:defRPr>
             </a:pPr>
+            <a:endParaRPr/>
           </a:p>
         </p:txBody>
       </p:sp>
@@ -2866,7 +2891,7 @@
           <a:bodyPr lIns="0" tIns="0" rIns="0" bIns="0" anchor="ctr"/>
           <a:lstStyle>
             <a:lvl1pPr>
-              <a:defRPr b="1" sz="1600">
+              <a:defRPr sz="1600" b="1">
                 <a:latin typeface="Times New Roman"/>
                 <a:ea typeface="Times New Roman"/>
                 <a:cs typeface="Times New Roman"/>
@@ -2876,10 +2901,10 @@
           </a:lstStyle>
           <a:p>
             <a:pPr lvl="0">
-              <a:defRPr b="0" sz="1800"/>
-            </a:pPr>
-            <a:r>
-              <a:rPr b="1" sz="1600"/>
+              <a:defRPr sz="1800" b="0"/>
+            </a:pPr>
+            <a:r>
+              <a:rPr sz="1600" b="1"/>
               <a:t>Anticipated project start (Jan 2018) Graduate Student (KU) </a:t>
             </a:r>
           </a:p>
@@ -3055,7 +3080,7 @@
           <a:bodyPr lIns="0" tIns="0" rIns="0" bIns="0" anchor="ctr"/>
           <a:lstStyle>
             <a:lvl1pPr>
-              <a:defRPr b="1" sz="1600">
+              <a:defRPr sz="1600" b="1">
                 <a:uFill>
                   <a:solidFill/>
                 </a:uFill>
@@ -3068,17 +3093,65 @@
           </a:lstStyle>
           <a:p>
             <a:pPr lvl="0">
-              <a:defRPr b="0" sz="1800">
+              <a:defRPr sz="1800" b="0">
                 <a:uFillTx/>
               </a:defRPr>
             </a:pPr>
             <a:r>
-              <a:rPr b="1" sz="1600">
+              <a:rPr lang="en-US" sz="1600" b="1" dirty="0" smtClean="0">
                 <a:uFill>
                   <a:solidFill/>
                 </a:uFill>
               </a:rPr>
-              <a:t>H-alpha observing campaign for NGC 5353 Filament</a:t>
+              <a:t>Finish </a:t>
+            </a:r>
+            <a:r>
+              <a:rPr sz="1600" b="1" dirty="0" smtClean="0">
+                <a:uFill>
+                  <a:solidFill/>
+                </a:uFill>
+              </a:rPr>
+              <a:t>H</a:t>
+            </a:r>
+            <a:r>
+              <a:rPr sz="1600" b="1" dirty="0">
+                <a:uFill>
+                  <a:solidFill/>
+                </a:uFill>
+              </a:rPr>
+              <a:t>-alpha </a:t>
+            </a:r>
+            <a:r>
+              <a:rPr sz="1600" b="1" dirty="0" smtClean="0">
+                <a:uFill>
+                  <a:solidFill/>
+                </a:uFill>
+              </a:rPr>
+              <a:t>obser</a:t>
+            </a:r>
+            <a:r>
+              <a:rPr lang="en-US" sz="1600" b="1" dirty="0" smtClean="0">
+                <a:uFill>
+                  <a:solidFill/>
+                </a:uFill>
+              </a:rPr>
+              <a:t>vations</a:t>
+            </a:r>
+            <a:r>
+              <a:rPr sz="1600" b="1" dirty="0" smtClean="0">
+                <a:uFill>
+                  <a:solidFill/>
+                </a:uFill>
+              </a:rPr>
+              <a:t> for </a:t>
+            </a:r>
+            <a:r>
+              <a:rPr sz="1600" b="1" dirty="0">
+                <a:uFill>
+                  <a:solidFill/>
+                </a:uFill>
+              </a:rPr>
+              <a:t>NGC 5353 Filament</a:t>
             </a:r>
           </a:p>
         </p:txBody>
@@ -3121,7 +3194,7 @@
           <a:bodyPr lIns="0" tIns="0" rIns="0" bIns="0" anchor="ctr"/>
           <a:lstStyle>
             <a:lvl1pPr>
-              <a:defRPr b="1" sz="1600">
+              <a:defRPr sz="1600" b="1">
                 <a:solidFill>
                   <a:srgbClr val="00882B"/>
                 </a:solidFill>
@@ -3134,14 +3207,14 @@
           </a:lstStyle>
           <a:p>
             <a:pPr lvl="0">
-              <a:defRPr b="0" sz="1800">
+              <a:defRPr sz="1800" b="0">
                 <a:solidFill>
                   <a:srgbClr val="000000"/>
                 </a:solidFill>
               </a:defRPr>
             </a:pPr>
             <a:r>
-              <a:rPr b="1" sz="1600">
+              <a:rPr sz="1600" b="1">
                 <a:solidFill>
                   <a:srgbClr val="00882B"/>
                 </a:solidFill>
@@ -3179,7 +3252,7 @@
           <a:bodyPr lIns="0" tIns="0" rIns="0" bIns="0" anchor="ctr"/>
           <a:lstStyle>
             <a:lvl1pPr>
-              <a:defRPr b="1" sz="1600">
+              <a:defRPr sz="1600" b="1">
                 <a:latin typeface="Times New Roman"/>
                 <a:ea typeface="Times New Roman"/>
                 <a:cs typeface="Times New Roman"/>
@@ -3189,10 +3262,10 @@
           </a:lstStyle>
           <a:p>
             <a:pPr lvl="0">
-              <a:defRPr b="0" sz="1800"/>
-            </a:pPr>
-            <a:r>
-              <a:rPr b="1" sz="1600"/>
+              <a:defRPr sz="1800" b="0"/>
+            </a:pPr>
+            <a:r>
+              <a:rPr sz="1600" b="1"/>
               <a:t>Completion of data acquisition phase of survey</a:t>
             </a:r>
           </a:p>
@@ -3229,6 +3302,7 @@
                 <a:sym typeface="Helvetica"/>
               </a:defRPr>
             </a:pPr>
+            <a:endParaRPr/>
           </a:p>
         </p:txBody>
       </p:sp>
@@ -3459,7 +3533,7 @@
           </a:bodyPr>
           <a:lstStyle>
             <a:lvl1pPr>
-              <a:defRPr b="1" sz="2000">
+              <a:defRPr sz="2000" b="1">
                 <a:solidFill>
                   <a:srgbClr val="FF2600"/>
                 </a:solidFill>
@@ -3472,76 +3546,19 @@
           </a:lstStyle>
           <a:p>
             <a:pPr lvl="0">
-              <a:defRPr b="0" sz="1800">
+              <a:defRPr sz="1800" b="0">
                 <a:solidFill>
                   <a:srgbClr val="000000"/>
                 </a:solidFill>
               </a:defRPr>
             </a:pPr>
             <a:r>
-              <a:rPr b="1" sz="2000">
+              <a:rPr sz="2000" b="1">
                 <a:solidFill>
                   <a:srgbClr val="FF2600"/>
                 </a:solidFill>
               </a:rPr>
               <a:t>* indicates publication</a:t>
-            </a:r>
-          </a:p>
-        </p:txBody>
-      </p:sp>
-      <p:sp>
-        <p:nvSpPr>
-          <p:cNvPr id="64" name="Shape 64"/>
-          <p:cNvSpPr/>
-          <p:nvPr/>
-        </p:nvSpPr>
-        <p:spPr>
-          <a:xfrm>
-            <a:off x="1356884" y="4864063"/>
-            <a:ext cx="2792939" cy="571194"/>
-          </a:xfrm>
-          <a:prstGeom prst="rect">
-            <a:avLst/>
-          </a:prstGeom>
-          <a:gradFill>
-            <a:gsLst>
-              <a:gs pos="0">
-                <a:srgbClr val="FFFFFF"/>
-              </a:gs>
-              <a:gs pos="100000">
-                <a:srgbClr val="CBCBCB"/>
-              </a:gs>
-            </a:gsLst>
-          </a:gradFill>
-          <a:ln w="12700">
-            <a:solidFill/>
-            <a:miter lim="400000"/>
-          </a:ln>
-          <a:extLst>
-            <a:ext uri="{C572A759-6A51-4108-AA02-DFA0A04FC94B}">
-              <ma14:wrappingTextBoxFlag xmlns:ma14="http://schemas.microsoft.com/office/mac/drawingml/2011/main" val="1"/>
-            </a:ext>
-          </a:extLst>
-        </p:spPr>
-        <p:txBody>
-          <a:bodyPr lIns="0" tIns="0" rIns="0" bIns="0" anchor="ctr"/>
-          <a:lstStyle>
-            <a:lvl1pPr>
-              <a:defRPr b="1" sz="1600">
-                <a:latin typeface="Times New Roman"/>
-                <a:ea typeface="Times New Roman"/>
-                <a:cs typeface="Times New Roman"/>
-                <a:sym typeface="Times New Roman"/>
-              </a:defRPr>
-            </a:lvl1pPr>
-          </a:lstStyle>
-          <a:p>
-            <a:pPr lvl="0">
-              <a:defRPr b="0" sz="1800"/>
-            </a:pPr>
-            <a:r>
-              <a:rPr b="1" sz="1600"/>
-              <a:t>HI reduction and HI mass derivation (EPFL/Paris)</a:t>
             </a:r>
           </a:p>
         </p:txBody>
@@ -3584,7 +3601,7 @@
           <a:bodyPr lIns="0" tIns="0" rIns="0" bIns="0" anchor="ctr"/>
           <a:lstStyle>
             <a:lvl1pPr>
-              <a:defRPr b="1" sz="1600">
+              <a:defRPr sz="1600" b="1">
                 <a:solidFill>
                   <a:srgbClr val="0433FF"/>
                 </a:solidFill>
@@ -3597,14 +3614,14 @@
           </a:lstStyle>
           <a:p>
             <a:pPr lvl="0">
-              <a:defRPr b="0" sz="1800">
+              <a:defRPr sz="1800" b="0">
                 <a:solidFill>
                   <a:srgbClr val="000000"/>
                 </a:solidFill>
               </a:defRPr>
             </a:pPr>
             <a:r>
-              <a:rPr b="1" sz="1600">
+              <a:rPr sz="1600" b="1">
                 <a:solidFill>
                   <a:srgbClr val="0433FF"/>
                 </a:solidFill>
@@ -3622,8 +3639,8 @@
         </p:nvSpPr>
         <p:spPr>
           <a:xfrm>
-            <a:off x="9248354" y="3505605"/>
-            <a:ext cx="2641975" cy="997222"/>
+            <a:off x="9712498" y="2963212"/>
+            <a:ext cx="2139951" cy="997222"/>
           </a:xfrm>
           <a:prstGeom prst="rect">
             <a:avLst/>
@@ -3652,7 +3669,7 @@
           <a:bodyPr lIns="0" tIns="0" rIns="0" bIns="0" anchor="ctr"/>
           <a:lstStyle>
             <a:lvl1pPr>
-              <a:defRPr b="1" sz="1600">
+              <a:defRPr sz="1600" b="1">
                 <a:solidFill>
                   <a:srgbClr val="FF2600"/>
                 </a:solidFill>
@@ -3668,7 +3685,7 @@
           </a:lstStyle>
           <a:p>
             <a:pPr lvl="0">
-              <a:defRPr b="0" sz="1800">
+              <a:defRPr sz="1800" b="0">
                 <a:solidFill>
                   <a:srgbClr val="000000"/>
                 </a:solidFill>
@@ -3676,7 +3693,7 @@
               </a:defRPr>
             </a:pPr>
             <a:r>
-              <a:rPr b="1" sz="1600">
+              <a:rPr sz="1600" b="1" dirty="0">
                 <a:solidFill>
                   <a:srgbClr val="FF2600"/>
                 </a:solidFill>
@@ -3727,7 +3744,7 @@
           <a:bodyPr lIns="0" tIns="0" rIns="0" bIns="0" anchor="ctr"/>
           <a:lstStyle>
             <a:lvl1pPr>
-              <a:defRPr b="1" sz="1600">
+              <a:defRPr sz="1600" b="1">
                 <a:latin typeface="Times New Roman"/>
                 <a:ea typeface="Times New Roman"/>
                 <a:cs typeface="Times New Roman"/>
@@ -3737,10 +3754,10 @@
           </a:lstStyle>
           <a:p>
             <a:pPr lvl="0">
-              <a:defRPr b="0" sz="1800"/>
-            </a:pPr>
-            <a:r>
-              <a:rPr b="1" sz="1600"/>
+              <a:defRPr sz="1800" b="0"/>
+            </a:pPr>
+            <a:r>
+              <a:rPr sz="1600" b="1"/>
               <a:t>Implementation of SAMs in constrained local simulation (Trieste)</a:t>
             </a:r>
           </a:p>
@@ -3784,7 +3801,7 @@
           <a:bodyPr lIns="0" tIns="0" rIns="0" bIns="0" anchor="ctr"/>
           <a:lstStyle>
             <a:lvl1pPr>
-              <a:defRPr b="1" sz="1600">
+              <a:defRPr sz="1600" b="1">
                 <a:solidFill>
                   <a:srgbClr val="0433FF"/>
                 </a:solidFill>
@@ -3797,14 +3814,14 @@
           </a:lstStyle>
           <a:p>
             <a:pPr lvl="0">
-              <a:defRPr b="0" sz="1800">
+              <a:defRPr sz="1800" b="0">
                 <a:solidFill>
                   <a:srgbClr val="000000"/>
                 </a:solidFill>
               </a:defRPr>
             </a:pPr>
             <a:r>
-              <a:rPr b="1" sz="1600">
+              <a:rPr sz="1600" b="1">
                 <a:solidFill>
                   <a:srgbClr val="0433FF"/>
                 </a:solidFill>
@@ -3852,7 +3869,7 @@
           <a:bodyPr lIns="0" tIns="0" rIns="0" bIns="0" anchor="ctr"/>
           <a:lstStyle>
             <a:lvl1pPr>
-              <a:defRPr b="1" sz="1600">
+              <a:defRPr sz="1600" b="1">
                 <a:solidFill>
                   <a:srgbClr val="FF2600"/>
                 </a:solidFill>
@@ -3868,7 +3885,7 @@
           </a:lstStyle>
           <a:p>
             <a:pPr lvl="0">
-              <a:defRPr b="0" sz="1800">
+              <a:defRPr sz="1800" b="0">
                 <a:solidFill>
                   <a:srgbClr val="000000"/>
                 </a:solidFill>
@@ -3876,7 +3893,7 @@
               </a:defRPr>
             </a:pPr>
             <a:r>
-              <a:rPr b="1" sz="1600">
+              <a:rPr sz="1600" b="1">
                 <a:solidFill>
                   <a:srgbClr val="FF2600"/>
                 </a:solidFill>
@@ -3927,7 +3944,7 @@
           <a:bodyPr lIns="0" tIns="0" rIns="0" bIns="0" anchor="ctr"/>
           <a:lstStyle>
             <a:lvl1pPr>
-              <a:defRPr b="1" sz="1600">
+              <a:defRPr sz="1600" b="1">
                 <a:solidFill>
                   <a:srgbClr val="FF2600"/>
                 </a:solidFill>
@@ -3943,7 +3960,7 @@
           </a:lstStyle>
           <a:p>
             <a:pPr lvl="0">
-              <a:defRPr b="0" sz="1800">
+              <a:defRPr sz="1800" b="0">
                 <a:solidFill>
                   <a:srgbClr val="000000"/>
                 </a:solidFill>
@@ -3951,7 +3968,7 @@
               </a:defRPr>
             </a:pPr>
             <a:r>
-              <a:rPr b="1" sz="1600">
+              <a:rPr sz="1600" b="1">
                 <a:solidFill>
                   <a:srgbClr val="FF2600"/>
                 </a:solidFill>
@@ -3972,7 +3989,7 @@
         </p:nvSpPr>
         <p:spPr>
           <a:xfrm>
-            <a:off x="2759703" y="5907268"/>
+            <a:off x="5004159" y="3171697"/>
             <a:ext cx="2792939" cy="572591"/>
           </a:xfrm>
           <a:prstGeom prst="rect">
@@ -4002,7 +4019,7 @@
           <a:bodyPr lIns="0" tIns="0" rIns="0" bIns="0" anchor="ctr"/>
           <a:lstStyle>
             <a:lvl1pPr>
-              <a:defRPr b="1" sz="1600">
+              <a:defRPr sz="1600" b="1">
                 <a:solidFill>
                   <a:srgbClr val="00882B"/>
                 </a:solidFill>
@@ -4015,14 +4032,14 @@
           </a:lstStyle>
           <a:p>
             <a:pPr lvl="0">
-              <a:defRPr b="0" sz="1800">
+              <a:defRPr sz="1800" b="0">
                 <a:solidFill>
                   <a:srgbClr val="000000"/>
                 </a:solidFill>
               </a:defRPr>
             </a:pPr>
             <a:r>
-              <a:rPr b="1" sz="1600">
+              <a:rPr sz="1600" b="1">
                 <a:solidFill>
                   <a:srgbClr val="00882B"/>
                 </a:solidFill>
@@ -4070,7 +4087,7 @@
           <a:bodyPr lIns="0" tIns="0" rIns="0" bIns="0" anchor="ctr"/>
           <a:lstStyle>
             <a:lvl1pPr>
-              <a:defRPr b="1" sz="1600">
+              <a:defRPr sz="1600" b="1">
                 <a:uFill>
                   <a:solidFill/>
                 </a:uFill>
@@ -4083,12 +4100,12 @@
           </a:lstStyle>
           <a:p>
             <a:pPr lvl="0">
-              <a:defRPr b="0" sz="1800">
+              <a:defRPr sz="1800" b="0">
                 <a:uFillTx/>
               </a:defRPr>
             </a:pPr>
             <a:r>
-              <a:rPr b="1" sz="1600">
+              <a:rPr sz="1600" b="1">
                 <a:uFill>
                   <a:solidFill/>
                 </a:uFill>
@@ -4151,8 +4168,8 @@
         </p:nvSpPr>
         <p:spPr>
           <a:xfrm>
-            <a:off x="6201052" y="2201628"/>
-            <a:ext cx="3653114" cy="668450"/>
+            <a:off x="6502877" y="2172466"/>
+            <a:ext cx="3258464" cy="668450"/>
           </a:xfrm>
           <a:prstGeom prst="rect">
             <a:avLst/>
@@ -4181,7 +4198,7 @@
           <a:bodyPr lIns="0" tIns="0" rIns="0" bIns="0" anchor="ctr"/>
           <a:lstStyle>
             <a:lvl1pPr>
-              <a:defRPr b="1" sz="1600">
+              <a:defRPr sz="1600" b="1">
                 <a:solidFill>
                   <a:srgbClr val="0433FF"/>
                 </a:solidFill>
@@ -4194,19 +4211,35 @@
           </a:lstStyle>
           <a:p>
             <a:pPr lvl="0">
-              <a:defRPr b="0" sz="1800">
+              <a:defRPr sz="1800" b="0">
                 <a:solidFill>
                   <a:srgbClr val="000000"/>
                 </a:solidFill>
               </a:defRPr>
             </a:pPr>
             <a:r>
-              <a:rPr b="1" sz="1600">
+              <a:rPr sz="1600" b="1" dirty="0">
                 <a:solidFill>
                   <a:srgbClr val="0433FF"/>
                 </a:solidFill>
               </a:rPr>
-              <a:t>Analysis of Halpha morphologies For NGC filament (KU)</a:t>
+              <a:t>Analysis of Halpha </a:t>
+            </a:r>
+            <a:r>
+              <a:rPr sz="1600" b="1" dirty="0" smtClean="0">
+                <a:solidFill>
+                  <a:srgbClr val="0433FF"/>
+                </a:solidFill>
+              </a:rPr>
+              <a:t>morphologies </a:t>
+            </a:r>
+            <a:r>
+              <a:rPr sz="1600" b="1" dirty="0">
+                <a:solidFill>
+                  <a:srgbClr val="0433FF"/>
+                </a:solidFill>
+              </a:rPr>
+              <a:t>(KU)</a:t>
             </a:r>
           </a:p>
         </p:txBody>
@@ -4249,7 +4282,7 @@
           <a:bodyPr lIns="0" tIns="0" rIns="0" bIns="0" anchor="ctr"/>
           <a:lstStyle>
             <a:lvl1pPr>
-              <a:defRPr b="1" sz="1600">
+              <a:defRPr sz="1600" b="1">
                 <a:solidFill>
                   <a:srgbClr val="FF2600"/>
                 </a:solidFill>
@@ -4265,7 +4298,7 @@
           </a:lstStyle>
           <a:p>
             <a:pPr lvl="0">
-              <a:defRPr b="0" sz="1800">
+              <a:defRPr sz="1800" b="0">
                 <a:solidFill>
                   <a:srgbClr val="000000"/>
                 </a:solidFill>
@@ -4273,7 +4306,7 @@
               </a:defRPr>
             </a:pPr>
             <a:r>
-              <a:rPr b="1" sz="1600">
+              <a:rPr sz="1600" b="1" dirty="0">
                 <a:solidFill>
                   <a:srgbClr val="FF2600"/>
                 </a:solidFill>
@@ -4324,7 +4357,7 @@
           <a:bodyPr lIns="0" tIns="0" rIns="0" bIns="0" anchor="ctr"/>
           <a:lstStyle>
             <a:lvl1pPr>
-              <a:defRPr b="1" sz="1600">
+              <a:defRPr sz="1600" b="1">
                 <a:solidFill>
                   <a:srgbClr val="FF2600"/>
                 </a:solidFill>
@@ -4340,7 +4373,7 @@
           </a:lstStyle>
           <a:p>
             <a:pPr lvl="0">
-              <a:defRPr b="0" sz="1800">
+              <a:defRPr sz="1800" b="0">
                 <a:solidFill>
                   <a:srgbClr val="000000"/>
                 </a:solidFill>
@@ -4348,7 +4381,7 @@
               </a:defRPr>
             </a:pPr>
             <a:r>
-              <a:rPr b="1" sz="1600">
+              <a:rPr sz="1600" b="1">
                 <a:solidFill>
                   <a:srgbClr val="FF2600"/>
                 </a:solidFill>
@@ -4399,7 +4432,7 @@
           <a:bodyPr lIns="0" tIns="0" rIns="0" bIns="0" anchor="ctr"/>
           <a:lstStyle>
             <a:lvl1pPr>
-              <a:defRPr b="1" sz="1600">
+              <a:defRPr sz="1600" b="1">
                 <a:solidFill>
                   <a:srgbClr val="00882B"/>
                 </a:solidFill>
@@ -4412,14 +4445,14 @@
           </a:lstStyle>
           <a:p>
             <a:pPr lvl="0">
-              <a:defRPr b="0" sz="1800">
+              <a:defRPr sz="1800" b="0">
                 <a:solidFill>
                   <a:srgbClr val="000000"/>
                 </a:solidFill>
               </a:defRPr>
             </a:pPr>
             <a:r>
-              <a:rPr b="1" sz="1600">
+              <a:rPr sz="1600" b="1">
                 <a:solidFill>
                   <a:srgbClr val="00882B"/>
                 </a:solidFill>
@@ -4467,7 +4500,7 @@
           <a:bodyPr lIns="0" tIns="0" rIns="0" bIns="0" anchor="ctr"/>
           <a:lstStyle>
             <a:lvl1pPr>
-              <a:defRPr b="1" sz="1600">
+              <a:defRPr sz="1600" b="1">
                 <a:latin typeface="Times New Roman"/>
                 <a:ea typeface="Times New Roman"/>
                 <a:cs typeface="Times New Roman"/>
@@ -4477,12 +4510,130 @@
           </a:lstStyle>
           <a:p>
             <a:pPr lvl="0">
-              <a:defRPr b="0" sz="1800"/>
-            </a:pPr>
-            <a:r>
-              <a:rPr b="1" sz="1600"/>
-              <a:t>CO reduction and CO luminosity derivation (EPFL/Paris)</a:t>
-            </a:r>
+              <a:defRPr sz="1800" b="0"/>
+            </a:pPr>
+            <a:r>
+              <a:rPr dirty="0"/>
+              <a:t>CO </a:t>
+            </a:r>
+            <a:r>
+              <a:rPr lang="en-US" dirty="0" smtClean="0"/>
+              <a:t>and HI </a:t>
+            </a:r>
+            <a:r>
+              <a:rPr dirty="0" smtClean="0"/>
+              <a:t>reduction</a:t>
+            </a:r>
+            <a:r>
+              <a:rPr lang="en-US" dirty="0" smtClean="0"/>
+              <a:t>; </a:t>
+            </a:r>
+            <a:r>
+              <a:rPr dirty="0" smtClean="0"/>
+              <a:t>CO </a:t>
+            </a:r>
+            <a:r>
+              <a:rPr lang="en-US" dirty="0" smtClean="0"/>
+              <a:t>and HI mass</a:t>
+            </a:r>
+            <a:r>
+              <a:rPr dirty="0" smtClean="0"/>
+              <a:t> derivation</a:t>
+            </a:r>
+            <a:r>
+              <a:rPr lang="en-US" dirty="0" smtClean="0"/>
+              <a:t> </a:t>
+            </a:r>
+            <a:r>
+              <a:rPr dirty="0" smtClean="0"/>
+              <a:t>(</a:t>
+            </a:r>
+            <a:r>
+              <a:rPr dirty="0"/>
+              <a:t>EPFL/Paris)</a:t>
+            </a:r>
+          </a:p>
+        </p:txBody>
+      </p:sp>
+      <p:sp>
+        <p:nvSpPr>
+          <p:cNvPr id="2" name="Rectangle 1"/>
+          <p:cNvSpPr/>
+          <p:nvPr/>
+        </p:nvSpPr>
+        <p:spPr>
+          <a:xfrm>
+            <a:off x="82096" y="2168307"/>
+            <a:ext cx="202387" cy="762339"/>
+          </a:xfrm>
+          <a:prstGeom prst="rect">
+            <a:avLst/>
+          </a:prstGeom>
+          <a:solidFill>
+            <a:srgbClr val="FFFFFF"/>
+          </a:solidFill>
+          <a:ln w="12700" cap="flat">
+            <a:solidFill>
+              <a:schemeClr val="bg1"/>
+            </a:solidFill>
+            <a:miter lim="400000"/>
+          </a:ln>
+          <a:effectLst/>
+        </p:spPr>
+        <p:style>
+          <a:lnRef idx="0">
+            <a:scrgbClr r="0" g="0" b="0"/>
+          </a:lnRef>
+          <a:fillRef idx="0">
+            <a:scrgbClr r="0" g="0" b="0"/>
+          </a:fillRef>
+          <a:effectRef idx="0">
+            <a:scrgbClr r="0" g="0" b="0"/>
+          </a:effectRef>
+          <a:fontRef idx="none"/>
+        </p:style>
+        <p:txBody>
+          <a:bodyPr rot="0" spcFirstLastPara="1" vertOverflow="overflow" horzOverflow="overflow" vert="horz" wrap="square" lIns="50800" tIns="50800" rIns="50800" bIns="50800" numCol="1" spcCol="38100" rtlCol="0" anchor="ctr">
+            <a:spAutoFit/>
+          </a:bodyPr>
+          <a:lstStyle/>
+          <a:p>
+            <a:pPr marL="0" marR="0" indent="0" algn="ctr" defTabSz="584200" rtl="0" fontAlgn="auto" latinLnBrk="1" hangingPunct="0">
+              <a:lnSpc>
+                <a:spcPct val="100000"/>
+              </a:lnSpc>
+              <a:spcBef>
+                <a:spcPts val="0"/>
+              </a:spcBef>
+              <a:spcAft>
+                <a:spcPts val="0"/>
+              </a:spcAft>
+              <a:buClrTx/>
+              <a:buSzTx/>
+              <a:buFontTx/>
+              <a:buNone/>
+              <a:tabLst/>
+            </a:pPr>
+            <a:endParaRPr kumimoji="0" lang="en-US" sz="4000" b="0" i="0" u="none" strike="noStrike" cap="none" spc="0" normalizeH="0" baseline="0">
+              <a:ln>
+                <a:noFill/>
+              </a:ln>
+              <a:solidFill>
+                <a:srgbClr val="FFFFFF"/>
+              </a:solidFill>
+              <a:effectLst>
+                <a:outerShdw blurRad="38100" dist="12700" dir="5400000" rotWithShape="0">
+                  <a:srgbClr val="000000">
+                    <a:alpha val="50000"/>
+                  </a:srgbClr>
+                </a:outerShdw>
+              </a:effectLst>
+              <a:uFillTx/>
+              <a:latin typeface="+mn-lt"/>
+              <a:ea typeface="+mn-ea"/>
+              <a:cs typeface="+mn-cs"/>
+              <a:sym typeface="Gill Sans"/>
+            </a:endParaRPr>
           </a:p>
         </p:txBody>
       </p:sp>
@@ -4491,12 +4642,12 @@
   <p:clrMapOvr>
     <a:masterClrMapping/>
   </p:clrMapOvr>
-  <p:transition spd="med" advClick="1"/>
+  <p:transition xmlns:p14="http://schemas.microsoft.com/office/powerpoint/2010/main" spd="med"/>
 </p:sld>
 </file>
 
 <file path=ppt/theme/theme1.xml><?xml version="1.0" encoding="utf-8"?>
-<a:theme xmlns:a="http://schemas.openxmlformats.org/drawingml/2006/main" xmlns:r="http://schemas.openxmlformats.org/officeDocument/2006/relationships" name="White">
+<a:theme xmlns:a="http://schemas.openxmlformats.org/drawingml/2006/main" name="White">
   <a:themeElements>
     <a:clrScheme name="White">
       <a:dk1>
@@ -4622,7 +4773,7 @@
       <a:effectStyleLst>
         <a:effectStyle>
           <a:effectLst>
-            <a:outerShdw sx="100000" sy="100000" kx="0" ky="0" algn="b" rotWithShape="0" blurRad="38100" dist="25400" dir="5400000">
+            <a:outerShdw blurRad="38100" dist="25400" dir="5400000" rotWithShape="0">
               <a:srgbClr val="000000">
                 <a:alpha val="50000"/>
               </a:srgbClr>
@@ -4631,7 +4782,7 @@
         </a:effectStyle>
         <a:effectStyle>
           <a:effectLst>
-            <a:outerShdw sx="100000" sy="100000" kx="0" ky="0" algn="b" rotWithShape="0" blurRad="50800" dist="12700" dir="0">
+            <a:outerShdw blurRad="50800" dist="12700" rotWithShape="0">
               <a:srgbClr val="000000">
                 <a:alpha val="50000"/>
               </a:srgbClr>
@@ -4640,7 +4791,7 @@
         </a:effectStyle>
         <a:effectStyle>
           <a:effectLst>
-            <a:outerShdw sx="100000" sy="100000" kx="0" ky="0" algn="b" rotWithShape="0" blurRad="38100" dist="25400" dir="5400000">
+            <a:outerShdw blurRad="38100" dist="25400" dir="5400000" rotWithShape="0">
               <a:srgbClr val="000000">
                 <a:alpha val="50000"/>
               </a:srgbClr>
@@ -4704,8 +4855,8 @@
     <a:spDef>
       <a:spPr>
         <a:blipFill rotWithShape="1">
-          <a:blip r:embed="rId1"/>
-          <a:srcRect l="0" t="0" r="0" b="0"/>
+          <a:blip xmlns:r="http://schemas.openxmlformats.org/officeDocument/2006/relationships" r:embed="rId1"/>
+          <a:srcRect/>
           <a:tile tx="0" ty="0" sx="100000" sy="100000" flip="none" algn="tl"/>
         </a:blipFill>
         <a:ln w="12700" cap="flat">
@@ -4713,14 +4864,14 @@
           <a:miter lim="400000"/>
         </a:ln>
         <a:effectLst>
-          <a:outerShdw sx="100000" sy="100000" kx="0" ky="0" algn="b" rotWithShape="0" blurRad="38100" dist="25400" dir="5400000">
+          <a:outerShdw blurRad="38100" dist="25400" dir="5400000" rotWithShape="0">
             <a:srgbClr val="000000">
               <a:alpha val="50000"/>
             </a:srgbClr>
           </a:outerShdw>
         </a:effectLst>
       </a:spPr>
-      <a:bodyPr rot="0" spcFirstLastPara="1" vertOverflow="overflow" horzOverflow="overflow" vert="horz" wrap="square" lIns="50800" tIns="50800" rIns="50800" bIns="50800" numCol="1" spcCol="38100" rtlCol="0" anchor="ctr" upright="0">
+      <a:bodyPr rot="0" spcFirstLastPara="1" vertOverflow="overflow" horzOverflow="overflow" vert="horz" wrap="square" lIns="50800" tIns="50800" rIns="50800" bIns="50800" numCol="1" spcCol="38100" rtlCol="0" anchor="ctr">
         <a:spAutoFit/>
       </a:bodyPr>
       <a:lstStyle>
@@ -4739,7 +4890,7 @@
           <a:buFontTx/>
           <a:buNone/>
           <a:tabLst/>
-          <a:defRPr b="0" baseline="0" cap="none" i="0" spc="0" strike="noStrike" sz="4000" u="none" kumimoji="0" normalizeH="0">
+          <a:defRPr kumimoji="0" sz="4000" b="0" i="0" u="none" strike="noStrike" cap="none" spc="0" normalizeH="0" baseline="0">
             <a:ln>
               <a:noFill/>
             </a:ln>
@@ -4747,7 +4898,7 @@
               <a:srgbClr val="FFFFFF"/>
             </a:solidFill>
             <a:effectLst>
-              <a:outerShdw sx="100000" sy="100000" kx="0" ky="0" algn="b" rotWithShape="0" blurRad="38100" dist="12700" dir="5400000">
+              <a:outerShdw blurRad="38100" dist="12700" dir="5400000" rotWithShape="0">
                 <a:srgbClr val="000000">
                   <a:alpha val="50000"/>
                 </a:srgbClr>
@@ -4775,7 +4926,7 @@
           <a:buFontTx/>
           <a:buNone/>
           <a:tabLst/>
-          <a:defRPr b="0" baseline="0" cap="none" i="0" spc="0" strike="noStrike" sz="1800" u="none" kumimoji="0" normalizeH="0">
+          <a:defRPr kumimoji="0" sz="1800" b="0" i="0" u="none" strike="noStrike" cap="none" spc="0" normalizeH="0" baseline="0">
             <a:ln>
               <a:noFill/>
             </a:ln>
@@ -4801,7 +4952,7 @@
           <a:buFontTx/>
           <a:buNone/>
           <a:tabLst/>
-          <a:defRPr b="0" baseline="0" cap="none" i="0" spc="0" strike="noStrike" sz="1800" u="none" kumimoji="0" normalizeH="0">
+          <a:defRPr kumimoji="0" sz="1800" b="0" i="0" u="none" strike="noStrike" cap="none" spc="0" normalizeH="0" baseline="0">
             <a:ln>
               <a:noFill/>
             </a:ln>
@@ -4827,7 +4978,7 @@
           <a:buFontTx/>
           <a:buNone/>
           <a:tabLst/>
-          <a:defRPr b="0" baseline="0" cap="none" i="0" spc="0" strike="noStrike" sz="1800" u="none" kumimoji="0" normalizeH="0">
+          <a:defRPr kumimoji="0" sz="1800" b="0" i="0" u="none" strike="noStrike" cap="none" spc="0" normalizeH="0" baseline="0">
             <a:ln>
               <a:noFill/>
             </a:ln>
@@ -4853,7 +5004,7 @@
           <a:buFontTx/>
           <a:buNone/>
           <a:tabLst/>
-          <a:defRPr b="0" baseline="0" cap="none" i="0" spc="0" strike="noStrike" sz="1800" u="none" kumimoji="0" normalizeH="0">
+          <a:defRPr kumimoji="0" sz="1800" b="0" i="0" u="none" strike="noStrike" cap="none" spc="0" normalizeH="0" baseline="0">
             <a:ln>
               <a:noFill/>
             </a:ln>
@@ -4879,7 +5030,7 @@
           <a:buFontTx/>
           <a:buNone/>
           <a:tabLst/>
-          <a:defRPr b="0" baseline="0" cap="none" i="0" spc="0" strike="noStrike" sz="1800" u="none" kumimoji="0" normalizeH="0">
+          <a:defRPr kumimoji="0" sz="1800" b="0" i="0" u="none" strike="noStrike" cap="none" spc="0" normalizeH="0" baseline="0">
             <a:ln>
               <a:noFill/>
             </a:ln>
@@ -4905,7 +5056,7 @@
           <a:buFontTx/>
           <a:buNone/>
           <a:tabLst/>
-          <a:defRPr b="0" baseline="0" cap="none" i="0" spc="0" strike="noStrike" sz="1800" u="none" kumimoji="0" normalizeH="0">
+          <a:defRPr kumimoji="0" sz="1800" b="0" i="0" u="none" strike="noStrike" cap="none" spc="0" normalizeH="0" baseline="0">
             <a:ln>
               <a:noFill/>
             </a:ln>
@@ -4931,7 +5082,7 @@
           <a:buFontTx/>
           <a:buNone/>
           <a:tabLst/>
-          <a:defRPr b="0" baseline="0" cap="none" i="0" spc="0" strike="noStrike" sz="1800" u="none" kumimoji="0" normalizeH="0">
+          <a:defRPr kumimoji="0" sz="1800" b="0" i="0" u="none" strike="noStrike" cap="none" spc="0" normalizeH="0" baseline="0">
             <a:ln>
               <a:noFill/>
             </a:ln>
@@ -4957,7 +5108,7 @@
           <a:buFontTx/>
           <a:buNone/>
           <a:tabLst/>
-          <a:defRPr b="0" baseline="0" cap="none" i="0" spc="0" strike="noStrike" sz="1800" u="none" kumimoji="0" normalizeH="0">
+          <a:defRPr kumimoji="0" sz="1800" b="0" i="0" u="none" strike="noStrike" cap="none" spc="0" normalizeH="0" baseline="0">
             <a:ln>
               <a:noFill/>
             </a:ln>
@@ -4983,7 +5134,7 @@
           <a:buFontTx/>
           <a:buNone/>
           <a:tabLst/>
-          <a:defRPr b="0" baseline="0" cap="none" i="0" spc="0" strike="noStrike" sz="1800" u="none" kumimoji="0" normalizeH="0">
+          <a:defRPr kumimoji="0" sz="1800" b="0" i="0" u="none" strike="noStrike" cap="none" spc="0" normalizeH="0" baseline="0">
             <a:ln>
               <a:noFill/>
             </a:ln>
@@ -4996,9 +5147,15 @@
         </a:lvl9pPr>
       </a:lstStyle>
       <a:style>
-        <a:lnRef idx="0"/>
-        <a:fillRef idx="0"/>
-        <a:effectRef idx="0"/>
+        <a:lnRef idx="0">
+          <a:scrgbClr r="0" g="0" b="0"/>
+        </a:lnRef>
+        <a:fillRef idx="0">
+          <a:scrgbClr r="0" g="0" b="0"/>
+        </a:fillRef>
+        <a:effectRef idx="0">
+          <a:scrgbClr r="0" g="0" b="0"/>
+        </a:effectRef>
         <a:fontRef idx="none"/>
       </a:style>
     </a:spDef>
@@ -5014,7 +5171,7 @@
         </a:ln>
         <a:effectLst/>
       </a:spPr>
-      <a:bodyPr rot="0" spcFirstLastPara="1" vertOverflow="overflow" horzOverflow="overflow" vert="horz" wrap="square" lIns="91439" tIns="45719" rIns="91439" bIns="45719" numCol="1" spcCol="38100" rtlCol="0" anchor="t" upright="0">
+      <a:bodyPr rot="0" spcFirstLastPara="1" vertOverflow="overflow" horzOverflow="overflow" vert="horz" wrap="square" lIns="91439" tIns="45719" rIns="91439" bIns="45719" numCol="1" spcCol="38100" rtlCol="0" anchor="t">
         <a:noAutofit/>
       </a:bodyPr>
       <a:lstStyle>
@@ -5033,7 +5190,7 @@
           <a:buFontTx/>
           <a:buNone/>
           <a:tabLst/>
-          <a:defRPr b="0" baseline="0" cap="none" i="0" spc="0" strike="noStrike" sz="1800" u="none" kumimoji="0" normalizeH="0">
+          <a:defRPr kumimoji="0" sz="1800" b="0" i="0" u="none" strike="noStrike" cap="none" spc="0" normalizeH="0" baseline="0">
             <a:ln>
               <a:noFill/>
             </a:ln>
@@ -5059,7 +5216,7 @@
           <a:buFontTx/>
           <a:buNone/>
           <a:tabLst/>
-          <a:defRPr b="0" baseline="0" cap="none" i="0" spc="0" strike="noStrike" sz="1800" u="none" kumimoji="0" normalizeH="0">
+          <a:defRPr kumimoji="0" sz="1800" b="0" i="0" u="none" strike="noStrike" cap="none" spc="0" normalizeH="0" baseline="0">
             <a:ln>
               <a:noFill/>
             </a:ln>
@@ -5085,7 +5242,7 @@
           <a:buFontTx/>
           <a:buNone/>
           <a:tabLst/>
-          <a:defRPr b="0" baseline="0" cap="none" i="0" spc="0" strike="noStrike" sz="1800" u="none" kumimoji="0" normalizeH="0">
+          <a:defRPr kumimoji="0" sz="1800" b="0" i="0" u="none" strike="noStrike" cap="none" spc="0" normalizeH="0" baseline="0">
             <a:ln>
               <a:noFill/>
             </a:ln>
@@ -5111,7 +5268,7 @@
           <a:buFontTx/>
           <a:buNone/>
           <a:tabLst/>
-          <a:defRPr b="0" baseline="0" cap="none" i="0" spc="0" strike="noStrike" sz="1800" u="none" kumimoji="0" normalizeH="0">
+          <a:defRPr kumimoji="0" sz="1800" b="0" i="0" u="none" strike="noStrike" cap="none" spc="0" normalizeH="0" baseline="0">
             <a:ln>
               <a:noFill/>
             </a:ln>
@@ -5137,7 +5294,7 @@
           <a:buFontTx/>
           <a:buNone/>
           <a:tabLst/>
-          <a:defRPr b="0" baseline="0" cap="none" i="0" spc="0" strike="noStrike" sz="1800" u="none" kumimoji="0" normalizeH="0">
+          <a:defRPr kumimoji="0" sz="1800" b="0" i="0" u="none" strike="noStrike" cap="none" spc="0" normalizeH="0" baseline="0">
             <a:ln>
               <a:noFill/>
             </a:ln>
@@ -5163,7 +5320,7 @@
           <a:buFontTx/>
           <a:buNone/>
           <a:tabLst/>
-          <a:defRPr b="0" baseline="0" cap="none" i="0" spc="0" strike="noStrike" sz="1800" u="none" kumimoji="0" normalizeH="0">
+          <a:defRPr kumimoji="0" sz="1800" b="0" i="0" u="none" strike="noStrike" cap="none" spc="0" normalizeH="0" baseline="0">
             <a:ln>
               <a:noFill/>
             </a:ln>
@@ -5189,7 +5346,7 @@
           <a:buFontTx/>
           <a:buNone/>
           <a:tabLst/>
-          <a:defRPr b="0" baseline="0" cap="none" i="0" spc="0" strike="noStrike" sz="1800" u="none" kumimoji="0" normalizeH="0">
+          <a:defRPr kumimoji="0" sz="1800" b="0" i="0" u="none" strike="noStrike" cap="none" spc="0" normalizeH="0" baseline="0">
             <a:ln>
               <a:noFill/>
             </a:ln>
@@ -5215,7 +5372,7 @@
           <a:buFontTx/>
           <a:buNone/>
           <a:tabLst/>
-          <a:defRPr b="0" baseline="0" cap="none" i="0" spc="0" strike="noStrike" sz="1800" u="none" kumimoji="0" normalizeH="0">
+          <a:defRPr kumimoji="0" sz="1800" b="0" i="0" u="none" strike="noStrike" cap="none" spc="0" normalizeH="0" baseline="0">
             <a:ln>
               <a:noFill/>
             </a:ln>
@@ -5241,7 +5398,7 @@
           <a:buFontTx/>
           <a:buNone/>
           <a:tabLst/>
-          <a:defRPr b="0" baseline="0" cap="none" i="0" spc="0" strike="noStrike" sz="1800" u="none" kumimoji="0" normalizeH="0">
+          <a:defRPr kumimoji="0" sz="1800" b="0" i="0" u="none" strike="noStrike" cap="none" spc="0" normalizeH="0" baseline="0">
             <a:ln>
               <a:noFill/>
             </a:ln>
@@ -5267,7 +5424,7 @@
           <a:buFontTx/>
           <a:buNone/>
           <a:tabLst/>
-          <a:defRPr b="0" baseline="0" cap="none" i="0" spc="0" strike="noStrike" sz="1800" u="none" kumimoji="0" normalizeH="0">
+          <a:defRPr kumimoji="0" sz="1800" b="0" i="0" u="none" strike="noStrike" cap="none" spc="0" normalizeH="0" baseline="0">
             <a:ln>
               <a:noFill/>
             </a:ln>
@@ -5280,9 +5437,15 @@
         </a:lvl9pPr>
       </a:lstStyle>
       <a:style>
-        <a:lnRef idx="0"/>
-        <a:fillRef idx="0"/>
-        <a:effectRef idx="0"/>
+        <a:lnRef idx="0">
+          <a:scrgbClr r="0" g="0" b="0"/>
+        </a:lnRef>
+        <a:fillRef idx="0">
+          <a:scrgbClr r="0" g="0" b="0"/>
+        </a:fillRef>
+        <a:effectRef idx="0">
+          <a:scrgbClr r="0" g="0" b="0"/>
+        </a:effectRef>
         <a:fontRef idx="none"/>
       </a:style>
     </a:lnDef>
@@ -5295,7 +5458,7 @@
         </a:ln>
         <a:effectLst/>
       </a:spPr>
-      <a:bodyPr rot="0" spcFirstLastPara="1" vertOverflow="overflow" horzOverflow="overflow" vert="horz" wrap="square" lIns="50800" tIns="50800" rIns="50800" bIns="50800" numCol="1" spcCol="38100" rtlCol="0" anchor="ctr" upright="0">
+      <a:bodyPr rot="0" spcFirstLastPara="1" vertOverflow="overflow" horzOverflow="overflow" vert="horz" wrap="square" lIns="50800" tIns="50800" rIns="50800" bIns="50800" numCol="1" spcCol="38100" rtlCol="0" anchor="ctr">
         <a:spAutoFit/>
       </a:bodyPr>
       <a:lstStyle>
@@ -5314,7 +5477,7 @@
           <a:buFontTx/>
           <a:buNone/>
           <a:tabLst/>
-          <a:defRPr b="0" baseline="0" cap="none" i="0" spc="0" strike="noStrike" sz="4200" u="none" kumimoji="0" normalizeH="0">
+          <a:defRPr kumimoji="0" sz="4200" b="0" i="0" u="none" strike="noStrike" cap="none" spc="0" normalizeH="0" baseline="0">
             <a:ln>
               <a:noFill/>
             </a:ln>
@@ -5344,7 +5507,7 @@
           <a:buFontTx/>
           <a:buNone/>
           <a:tabLst/>
-          <a:defRPr b="0" baseline="0" cap="none" i="0" spc="0" strike="noStrike" sz="1800" u="none" kumimoji="0" normalizeH="0">
+          <a:defRPr kumimoji="0" sz="1800" b="0" i="0" u="none" strike="noStrike" cap="none" spc="0" normalizeH="0" baseline="0">
             <a:ln>
               <a:noFill/>
             </a:ln>
@@ -5370,7 +5533,7 @@
           <a:buFontTx/>
           <a:buNone/>
           <a:tabLst/>
-          <a:defRPr b="0" baseline="0" cap="none" i="0" spc="0" strike="noStrike" sz="1800" u="none" kumimoji="0" normalizeH="0">
+          <a:defRPr kumimoji="0" sz="1800" b="0" i="0" u="none" strike="noStrike" cap="none" spc="0" normalizeH="0" baseline="0">
             <a:ln>
               <a:noFill/>
             </a:ln>
@@ -5396,7 +5559,7 @@
           <a:buFontTx/>
           <a:buNone/>
           <a:tabLst/>
-          <a:defRPr b="0" baseline="0" cap="none" i="0" spc="0" strike="noStrike" sz="1800" u="none" kumimoji="0" normalizeH="0">
+          <a:defRPr kumimoji="0" sz="1800" b="0" i="0" u="none" strike="noStrike" cap="none" spc="0" normalizeH="0" baseline="0">
             <a:ln>
               <a:noFill/>
             </a:ln>
@@ -5422,7 +5585,7 @@
           <a:buFontTx/>
           <a:buNone/>
           <a:tabLst/>
-          <a:defRPr b="0" baseline="0" cap="none" i="0" spc="0" strike="noStrike" sz="1800" u="none" kumimoji="0" normalizeH="0">
+          <a:defRPr kumimoji="0" sz="1800" b="0" i="0" u="none" strike="noStrike" cap="none" spc="0" normalizeH="0" baseline="0">
             <a:ln>
               <a:noFill/>
             </a:ln>
@@ -5448,7 +5611,7 @@
           <a:buFontTx/>
           <a:buNone/>
           <a:tabLst/>
-          <a:defRPr b="0" baseline="0" cap="none" i="0" spc="0" strike="noStrike" sz="1800" u="none" kumimoji="0" normalizeH="0">
+          <a:defRPr kumimoji="0" sz="1800" b="0" i="0" u="none" strike="noStrike" cap="none" spc="0" normalizeH="0" baseline="0">
             <a:ln>
               <a:noFill/>
             </a:ln>
@@ -5474,7 +5637,7 @@
           <a:buFontTx/>
           <a:buNone/>
           <a:tabLst/>
-          <a:defRPr b="0" baseline="0" cap="none" i="0" spc="0" strike="noStrike" sz="1800" u="none" kumimoji="0" normalizeH="0">
+          <a:defRPr kumimoji="0" sz="1800" b="0" i="0" u="none" strike="noStrike" cap="none" spc="0" normalizeH="0" baseline="0">
             <a:ln>
               <a:noFill/>
             </a:ln>
@@ -5500,7 +5663,7 @@
           <a:buFontTx/>
           <a:buNone/>
           <a:tabLst/>
-          <a:defRPr b="0" baseline="0" cap="none" i="0" spc="0" strike="noStrike" sz="1800" u="none" kumimoji="0" normalizeH="0">
+          <a:defRPr kumimoji="0" sz="1800" b="0" i="0" u="none" strike="noStrike" cap="none" spc="0" normalizeH="0" baseline="0">
             <a:ln>
               <a:noFill/>
             </a:ln>
@@ -5526,7 +5689,7 @@
           <a:buFontTx/>
           <a:buNone/>
           <a:tabLst/>
-          <a:defRPr b="0" baseline="0" cap="none" i="0" spc="0" strike="noStrike" sz="1800" u="none" kumimoji="0" normalizeH="0">
+          <a:defRPr kumimoji="0" sz="1800" b="0" i="0" u="none" strike="noStrike" cap="none" spc="0" normalizeH="0" baseline="0">
             <a:ln>
               <a:noFill/>
             </a:ln>
@@ -5552,7 +5715,7 @@
           <a:buFontTx/>
           <a:buNone/>
           <a:tabLst/>
-          <a:defRPr b="0" baseline="0" cap="none" i="0" spc="0" strike="noStrike" sz="1800" u="none" kumimoji="0" normalizeH="0">
+          <a:defRPr kumimoji="0" sz="1800" b="0" i="0" u="none" strike="noStrike" cap="none" spc="0" normalizeH="0" baseline="0">
             <a:ln>
               <a:noFill/>
             </a:ln>
@@ -5565,18 +5728,25 @@
         </a:lvl9pPr>
       </a:lstStyle>
       <a:style>
-        <a:lnRef idx="0"/>
-        <a:fillRef idx="0"/>
-        <a:effectRef idx="0"/>
+        <a:lnRef idx="0">
+          <a:scrgbClr r="0" g="0" b="0"/>
+        </a:lnRef>
+        <a:fillRef idx="0">
+          <a:scrgbClr r="0" g="0" b="0"/>
+        </a:fillRef>
+        <a:effectRef idx="0">
+          <a:scrgbClr r="0" g="0" b="0"/>
+        </a:effectRef>
         <a:fontRef idx="none"/>
       </a:style>
     </a:txDef>
   </a:objectDefaults>
+  <a:extraClrSchemeLst/>
 </a:theme>
 </file>
 
 <file path=ppt/theme/theme2.xml><?xml version="1.0" encoding="utf-8"?>
-<a:theme xmlns:a="http://schemas.openxmlformats.org/drawingml/2006/main" xmlns:r="http://schemas.openxmlformats.org/officeDocument/2006/relationships" name="White">
+<a:theme xmlns:a="http://schemas.openxmlformats.org/drawingml/2006/main" name="White">
   <a:themeElements>
     <a:clrScheme name="White">
       <a:dk1>
@@ -5702,7 +5872,7 @@
       <a:effectStyleLst>
         <a:effectStyle>
           <a:effectLst>
-            <a:outerShdw sx="100000" sy="100000" kx="0" ky="0" algn="b" rotWithShape="0" blurRad="38100" dist="25400" dir="5400000">
+            <a:outerShdw blurRad="38100" dist="25400" dir="5400000" rotWithShape="0">
               <a:srgbClr val="000000">
                 <a:alpha val="50000"/>
               </a:srgbClr>
@@ -5711,7 +5881,7 @@
         </a:effectStyle>
         <a:effectStyle>
           <a:effectLst>
-            <a:outerShdw sx="100000" sy="100000" kx="0" ky="0" algn="b" rotWithShape="0" blurRad="50800" dist="12700" dir="0">
+            <a:outerShdw blurRad="50800" dist="12700" rotWithShape="0">
               <a:srgbClr val="000000">
                 <a:alpha val="50000"/>
               </a:srgbClr>
@@ -5720,7 +5890,7 @@
         </a:effectStyle>
         <a:effectStyle>
           <a:effectLst>
-            <a:outerShdw sx="100000" sy="100000" kx="0" ky="0" algn="b" rotWithShape="0" blurRad="38100" dist="25400" dir="5400000">
+            <a:outerShdw blurRad="38100" dist="25400" dir="5400000" rotWithShape="0">
               <a:srgbClr val="000000">
                 <a:alpha val="50000"/>
               </a:srgbClr>
@@ -5784,8 +5954,8 @@
     <a:spDef>
       <a:spPr>
         <a:blipFill rotWithShape="1">
-          <a:blip r:embed="rId1"/>
-          <a:srcRect l="0" t="0" r="0" b="0"/>
+          <a:blip xmlns:r="http://schemas.openxmlformats.org/officeDocument/2006/relationships" r:embed="rId1"/>
+          <a:srcRect/>
           <a:tile tx="0" ty="0" sx="100000" sy="100000" flip="none" algn="tl"/>
         </a:blipFill>
         <a:ln w="12700" cap="flat">
@@ -5793,14 +5963,14 @@
           <a:miter lim="400000"/>
         </a:ln>
         <a:effectLst>
-          <a:outerShdw sx="100000" sy="100000" kx="0" ky="0" algn="b" rotWithShape="0" blurRad="38100" dist="25400" dir="5400000">
+          <a:outerShdw blurRad="38100" dist="25400" dir="5400000" rotWithShape="0">
             <a:srgbClr val="000000">
               <a:alpha val="50000"/>
             </a:srgbClr>
           </a:outerShdw>
         </a:effectLst>
       </a:spPr>
-      <a:bodyPr rot="0" spcFirstLastPara="1" vertOverflow="overflow" horzOverflow="overflow" vert="horz" wrap="square" lIns="50800" tIns="50800" rIns="50800" bIns="50800" numCol="1" spcCol="38100" rtlCol="0" anchor="ctr" upright="0">
+      <a:bodyPr rot="0" spcFirstLastPara="1" vertOverflow="overflow" horzOverflow="overflow" vert="horz" wrap="square" lIns="50800" tIns="50800" rIns="50800" bIns="50800" numCol="1" spcCol="38100" rtlCol="0" anchor="ctr">
         <a:spAutoFit/>
       </a:bodyPr>
       <a:lstStyle>
@@ -5819,7 +5989,7 @@
           <a:buFontTx/>
           <a:buNone/>
           <a:tabLst/>
-          <a:defRPr b="0" baseline="0" cap="none" i="0" spc="0" strike="noStrike" sz="4000" u="none" kumimoji="0" normalizeH="0">
+          <a:defRPr kumimoji="0" sz="4000" b="0" i="0" u="none" strike="noStrike" cap="none" spc="0" normalizeH="0" baseline="0">
             <a:ln>
               <a:noFill/>
             </a:ln>
@@ -5827,7 +5997,7 @@
               <a:srgbClr val="FFFFFF"/>
             </a:solidFill>
             <a:effectLst>
-              <a:outerShdw sx="100000" sy="100000" kx="0" ky="0" algn="b" rotWithShape="0" blurRad="38100" dist="12700" dir="5400000">
+              <a:outerShdw blurRad="38100" dist="12700" dir="5400000" rotWithShape="0">
                 <a:srgbClr val="000000">
                   <a:alpha val="50000"/>
                 </a:srgbClr>
@@ -5855,7 +6025,7 @@
           <a:buFontTx/>
           <a:buNone/>
           <a:tabLst/>
-          <a:defRPr b="0" baseline="0" cap="none" i="0" spc="0" strike="noStrike" sz="1800" u="none" kumimoji="0" normalizeH="0">
+          <a:defRPr kumimoji="0" sz="1800" b="0" i="0" u="none" strike="noStrike" cap="none" spc="0" normalizeH="0" baseline="0">
             <a:ln>
               <a:noFill/>
             </a:ln>
@@ -5881,7 +6051,7 @@
           <a:buFontTx/>
           <a:buNone/>
           <a:tabLst/>
-          <a:defRPr b="0" baseline="0" cap="none" i="0" spc="0" strike="noStrike" sz="1800" u="none" kumimoji="0" normalizeH="0">
+          <a:defRPr kumimoji="0" sz="1800" b="0" i="0" u="none" strike="noStrike" cap="none" spc="0" normalizeH="0" baseline="0">
             <a:ln>
               <a:noFill/>
             </a:ln>
@@ -5907,7 +6077,7 @@
           <a:buFontTx/>
           <a:buNone/>
           <a:tabLst/>
-          <a:defRPr b="0" baseline="0" cap="none" i="0" spc="0" strike="noStrike" sz="1800" u="none" kumimoji="0" normalizeH="0">
+          <a:defRPr kumimoji="0" sz="1800" b="0" i="0" u="none" strike="noStrike" cap="none" spc="0" normalizeH="0" baseline="0">
             <a:ln>
               <a:noFill/>
             </a:ln>
@@ -5933,7 +6103,7 @@
           <a:buFontTx/>
           <a:buNone/>
           <a:tabLst/>
-          <a:defRPr b="0" baseline="0" cap="none" i="0" spc="0" strike="noStrike" sz="1800" u="none" kumimoji="0" normalizeH="0">
+          <a:defRPr kumimoji="0" sz="1800" b="0" i="0" u="none" strike="noStrike" cap="none" spc="0" normalizeH="0" baseline="0">
             <a:ln>
               <a:noFill/>
             </a:ln>
@@ -5959,7 +6129,7 @@
           <a:buFontTx/>
           <a:buNone/>
           <a:tabLst/>
-          <a:defRPr b="0" baseline="0" cap="none" i="0" spc="0" strike="noStrike" sz="1800" u="none" kumimoji="0" normalizeH="0">
+          <a:defRPr kumimoji="0" sz="1800" b="0" i="0" u="none" strike="noStrike" cap="none" spc="0" normalizeH="0" baseline="0">
             <a:ln>
               <a:noFill/>
             </a:ln>
@@ -5985,7 +6155,7 @@
           <a:buFontTx/>
           <a:buNone/>
           <a:tabLst/>
-          <a:defRPr b="0" baseline="0" cap="none" i="0" spc="0" strike="noStrike" sz="1800" u="none" kumimoji="0" normalizeH="0">
+          <a:defRPr kumimoji="0" sz="1800" b="0" i="0" u="none" strike="noStrike" cap="none" spc="0" normalizeH="0" baseline="0">
             <a:ln>
               <a:noFill/>
             </a:ln>
@@ -6011,7 +6181,7 @@
           <a:buFontTx/>
           <a:buNone/>
           <a:tabLst/>
-          <a:defRPr b="0" baseline="0" cap="none" i="0" spc="0" strike="noStrike" sz="1800" u="none" kumimoji="0" normalizeH="0">
+          <a:defRPr kumimoji="0" sz="1800" b="0" i="0" u="none" strike="noStrike" cap="none" spc="0" normalizeH="0" baseline="0">
             <a:ln>
               <a:noFill/>
             </a:ln>
@@ -6037,7 +6207,7 @@
           <a:buFontTx/>
           <a:buNone/>
           <a:tabLst/>
-          <a:defRPr b="0" baseline="0" cap="none" i="0" spc="0" strike="noStrike" sz="1800" u="none" kumimoji="0" normalizeH="0">
+          <a:defRPr kumimoji="0" sz="1800" b="0" i="0" u="none" strike="noStrike" cap="none" spc="0" normalizeH="0" baseline="0">
             <a:ln>
               <a:noFill/>
             </a:ln>
@@ -6063,7 +6233,7 @@
           <a:buFontTx/>
           <a:buNone/>
           <a:tabLst/>
-          <a:defRPr b="0" baseline="0" cap="none" i="0" spc="0" strike="noStrike" sz="1800" u="none" kumimoji="0" normalizeH="0">
+          <a:defRPr kumimoji="0" sz="1800" b="0" i="0" u="none" strike="noStrike" cap="none" spc="0" normalizeH="0" baseline="0">
             <a:ln>
               <a:noFill/>
             </a:ln>
@@ -6076,9 +6246,15 @@
         </a:lvl9pPr>
       </a:lstStyle>
       <a:style>
-        <a:lnRef idx="0"/>
-        <a:fillRef idx="0"/>
-        <a:effectRef idx="0"/>
+        <a:lnRef idx="0">
+          <a:scrgbClr r="0" g="0" b="0"/>
+        </a:lnRef>
+        <a:fillRef idx="0">
+          <a:scrgbClr r="0" g="0" b="0"/>
+        </a:fillRef>
+        <a:effectRef idx="0">
+          <a:scrgbClr r="0" g="0" b="0"/>
+        </a:effectRef>
         <a:fontRef idx="none"/>
       </a:style>
     </a:spDef>
@@ -6094,7 +6270,7 @@
         </a:ln>
         <a:effectLst/>
       </a:spPr>
-      <a:bodyPr rot="0" spcFirstLastPara="1" vertOverflow="overflow" horzOverflow="overflow" vert="horz" wrap="square" lIns="91439" tIns="45719" rIns="91439" bIns="45719" numCol="1" spcCol="38100" rtlCol="0" anchor="t" upright="0">
+      <a:bodyPr rot="0" spcFirstLastPara="1" vertOverflow="overflow" horzOverflow="overflow" vert="horz" wrap="square" lIns="91439" tIns="45719" rIns="91439" bIns="45719" numCol="1" spcCol="38100" rtlCol="0" anchor="t">
         <a:noAutofit/>
       </a:bodyPr>
       <a:lstStyle>
@@ -6113,7 +6289,7 @@
           <a:buFontTx/>
           <a:buNone/>
           <a:tabLst/>
-          <a:defRPr b="0" baseline="0" cap="none" i="0" spc="0" strike="noStrike" sz="1800" u="none" kumimoji="0" normalizeH="0">
+          <a:defRPr kumimoji="0" sz="1800" b="0" i="0" u="none" strike="noStrike" cap="none" spc="0" normalizeH="0" baseline="0">
             <a:ln>
               <a:noFill/>
             </a:ln>
@@ -6139,7 +6315,7 @@
           <a:buFontTx/>
           <a:buNone/>
           <a:tabLst/>
-          <a:defRPr b="0" baseline="0" cap="none" i="0" spc="0" strike="noStrike" sz="1800" u="none" kumimoji="0" normalizeH="0">
+          <a:defRPr kumimoji="0" sz="1800" b="0" i="0" u="none" strike="noStrike" cap="none" spc="0" normalizeH="0" baseline="0">
             <a:ln>
               <a:noFill/>
             </a:ln>
@@ -6165,7 +6341,7 @@
           <a:buFontTx/>
           <a:buNone/>
           <a:tabLst/>
-          <a:defRPr b="0" baseline="0" cap="none" i="0" spc="0" strike="noStrike" sz="1800" u="none" kumimoji="0" normalizeH="0">
+          <a:defRPr kumimoji="0" sz="1800" b="0" i="0" u="none" strike="noStrike" cap="none" spc="0" normalizeH="0" baseline="0">
             <a:ln>
               <a:noFill/>
             </a:ln>
@@ -6191,7 +6367,7 @@
           <a:buFontTx/>
           <a:buNone/>
           <a:tabLst/>
-          <a:defRPr b="0" baseline="0" cap="none" i="0" spc="0" strike="noStrike" sz="1800" u="none" kumimoji="0" normalizeH="0">
+          <a:defRPr kumimoji="0" sz="1800" b="0" i="0" u="none" strike="noStrike" cap="none" spc="0" normalizeH="0" baseline="0">
             <a:ln>
               <a:noFill/>
             </a:ln>
@@ -6217,7 +6393,7 @@
           <a:buFontTx/>
           <a:buNone/>
           <a:tabLst/>
-          <a:defRPr b="0" baseline="0" cap="none" i="0" spc="0" strike="noStrike" sz="1800" u="none" kumimoji="0" normalizeH="0">
+          <a:defRPr kumimoji="0" sz="1800" b="0" i="0" u="none" strike="noStrike" cap="none" spc="0" normalizeH="0" baseline="0">
             <a:ln>
               <a:noFill/>
             </a:ln>
@@ -6243,7 +6419,7 @@
           <a:buFontTx/>
           <a:buNone/>
           <a:tabLst/>
-          <a:defRPr b="0" baseline="0" cap="none" i="0" spc="0" strike="noStrike" sz="1800" u="none" kumimoji="0" normalizeH="0">
+          <a:defRPr kumimoji="0" sz="1800" b="0" i="0" u="none" strike="noStrike" cap="none" spc="0" normalizeH="0" baseline="0">
             <a:ln>
               <a:noFill/>
             </a:ln>
@@ -6269,7 +6445,7 @@
           <a:buFontTx/>
           <a:buNone/>
           <a:tabLst/>
-          <a:defRPr b="0" baseline="0" cap="none" i="0" spc="0" strike="noStrike" sz="1800" u="none" kumimoji="0" normalizeH="0">
+          <a:defRPr kumimoji="0" sz="1800" b="0" i="0" u="none" strike="noStrike" cap="none" spc="0" normalizeH="0" baseline="0">
             <a:ln>
               <a:noFill/>
             </a:ln>
@@ -6295,7 +6471,7 @@
           <a:buFontTx/>
           <a:buNone/>
           <a:tabLst/>
-          <a:defRPr b="0" baseline="0" cap="none" i="0" spc="0" strike="noStrike" sz="1800" u="none" kumimoji="0" normalizeH="0">
+          <a:defRPr kumimoji="0" sz="1800" b="0" i="0" u="none" strike="noStrike" cap="none" spc="0" normalizeH="0" baseline="0">
             <a:ln>
               <a:noFill/>
             </a:ln>
@@ -6321,7 +6497,7 @@
           <a:buFontTx/>
           <a:buNone/>
           <a:tabLst/>
-          <a:defRPr b="0" baseline="0" cap="none" i="0" spc="0" strike="noStrike" sz="1800" u="none" kumimoji="0" normalizeH="0">
+          <a:defRPr kumimoji="0" sz="1800" b="0" i="0" u="none" strike="noStrike" cap="none" spc="0" normalizeH="0" baseline="0">
             <a:ln>
               <a:noFill/>
             </a:ln>
@@ -6347,7 +6523,7 @@
           <a:buFontTx/>
           <a:buNone/>
           <a:tabLst/>
-          <a:defRPr b="0" baseline="0" cap="none" i="0" spc="0" strike="noStrike" sz="1800" u="none" kumimoji="0" normalizeH="0">
+          <a:defRPr kumimoji="0" sz="1800" b="0" i="0" u="none" strike="noStrike" cap="none" spc="0" normalizeH="0" baseline="0">
             <a:ln>
               <a:noFill/>
             </a:ln>
@@ -6360,9 +6536,15 @@
         </a:lvl9pPr>
       </a:lstStyle>
       <a:style>
-        <a:lnRef idx="0"/>
-        <a:fillRef idx="0"/>
-        <a:effectRef idx="0"/>
+        <a:lnRef idx="0">
+          <a:scrgbClr r="0" g="0" b="0"/>
+        </a:lnRef>
+        <a:fillRef idx="0">
+          <a:scrgbClr r="0" g="0" b="0"/>
+        </a:fillRef>
+        <a:effectRef idx="0">
+          <a:scrgbClr r="0" g="0" b="0"/>
+        </a:effectRef>
         <a:fontRef idx="none"/>
       </a:style>
     </a:lnDef>
@@ -6375,7 +6557,7 @@
         </a:ln>
         <a:effectLst/>
       </a:spPr>
-      <a:bodyPr rot="0" spcFirstLastPara="1" vertOverflow="overflow" horzOverflow="overflow" vert="horz" wrap="square" lIns="50800" tIns="50800" rIns="50800" bIns="50800" numCol="1" spcCol="38100" rtlCol="0" anchor="ctr" upright="0">
+      <a:bodyPr rot="0" spcFirstLastPara="1" vertOverflow="overflow" horzOverflow="overflow" vert="horz" wrap="square" lIns="50800" tIns="50800" rIns="50800" bIns="50800" numCol="1" spcCol="38100" rtlCol="0" anchor="ctr">
         <a:spAutoFit/>
       </a:bodyPr>
       <a:lstStyle>
@@ -6394,7 +6576,7 @@
           <a:buFontTx/>
           <a:buNone/>
           <a:tabLst/>
-          <a:defRPr b="0" baseline="0" cap="none" i="0" spc="0" strike="noStrike" sz="4200" u="none" kumimoji="0" normalizeH="0">
+          <a:defRPr kumimoji="0" sz="4200" b="0" i="0" u="none" strike="noStrike" cap="none" spc="0" normalizeH="0" baseline="0">
             <a:ln>
               <a:noFill/>
             </a:ln>
@@ -6424,7 +6606,7 @@
           <a:buFontTx/>
           <a:buNone/>
           <a:tabLst/>
-          <a:defRPr b="0" baseline="0" cap="none" i="0" spc="0" strike="noStrike" sz="1800" u="none" kumimoji="0" normalizeH="0">
+          <a:defRPr kumimoji="0" sz="1800" b="0" i="0" u="none" strike="noStrike" cap="none" spc="0" normalizeH="0" baseline="0">
             <a:ln>
               <a:noFill/>
             </a:ln>
@@ -6450,7 +6632,7 @@
           <a:buFontTx/>
           <a:buNone/>
           <a:tabLst/>
-          <a:defRPr b="0" baseline="0" cap="none" i="0" spc="0" strike="noStrike" sz="1800" u="none" kumimoji="0" normalizeH="0">
+          <a:defRPr kumimoji="0" sz="1800" b="0" i="0" u="none" strike="noStrike" cap="none" spc="0" normalizeH="0" baseline="0">
             <a:ln>
               <a:noFill/>
             </a:ln>
@@ -6476,7 +6658,7 @@
           <a:buFontTx/>
           <a:buNone/>
           <a:tabLst/>
-          <a:defRPr b="0" baseline="0" cap="none" i="0" spc="0" strike="noStrike" sz="1800" u="none" kumimoji="0" normalizeH="0">
+          <a:defRPr kumimoji="0" sz="1800" b="0" i="0" u="none" strike="noStrike" cap="none" spc="0" normalizeH="0" baseline="0">
             <a:ln>
               <a:noFill/>
             </a:ln>
@@ -6502,7 +6684,7 @@
           <a:buFontTx/>
           <a:buNone/>
           <a:tabLst/>
-          <a:defRPr b="0" baseline="0" cap="none" i="0" spc="0" strike="noStrike" sz="1800" u="none" kumimoji="0" normalizeH="0">
+          <a:defRPr kumimoji="0" sz="1800" b="0" i="0" u="none" strike="noStrike" cap="none" spc="0" normalizeH="0" baseline="0">
             <a:ln>
               <a:noFill/>
             </a:ln>
@@ -6528,7 +6710,7 @@
           <a:buFontTx/>
           <a:buNone/>
           <a:tabLst/>
-          <a:defRPr b="0" baseline="0" cap="none" i="0" spc="0" strike="noStrike" sz="1800" u="none" kumimoji="0" normalizeH="0">
+          <a:defRPr kumimoji="0" sz="1800" b="0" i="0" u="none" strike="noStrike" cap="none" spc="0" normalizeH="0" baseline="0">
             <a:ln>
               <a:noFill/>
             </a:ln>
@@ -6554,7 +6736,7 @@
           <a:buFontTx/>
           <a:buNone/>
           <a:tabLst/>
-          <a:defRPr b="0" baseline="0" cap="none" i="0" spc="0" strike="noStrike" sz="1800" u="none" kumimoji="0" normalizeH="0">
+          <a:defRPr kumimoji="0" sz="1800" b="0" i="0" u="none" strike="noStrike" cap="none" spc="0" normalizeH="0" baseline="0">
             <a:ln>
               <a:noFill/>
             </a:ln>
@@ -6580,7 +6762,7 @@
           <a:buFontTx/>
           <a:buNone/>
           <a:tabLst/>
-          <a:defRPr b="0" baseline="0" cap="none" i="0" spc="0" strike="noStrike" sz="1800" u="none" kumimoji="0" normalizeH="0">
+          <a:defRPr kumimoji="0" sz="1800" b="0" i="0" u="none" strike="noStrike" cap="none" spc="0" normalizeH="0" baseline="0">
             <a:ln>
               <a:noFill/>
             </a:ln>
@@ -6606,7 +6788,7 @@
           <a:buFontTx/>
           <a:buNone/>
           <a:tabLst/>
-          <a:defRPr b="0" baseline="0" cap="none" i="0" spc="0" strike="noStrike" sz="1800" u="none" kumimoji="0" normalizeH="0">
+          <a:defRPr kumimoji="0" sz="1800" b="0" i="0" u="none" strike="noStrike" cap="none" spc="0" normalizeH="0" baseline="0">
             <a:ln>
               <a:noFill/>
             </a:ln>
@@ -6632,7 +6814,7 @@
           <a:buFontTx/>
           <a:buNone/>
           <a:tabLst/>
-          <a:defRPr b="0" baseline="0" cap="none" i="0" spc="0" strike="noStrike" sz="1800" u="none" kumimoji="0" normalizeH="0">
+          <a:defRPr kumimoji="0" sz="1800" b="0" i="0" u="none" strike="noStrike" cap="none" spc="0" normalizeH="0" baseline="0">
             <a:ln>
               <a:noFill/>
             </a:ln>
@@ -6645,12 +6827,19 @@
         </a:lvl9pPr>
       </a:lstStyle>
       <a:style>
-        <a:lnRef idx="0"/>
-        <a:fillRef idx="0"/>
-        <a:effectRef idx="0"/>
+        <a:lnRef idx="0">
+          <a:scrgbClr r="0" g="0" b="0"/>
+        </a:lnRef>
+        <a:fillRef idx="0">
+          <a:scrgbClr r="0" g="0" b="0"/>
+        </a:fillRef>
+        <a:effectRef idx="0">
+          <a:scrgbClr r="0" g="0" b="0"/>
+        </a:effectRef>
         <a:fontRef idx="none"/>
       </a:style>
     </a:txDef>
   </a:objectDefaults>
+  <a:extraClrSchemeLst/>
 </a:theme>
 </file>
--- a/work-plan_v1.pptx
+++ b/work-plan_v1.pptx
@@ -2369,8 +2369,8 @@
         </p:nvSpPr>
         <p:spPr>
           <a:xfrm>
-            <a:off x="3413298" y="963750"/>
-            <a:ext cx="679104" cy="358590"/>
+            <a:off x="1975935" y="953250"/>
+            <a:ext cx="685735" cy="379591"/>
           </a:xfrm>
           <a:prstGeom prst="rect">
             <a:avLst/>
@@ -2401,6 +2401,7 @@
           <a:p>
             <a:pPr lvl="0"/>
             <a:r>
+              <a:rPr dirty="0"/>
               <a:t>year 1</a:t>
             </a:r>
           </a:p>
@@ -2414,8 +2415,8 @@
         </p:nvSpPr>
         <p:spPr>
           <a:xfrm>
-            <a:off x="6562898" y="963750"/>
-            <a:ext cx="679104" cy="358590"/>
+            <a:off x="6281516" y="953250"/>
+            <a:ext cx="685735" cy="379591"/>
           </a:xfrm>
           <a:prstGeom prst="rect">
             <a:avLst/>
@@ -2446,6 +2447,7 @@
           <a:p>
             <a:pPr lvl="0"/>
             <a:r>
+              <a:rPr dirty="0"/>
               <a:t>year 2</a:t>
             </a:r>
           </a:p>
@@ -2459,8 +2461,8 @@
         </p:nvSpPr>
         <p:spPr>
           <a:xfrm>
-            <a:off x="9712498" y="963750"/>
-            <a:ext cx="679104" cy="358590"/>
+            <a:off x="10294033" y="953250"/>
+            <a:ext cx="685735" cy="379591"/>
           </a:xfrm>
           <a:prstGeom prst="rect">
             <a:avLst/>
@@ -2504,7 +2506,7 @@
         </p:nvSpPr>
         <p:spPr>
           <a:xfrm>
-            <a:off x="163976" y="1551763"/>
+            <a:off x="748826" y="1551763"/>
             <a:ext cx="11887202" cy="128"/>
           </a:xfrm>
           <a:prstGeom prst="line">
@@ -2527,7 +2529,10 @@
                 <a:sym typeface="Helvetica"/>
               </a:defRPr>
             </a:pPr>
-            <a:endParaRPr/>
+            <a:endParaRPr>
+              <a:latin typeface="Times New Roman"/>
+              <a:cs typeface="Times New Roman"/>
+            </a:endParaRPr>
           </a:p>
         </p:txBody>
       </p:sp>
@@ -2539,7 +2544,7 @@
         </p:nvSpPr>
         <p:spPr>
           <a:xfrm>
-            <a:off x="2119777" y="671610"/>
+            <a:off x="967018" y="665010"/>
             <a:ext cx="1" cy="812801"/>
           </a:xfrm>
           <a:prstGeom prst="line">
@@ -2565,7 +2570,10 @@
                 <a:sym typeface="Helvetica"/>
               </a:defRPr>
             </a:pPr>
-            <a:endParaRPr/>
+            <a:endParaRPr>
+              <a:latin typeface="Times New Roman"/>
+              <a:cs typeface="Times New Roman"/>
+            </a:endParaRPr>
           </a:p>
         </p:txBody>
       </p:sp>
@@ -2577,7 +2585,7 @@
         </p:nvSpPr>
         <p:spPr>
           <a:xfrm>
-            <a:off x="5129677" y="674721"/>
+            <a:off x="5001449" y="698941"/>
             <a:ext cx="1" cy="812801"/>
           </a:xfrm>
           <a:prstGeom prst="line">
@@ -2603,7 +2611,10 @@
                 <a:sym typeface="Helvetica"/>
               </a:defRPr>
             </a:pPr>
-            <a:endParaRPr/>
+            <a:endParaRPr>
+              <a:latin typeface="Times New Roman"/>
+              <a:cs typeface="Times New Roman"/>
+            </a:endParaRPr>
           </a:p>
         </p:txBody>
       </p:sp>
@@ -2615,7 +2626,7 @@
         </p:nvSpPr>
         <p:spPr>
           <a:xfrm>
-            <a:off x="8374527" y="665010"/>
+            <a:off x="8819189" y="698941"/>
             <a:ext cx="1" cy="812801"/>
           </a:xfrm>
           <a:prstGeom prst="line">
@@ -2641,7 +2652,10 @@
                 <a:sym typeface="Helvetica"/>
               </a:defRPr>
             </a:pPr>
-            <a:endParaRPr/>
+            <a:endParaRPr>
+              <a:latin typeface="Times New Roman"/>
+              <a:cs typeface="Times New Roman"/>
+            </a:endParaRPr>
           </a:p>
         </p:txBody>
       </p:sp>
@@ -2653,7 +2667,7 @@
         </p:nvSpPr>
         <p:spPr>
           <a:xfrm>
-            <a:off x="11936877" y="665010"/>
+            <a:off x="12521727" y="665010"/>
             <a:ext cx="1" cy="812801"/>
           </a:xfrm>
           <a:prstGeom prst="line">
@@ -2679,7 +2693,10 @@
                 <a:sym typeface="Helvetica"/>
               </a:defRPr>
             </a:pPr>
-            <a:endParaRPr/>
+            <a:endParaRPr>
+              <a:latin typeface="Times New Roman"/>
+              <a:cs typeface="Times New Roman"/>
+            </a:endParaRPr>
           </a:p>
         </p:txBody>
       </p:sp>
@@ -2691,8 +2708,8 @@
         </p:nvSpPr>
         <p:spPr>
           <a:xfrm>
-            <a:off x="2997559" y="2200873"/>
-            <a:ext cx="3456475" cy="668450"/>
+            <a:off x="4428552" y="2400428"/>
+            <a:ext cx="4530826" cy="668450"/>
           </a:xfrm>
           <a:prstGeom prst="rect">
             <a:avLst/>
@@ -2725,7 +2742,7 @@
               <a:defRPr sz="1800"/>
             </a:pPr>
             <a:r>
-              <a:rPr sz="1600" b="1" dirty="0">
+              <a:rPr sz="1800" dirty="0">
                 <a:solidFill>
                   <a:srgbClr val="0433FF"/>
                 </a:solidFill>
@@ -2734,10 +2751,46 @@
                 <a:cs typeface="Times New Roman"/>
                 <a:sym typeface="Times New Roman"/>
               </a:rPr>
-              <a:t>Reduction of Halpha data </a:t>
+              <a:t>Reduction </a:t>
+            </a:r>
+            <a:r>
+              <a:rPr lang="en-US" sz="1800" dirty="0" smtClean="0">
+                <a:solidFill>
+                  <a:srgbClr val="0433FF"/>
+                </a:solidFill>
+                <a:latin typeface="Times New Roman"/>
+                <a:ea typeface="Times New Roman"/>
+                <a:cs typeface="Times New Roman"/>
+                <a:sym typeface="Times New Roman"/>
+              </a:rPr>
+              <a:t>and analysis</a:t>
+            </a:r>
+            <a:r>
+              <a:rPr sz="1800" dirty="0" smtClean="0">
+                <a:solidFill>
+                  <a:srgbClr val="0433FF"/>
+                </a:solidFill>
+                <a:latin typeface="Times New Roman"/>
+                <a:ea typeface="Times New Roman"/>
+                <a:cs typeface="Times New Roman"/>
+                <a:sym typeface="Times New Roman"/>
+              </a:rPr>
+              <a:t> </a:t>
+            </a:r>
+            <a:r>
+              <a:rPr sz="1800" dirty="0">
+                <a:solidFill>
+                  <a:srgbClr val="0433FF"/>
+                </a:solidFill>
+                <a:latin typeface="Times New Roman"/>
+                <a:ea typeface="Times New Roman"/>
+                <a:cs typeface="Times New Roman"/>
+                <a:sym typeface="Times New Roman"/>
+              </a:rPr>
+              <a:t>Halpha data </a:t>
             </a:r>
             <a:br>
-              <a:rPr sz="1600" b="1" dirty="0">
+              <a:rPr sz="1800" dirty="0">
                 <a:solidFill>
                   <a:srgbClr val="0433FF"/>
                 </a:solidFill>
@@ -2748,7 +2801,7 @@
               </a:rPr>
             </a:br>
             <a:r>
-              <a:rPr sz="1600" b="1" dirty="0">
+              <a:rPr sz="1800" dirty="0">
                 <a:solidFill>
                   <a:srgbClr val="0433FF"/>
                 </a:solidFill>
@@ -2759,41 +2812,6 @@
               </a:rPr>
               <a:t>(KU/Siena)</a:t>
             </a:r>
-          </a:p>
-        </p:txBody>
-      </p:sp>
-      <p:sp>
-        <p:nvSpPr>
-          <p:cNvPr id="51" name="Shape 51"/>
-          <p:cNvSpPr/>
-          <p:nvPr/>
-        </p:nvSpPr>
-        <p:spPr>
-          <a:xfrm flipH="1" flipV="1">
-            <a:off x="1867739" y="617353"/>
-            <a:ext cx="172931" cy="207642"/>
-          </a:xfrm>
-          <a:prstGeom prst="line">
-            <a:avLst/>
-          </a:prstGeom>
-          <a:ln w="12700">
-            <a:solidFill/>
-            <a:miter lim="400000"/>
-          </a:ln>
-        </p:spPr>
-        <p:txBody>
-          <a:bodyPr lIns="0" tIns="0" rIns="0" bIns="0" anchor="ctr"/>
-          <a:lstStyle/>
-          <a:p>
-            <a:pPr lvl="0" algn="l" defTabSz="457200">
-              <a:defRPr sz="1200">
-                <a:latin typeface="Helvetica"/>
-                <a:ea typeface="Helvetica"/>
-                <a:cs typeface="Helvetica"/>
-                <a:sym typeface="Helvetica"/>
-              </a:defRPr>
-            </a:pPr>
-            <a:endParaRPr/>
           </a:p>
         </p:txBody>
       </p:sp>
@@ -2805,8 +2823,8 @@
         </p:nvSpPr>
         <p:spPr>
           <a:xfrm>
-            <a:off x="5006325" y="8186560"/>
-            <a:ext cx="1714501" cy="977901"/>
+            <a:off x="7685226" y="8029610"/>
+            <a:ext cx="1274151" cy="1127471"/>
           </a:xfrm>
           <a:prstGeom prst="rect">
             <a:avLst/>
@@ -2853,13 +2871,54 @@
               </a:defRPr>
             </a:pPr>
             <a:r>
-              <a:rPr sz="1500">
+              <a:rPr sz="1800" dirty="0">
+                <a:solidFill>
+                  <a:srgbClr val="0000FF"/>
+                </a:solidFill>
                 <a:uFill>
                   <a:solidFill/>
                 </a:uFill>
               </a:rPr>
-              <a:t>Fall 2019 foreign team meeting</a:t>
-            </a:r>
+              <a:t>Fall 2019 </a:t>
+            </a:r>
+            <a:r>
+              <a:rPr sz="1800" dirty="0" smtClean="0">
+                <a:solidFill>
+                  <a:srgbClr val="0000FF"/>
+                </a:solidFill>
+                <a:uFill>
+                  <a:solidFill/>
+                </a:uFill>
+              </a:rPr>
+              <a:t>team </a:t>
+            </a:r>
+            <a:r>
+              <a:rPr lang="en-US" sz="1800" dirty="0">
+                <a:solidFill>
+                  <a:srgbClr val="0000FF"/>
+                </a:solidFill>
+              </a:rPr>
+              <a:t>foreign </a:t>
+            </a:r>
+            <a:r>
+              <a:rPr sz="1800" dirty="0" smtClean="0">
+                <a:solidFill>
+                  <a:srgbClr val="0000FF"/>
+                </a:solidFill>
+                <a:uFill>
+                  <a:solidFill/>
+                </a:uFill>
+              </a:rPr>
+              <a:t>meeting</a:t>
+            </a:r>
+            <a:endParaRPr sz="1800" dirty="0">
+              <a:solidFill>
+                <a:srgbClr val="0000FF"/>
+              </a:solidFill>
+              <a:uFill>
+                <a:solidFill/>
+              </a:uFill>
+            </a:endParaRPr>
           </a:p>
         </p:txBody>
       </p:sp>
@@ -2871,7 +2930,7 @@
         </p:nvSpPr>
         <p:spPr>
           <a:xfrm>
-            <a:off x="121008" y="44370"/>
+            <a:off x="705858" y="44370"/>
             <a:ext cx="5264692" cy="562570"/>
           </a:xfrm>
           <a:prstGeom prst="rect">
@@ -2904,7 +2963,7 @@
               <a:defRPr sz="1800" b="0"/>
             </a:pPr>
             <a:r>
-              <a:rPr sz="1600" b="1"/>
+              <a:rPr sz="1600" b="1" dirty="0"/>
               <a:t>Anticipated project start (Jan 2018) Graduate Student (KU) </a:t>
             </a:r>
           </a:p>
@@ -2918,8 +2977,8 @@
         </p:nvSpPr>
         <p:spPr>
           <a:xfrm>
-            <a:off x="8460725" y="8186560"/>
-            <a:ext cx="1714501" cy="977901"/>
+            <a:off x="9840261" y="8029610"/>
+            <a:ext cx="1286234" cy="1127471"/>
           </a:xfrm>
           <a:prstGeom prst="rect">
             <a:avLst/>
@@ -2966,12 +3025,37 @@
               </a:defRPr>
             </a:pPr>
             <a:r>
-              <a:rPr sz="1500">
+              <a:rPr sz="1800" dirty="0">
+                <a:solidFill>
+                  <a:srgbClr val="0000FF"/>
+                </a:solidFill>
                 <a:uFill>
                   <a:solidFill/>
                 </a:uFill>
               </a:rPr>
-              <a:t>Fall 2020 domestic team meeting</a:t>
+              <a:t>Fall 2020 </a:t>
+            </a:r>
+            <a:r>
+              <a:rPr sz="1800" dirty="0" smtClean="0">
+                <a:solidFill>
+                  <a:srgbClr val="0000FF"/>
+                </a:solidFill>
+                <a:uFill>
+                  <a:solidFill/>
+                </a:uFill>
+              </a:rPr>
+              <a:t>team </a:t>
+            </a:r>
+            <a:r>
+              <a:rPr sz="1800" dirty="0">
+                <a:solidFill>
+                  <a:srgbClr val="0000FF"/>
+                </a:solidFill>
+                <a:uFill>
+                  <a:solidFill/>
+                </a:uFill>
+              </a:rPr>
+              <a:t>meeting</a:t>
             </a:r>
           </a:p>
         </p:txBody>
@@ -2984,8 +3068,8 @@
         </p:nvSpPr>
         <p:spPr>
           <a:xfrm>
-            <a:off x="1562458" y="8186560"/>
-            <a:ext cx="1714501" cy="977901"/>
+            <a:off x="3773875" y="8029610"/>
+            <a:ext cx="1178988" cy="1127133"/>
           </a:xfrm>
           <a:prstGeom prst="rect">
             <a:avLst/>
@@ -3032,13 +3116,46 @@
               </a:defRPr>
             </a:pPr>
             <a:r>
-              <a:rPr sz="1500">
+              <a:rPr sz="1800" dirty="0">
+                <a:solidFill>
+                  <a:srgbClr val="0000FF"/>
+                </a:solidFill>
                 <a:uFill>
                   <a:solidFill/>
                 </a:uFill>
               </a:rPr>
-              <a:t>Fall 2018 domestic team meeting</a:t>
-            </a:r>
+              <a:t>Fall 2018 </a:t>
+            </a:r>
+            <a:r>
+              <a:rPr lang="en-US" sz="1800" dirty="0" smtClean="0">
+                <a:solidFill>
+                  <a:srgbClr val="0000FF"/>
+                </a:solidFill>
+                <a:uFill>
+                  <a:solidFill/>
+                </a:uFill>
+              </a:rPr>
+              <a:t>team </a:t>
+            </a:r>
+            <a:r>
+              <a:rPr sz="1800" dirty="0" smtClean="0">
+                <a:solidFill>
+                  <a:srgbClr val="0000FF"/>
+                </a:solidFill>
+                <a:uFill>
+                  <a:solidFill/>
+                </a:uFill>
+              </a:rPr>
+              <a:t>meeting</a:t>
+            </a:r>
+            <a:endParaRPr sz="1800" dirty="0">
+              <a:solidFill>
+                <a:srgbClr val="0000FF"/>
+              </a:solidFill>
+              <a:uFill>
+                <a:solidFill/>
+              </a:uFill>
+            </a:endParaRPr>
           </a:p>
         </p:txBody>
       </p:sp>
@@ -3050,8 +3167,8 @@
         </p:nvSpPr>
         <p:spPr>
           <a:xfrm>
-            <a:off x="195953" y="2200873"/>
-            <a:ext cx="2741375" cy="669205"/>
+            <a:off x="967019" y="2396269"/>
+            <a:ext cx="3278390" cy="669205"/>
           </a:xfrm>
           <a:prstGeom prst="rect">
             <a:avLst/>
@@ -3098,7 +3215,10 @@
               </a:defRPr>
             </a:pPr>
             <a:r>
-              <a:rPr lang="en-US" sz="1600" b="1" dirty="0" smtClean="0">
+              <a:rPr lang="en-US" sz="1800" b="0" dirty="0" smtClean="0">
+                <a:solidFill>
+                  <a:srgbClr val="0000FF"/>
+                </a:solidFill>
                 <a:uFill>
                   <a:solidFill/>
                 </a:uFill>
@@ -3106,7 +3226,10 @@
               <a:t>Finish </a:t>
             </a:r>
             <a:r>
-              <a:rPr sz="1600" b="1" dirty="0" smtClean="0">
+              <a:rPr sz="1800" b="0" dirty="0" smtClean="0">
+                <a:solidFill>
+                  <a:srgbClr val="0000FF"/>
+                </a:solidFill>
                 <a:uFill>
                   <a:solidFill/>
                 </a:uFill>
@@ -3114,7 +3237,10 @@
               <a:t>H</a:t>
             </a:r>
             <a:r>
-              <a:rPr sz="1600" b="1" dirty="0">
+              <a:rPr sz="1800" b="0" dirty="0">
+                <a:solidFill>
+                  <a:srgbClr val="0000FF"/>
+                </a:solidFill>
                 <a:uFill>
                   <a:solidFill/>
                 </a:uFill>
@@ -3122,7 +3248,10 @@
               <a:t>-alpha </a:t>
             </a:r>
             <a:r>
-              <a:rPr sz="1600" b="1" dirty="0" smtClean="0">
+              <a:rPr sz="1800" b="0" dirty="0" smtClean="0">
+                <a:solidFill>
+                  <a:srgbClr val="0000FF"/>
+                </a:solidFill>
                 <a:uFill>
                   <a:solidFill/>
                 </a:uFill>
@@ -3130,7 +3259,10 @@
               <a:t>obser</a:t>
             </a:r>
             <a:r>
-              <a:rPr lang="en-US" sz="1600" b="1" dirty="0" smtClean="0">
+              <a:rPr lang="en-US" sz="1800" b="0" dirty="0" smtClean="0">
+                <a:solidFill>
+                  <a:srgbClr val="0000FF"/>
+                </a:solidFill>
                 <a:uFill>
                   <a:solidFill/>
                 </a:uFill>
@@ -3138,7 +3270,10 @@
               <a:t>vations</a:t>
             </a:r>
             <a:r>
-              <a:rPr sz="1600" b="1" dirty="0" smtClean="0">
+              <a:rPr sz="1800" b="0" dirty="0" smtClean="0">
+                <a:solidFill>
+                  <a:srgbClr val="0000FF"/>
+                </a:solidFill>
                 <a:uFill>
                   <a:solidFill/>
                 </a:uFill>
@@ -3146,7 +3281,10 @@
               <a:t> for </a:t>
             </a:r>
             <a:r>
-              <a:rPr sz="1600" b="1" dirty="0">
+              <a:rPr sz="1800" b="0" dirty="0">
+                <a:solidFill>
+                  <a:srgbClr val="0000FF"/>
+                </a:solidFill>
                 <a:uFill>
                   <a:solidFill/>
                 </a:uFill>
@@ -3164,8 +3302,8 @@
         </p:nvSpPr>
         <p:spPr>
           <a:xfrm>
-            <a:off x="968857" y="2963212"/>
-            <a:ext cx="2901702" cy="803552"/>
+            <a:off x="948449" y="3158607"/>
+            <a:ext cx="3298467" cy="803552"/>
           </a:xfrm>
           <a:prstGeom prst="rect">
             <a:avLst/>
@@ -3214,95 +3352,13 @@
               </a:defRPr>
             </a:pPr>
             <a:r>
-              <a:rPr sz="1600" b="1">
-                <a:solidFill>
-                  <a:srgbClr val="00882B"/>
+              <a:rPr sz="1800" b="0" dirty="0">
+                <a:solidFill>
+                  <a:srgbClr val="0000FF"/>
                 </a:solidFill>
               </a:rPr>
               <a:t>Completion of H-alpha reduction pipeline (Siena)</a:t>
             </a:r>
-          </a:p>
-        </p:txBody>
-      </p:sp>
-      <p:sp>
-        <p:nvSpPr>
-          <p:cNvPr id="58" name="Shape 58"/>
-          <p:cNvSpPr/>
-          <p:nvPr/>
-        </p:nvSpPr>
-        <p:spPr>
-          <a:xfrm>
-            <a:off x="6748927" y="25360"/>
-            <a:ext cx="3149601" cy="600590"/>
-          </a:xfrm>
-          <a:prstGeom prst="rect">
-            <a:avLst/>
-          </a:prstGeom>
-          <a:ln w="12700">
-            <a:solidFill/>
-            <a:miter lim="400000"/>
-          </a:ln>
-          <a:extLst>
-            <a:ext uri="{C572A759-6A51-4108-AA02-DFA0A04FC94B}">
-              <ma14:wrappingTextBoxFlag xmlns:ma14="http://schemas.microsoft.com/office/mac/drawingml/2011/main" val="1"/>
-            </a:ext>
-          </a:extLst>
-        </p:spPr>
-        <p:txBody>
-          <a:bodyPr lIns="0" tIns="0" rIns="0" bIns="0" anchor="ctr"/>
-          <a:lstStyle>
-            <a:lvl1pPr>
-              <a:defRPr sz="1600" b="1">
-                <a:latin typeface="Times New Roman"/>
-                <a:ea typeface="Times New Roman"/>
-                <a:cs typeface="Times New Roman"/>
-                <a:sym typeface="Times New Roman"/>
-              </a:defRPr>
-            </a:lvl1pPr>
-          </a:lstStyle>
-          <a:p>
-            <a:pPr lvl="0">
-              <a:defRPr sz="1800" b="0"/>
-            </a:pPr>
-            <a:r>
-              <a:rPr sz="1600" b="1"/>
-              <a:t>Completion of data acquisition phase of survey</a:t>
-            </a:r>
-          </a:p>
-        </p:txBody>
-      </p:sp>
-      <p:sp>
-        <p:nvSpPr>
-          <p:cNvPr id="59" name="Shape 59"/>
-          <p:cNvSpPr/>
-          <p:nvPr/>
-        </p:nvSpPr>
-        <p:spPr>
-          <a:xfrm flipH="1" flipV="1">
-            <a:off x="8184018" y="603651"/>
-            <a:ext cx="172931" cy="207642"/>
-          </a:xfrm>
-          <a:prstGeom prst="line">
-            <a:avLst/>
-          </a:prstGeom>
-          <a:ln w="12700">
-            <a:solidFill/>
-            <a:miter lim="400000"/>
-          </a:ln>
-        </p:spPr>
-        <p:txBody>
-          <a:bodyPr lIns="0" tIns="0" rIns="0" bIns="0" anchor="ctr"/>
-          <a:lstStyle/>
-          <a:p>
-            <a:pPr lvl="0" algn="l" defTabSz="457200">
-              <a:defRPr sz="1200">
-                <a:latin typeface="Helvetica"/>
-                <a:ea typeface="Helvetica"/>
-                <a:cs typeface="Helvetica"/>
-                <a:sym typeface="Helvetica"/>
-              </a:defRPr>
-            </a:pPr>
-            <a:endParaRPr/>
           </a:p>
         </p:txBody>
       </p:sp>
@@ -3314,8 +3370,8 @@
         </p:nvSpPr>
         <p:spPr>
           <a:xfrm>
-            <a:off x="6733525" y="8186560"/>
-            <a:ext cx="1714501" cy="977901"/>
+            <a:off x="5881274" y="8029610"/>
+            <a:ext cx="1714501" cy="1127133"/>
           </a:xfrm>
           <a:prstGeom prst="rect">
             <a:avLst/>
@@ -3362,7 +3418,10 @@
               </a:defRPr>
             </a:pPr>
             <a:r>
-              <a:rPr sz="1500">
+              <a:rPr sz="1800" dirty="0">
+                <a:solidFill>
+                  <a:srgbClr val="0000FF"/>
+                </a:solidFill>
                 <a:uFill>
                   <a:solidFill/>
                 </a:uFill>
@@ -3380,8 +3439,8 @@
         </p:nvSpPr>
         <p:spPr>
           <a:xfrm>
-            <a:off x="10187925" y="8186560"/>
-            <a:ext cx="1714501" cy="977901"/>
+            <a:off x="11330601" y="8029610"/>
+            <a:ext cx="1402787" cy="1127471"/>
           </a:xfrm>
           <a:prstGeom prst="rect">
             <a:avLst/>
@@ -3428,7 +3487,10 @@
               </a:defRPr>
             </a:pPr>
             <a:r>
-              <a:rPr sz="1500">
+              <a:rPr sz="1800" dirty="0">
+                <a:solidFill>
+                  <a:srgbClr val="0000FF"/>
+                </a:solidFill>
                 <a:uFill>
                   <a:solidFill/>
                 </a:uFill>
@@ -3440,139 +3502,14 @@
       </p:sp>
       <p:sp>
         <p:nvSpPr>
-          <p:cNvPr id="62" name="Shape 62"/>
+          <p:cNvPr id="66" name="Shape 66"/>
           <p:cNvSpPr/>
           <p:nvPr/>
         </p:nvSpPr>
         <p:spPr>
           <a:xfrm>
-            <a:off x="3289658" y="8186560"/>
-            <a:ext cx="1714501" cy="977901"/>
-          </a:xfrm>
-          <a:prstGeom prst="rect">
-            <a:avLst/>
-          </a:prstGeom>
-          <a:gradFill>
-            <a:gsLst>
-              <a:gs pos="0">
-                <a:srgbClr val="FFFFFF"/>
-              </a:gs>
-              <a:gs pos="100000">
-                <a:srgbClr val="CBCBCB"/>
-              </a:gs>
-            </a:gsLst>
-          </a:gradFill>
-          <a:ln w="12700">
-            <a:solidFill/>
-            <a:miter lim="400000"/>
-          </a:ln>
-          <a:extLst>
-            <a:ext uri="{C572A759-6A51-4108-AA02-DFA0A04FC94B}">
-              <ma14:wrappingTextBoxFlag xmlns:ma14="http://schemas.microsoft.com/office/mac/drawingml/2011/main" val="1"/>
-            </a:ext>
-          </a:extLst>
-        </p:spPr>
-        <p:txBody>
-          <a:bodyPr lIns="0" tIns="0" rIns="0" bIns="0" anchor="ctr"/>
-          <a:lstStyle>
-            <a:lvl1pPr>
-              <a:defRPr sz="1500">
-                <a:uFill>
-                  <a:solidFill/>
-                </a:uFill>
-                <a:latin typeface="Times New Roman"/>
-                <a:ea typeface="Times New Roman"/>
-                <a:cs typeface="Times New Roman"/>
-                <a:sym typeface="Times New Roman"/>
-              </a:defRPr>
-            </a:lvl1pPr>
-          </a:lstStyle>
-          <a:p>
-            <a:pPr lvl="0">
-              <a:defRPr sz="1800">
-                <a:uFillTx/>
-              </a:defRPr>
-            </a:pPr>
-            <a:r>
-              <a:rPr sz="1500">
-                <a:uFill>
-                  <a:solidFill/>
-                </a:uFill>
-              </a:rPr>
-              <a:t>Disseminate preliminary results at domestic conference</a:t>
-            </a:r>
-          </a:p>
-        </p:txBody>
-      </p:sp>
-      <p:sp>
-        <p:nvSpPr>
-          <p:cNvPr id="63" name="Shape 63"/>
-          <p:cNvSpPr/>
-          <p:nvPr/>
-        </p:nvSpPr>
-        <p:spPr>
-          <a:xfrm>
-            <a:off x="114658" y="9170810"/>
-            <a:ext cx="2882901" cy="382911"/>
-          </a:xfrm>
-          <a:prstGeom prst="rect">
-            <a:avLst/>
-          </a:prstGeom>
-          <a:ln w="12700">
-            <a:miter lim="400000"/>
-          </a:ln>
-          <a:extLst>
-            <a:ext uri="{C572A759-6A51-4108-AA02-DFA0A04FC94B}">
-              <ma14:wrappingTextBoxFlag xmlns:ma14="http://schemas.microsoft.com/office/mac/drawingml/2011/main" val="1"/>
-            </a:ext>
-          </a:extLst>
-        </p:spPr>
-        <p:txBody>
-          <a:bodyPr lIns="50800" tIns="50800" rIns="50800" bIns="50800" anchor="ctr">
-            <a:spAutoFit/>
-          </a:bodyPr>
-          <a:lstStyle>
-            <a:lvl1pPr>
-              <a:defRPr sz="2000" b="1">
-                <a:solidFill>
-                  <a:srgbClr val="FF2600"/>
-                </a:solidFill>
-                <a:latin typeface="Times New Roman"/>
-                <a:ea typeface="Times New Roman"/>
-                <a:cs typeface="Times New Roman"/>
-                <a:sym typeface="Times New Roman"/>
-              </a:defRPr>
-            </a:lvl1pPr>
-          </a:lstStyle>
-          <a:p>
-            <a:pPr lvl="0">
-              <a:defRPr sz="1800" b="0">
-                <a:solidFill>
-                  <a:srgbClr val="000000"/>
-                </a:solidFill>
-              </a:defRPr>
-            </a:pPr>
-            <a:r>
-              <a:rPr sz="2000" b="1">
-                <a:solidFill>
-                  <a:srgbClr val="FF2600"/>
-                </a:solidFill>
-              </a:rPr>
-              <a:t>* indicates publication</a:t>
-            </a:r>
-          </a:p>
-        </p:txBody>
-      </p:sp>
-      <p:sp>
-        <p:nvSpPr>
-          <p:cNvPr id="65" name="Shape 65"/>
-          <p:cNvSpPr/>
-          <p:nvPr/>
-        </p:nvSpPr>
-        <p:spPr>
-          <a:xfrm>
-            <a:off x="6864355" y="6160177"/>
-            <a:ext cx="3045745" cy="1157882"/>
+            <a:off x="7962900" y="3158608"/>
+            <a:ext cx="2139951" cy="803554"/>
           </a:xfrm>
           <a:prstGeom prst="rect">
             <a:avLst/>
@@ -3603,74 +3540,6 @@
             <a:lvl1pPr>
               <a:defRPr sz="1600" b="1">
                 <a:solidFill>
-                  <a:srgbClr val="0433FF"/>
-                </a:solidFill>
-                <a:latin typeface="Times New Roman"/>
-                <a:ea typeface="Times New Roman"/>
-                <a:cs typeface="Times New Roman"/>
-                <a:sym typeface="Times New Roman"/>
-              </a:defRPr>
-            </a:lvl1pPr>
-          </a:lstStyle>
-          <a:p>
-            <a:pPr lvl="0">
-              <a:defRPr sz="1800" b="0">
-                <a:solidFill>
-                  <a:srgbClr val="000000"/>
-                </a:solidFill>
-              </a:defRPr>
-            </a:pPr>
-            <a:r>
-              <a:rPr sz="1600" b="1">
-                <a:solidFill>
-                  <a:srgbClr val="0433FF"/>
-                </a:solidFill>
-              </a:rPr>
-              <a:t>cross-calibration of CO and WISE total fluxes to test dust luminosity as proxy for CO luminosity in large samples (KU)</a:t>
-            </a:r>
-          </a:p>
-        </p:txBody>
-      </p:sp>
-      <p:sp>
-        <p:nvSpPr>
-          <p:cNvPr id="66" name="Shape 66"/>
-          <p:cNvSpPr/>
-          <p:nvPr/>
-        </p:nvSpPr>
-        <p:spPr>
-          <a:xfrm>
-            <a:off x="9712498" y="2963212"/>
-            <a:ext cx="2139951" cy="997222"/>
-          </a:xfrm>
-          <a:prstGeom prst="rect">
-            <a:avLst/>
-          </a:prstGeom>
-          <a:gradFill>
-            <a:gsLst>
-              <a:gs pos="0">
-                <a:srgbClr val="FFFFFF"/>
-              </a:gs>
-              <a:gs pos="100000">
-                <a:srgbClr val="CBCBCB"/>
-              </a:gs>
-            </a:gsLst>
-          </a:gradFill>
-          <a:ln w="12700">
-            <a:solidFill/>
-            <a:miter lim="400000"/>
-          </a:ln>
-          <a:extLst>
-            <a:ext uri="{C572A759-6A51-4108-AA02-DFA0A04FC94B}">
-              <ma14:wrappingTextBoxFlag xmlns:ma14="http://schemas.microsoft.com/office/mac/drawingml/2011/main" val="1"/>
-            </a:ext>
-          </a:extLst>
-        </p:spPr>
-        <p:txBody>
-          <a:bodyPr lIns="0" tIns="0" rIns="0" bIns="0" anchor="ctr"/>
-          <a:lstStyle>
-            <a:lvl1pPr>
-              <a:defRPr sz="1600" b="1">
-                <a:solidFill>
                   <a:srgbClr val="FF2600"/>
                 </a:solidFill>
                 <a:uFill>
@@ -3693,7 +3562,7 @@
               </a:defRPr>
             </a:pPr>
             <a:r>
-              <a:rPr sz="1600" b="1" dirty="0">
+              <a:rPr lang="en-US" sz="1800" b="0" dirty="0" smtClean="0">
                 <a:solidFill>
                   <a:srgbClr val="FF2600"/>
                 </a:solidFill>
@@ -3701,8 +3570,82 @@
                   <a:solidFill/>
                 </a:uFill>
               </a:rPr>
-              <a:t>Effect of environment on spatial distribution of H-alpha and dust*</a:t>
-            </a:r>
+              <a:t>Paper: Sp</a:t>
+            </a:r>
+            <a:r>
+              <a:rPr sz="1800" b="0" dirty="0" smtClean="0">
+                <a:solidFill>
+                  <a:srgbClr val="FF2600"/>
+                </a:solidFill>
+                <a:uFill>
+                  <a:solidFill/>
+                </a:uFill>
+              </a:rPr>
+              <a:t>atial dist </a:t>
+            </a:r>
+            <a:r>
+              <a:rPr sz="1800" b="0" dirty="0">
+                <a:solidFill>
+                  <a:srgbClr val="FF2600"/>
+                </a:solidFill>
+                <a:uFill>
+                  <a:solidFill/>
+                </a:uFill>
+              </a:rPr>
+              <a:t>of H-</a:t>
+            </a:r>
+            <a:r>
+              <a:rPr sz="1800" b="0" dirty="0" smtClean="0">
+                <a:solidFill>
+                  <a:srgbClr val="FF2600"/>
+                </a:solidFill>
+                <a:uFill>
+                  <a:solidFill/>
+                </a:uFill>
+              </a:rPr>
+              <a:t>alpha</a:t>
+            </a:r>
+            <a:r>
+              <a:rPr lang="en-US" sz="1800" b="0" dirty="0" smtClean="0">
+                <a:solidFill>
+                  <a:srgbClr val="FF2600"/>
+                </a:solidFill>
+                <a:uFill>
+                  <a:solidFill/>
+                </a:uFill>
+              </a:rPr>
+              <a:t>/</a:t>
+            </a:r>
+            <a:r>
+              <a:rPr sz="1800" b="0" dirty="0" smtClean="0">
+                <a:solidFill>
+                  <a:srgbClr val="FF2600"/>
+                </a:solidFill>
+                <a:uFill>
+                  <a:solidFill/>
+                </a:uFill>
+              </a:rPr>
+              <a:t>dust</a:t>
+            </a:r>
+            <a:r>
+              <a:rPr lang="en-US" sz="1800" b="0" dirty="0" smtClean="0">
+                <a:solidFill>
+                  <a:srgbClr val="FF2600"/>
+                </a:solidFill>
+                <a:uFill>
+                  <a:solidFill/>
+                </a:uFill>
+              </a:rPr>
+              <a:t> in NGC filament</a:t>
+            </a:r>
+            <a:endParaRPr sz="1800" b="0" dirty="0">
+              <a:solidFill>
+                <a:srgbClr val="FF2600"/>
+              </a:solidFill>
+              <a:uFill>
+                <a:solidFill/>
+              </a:uFill>
+            </a:endParaRPr>
           </a:p>
         </p:txBody>
       </p:sp>
@@ -3714,8 +3657,8 @@
         </p:nvSpPr>
         <p:spPr>
           <a:xfrm>
-            <a:off x="6142875" y="5213062"/>
-            <a:ext cx="3151236" cy="934416"/>
+            <a:off x="2879791" y="6425704"/>
+            <a:ext cx="3151236" cy="1125347"/>
           </a:xfrm>
           <a:prstGeom prst="rect">
             <a:avLst/>
@@ -3757,7 +3700,7 @@
               <a:defRPr sz="1800" b="0"/>
             </a:pPr>
             <a:r>
-              <a:rPr sz="1600" b="1"/>
+              <a:rPr sz="1800" b="0" dirty="0"/>
               <a:t>Implementation of SAMs in constrained local simulation (Trieste)</a:t>
             </a:r>
           </a:p>
@@ -3765,14 +3708,14 @@
       </p:sp>
       <p:sp>
         <p:nvSpPr>
-          <p:cNvPr id="68" name="Shape 68"/>
+          <p:cNvPr id="70" name="Shape 70"/>
           <p:cNvSpPr/>
           <p:nvPr/>
         </p:nvSpPr>
         <p:spPr>
           <a:xfrm>
-            <a:off x="7924976" y="7465301"/>
-            <a:ext cx="4254148" cy="571194"/>
+            <a:off x="10167642" y="6422777"/>
+            <a:ext cx="2419210" cy="1157882"/>
           </a:xfrm>
           <a:prstGeom prst="rect">
             <a:avLst/>
@@ -3803,8 +3746,11 @@
             <a:lvl1pPr>
               <a:defRPr sz="1600" b="1">
                 <a:solidFill>
-                  <a:srgbClr val="0433FF"/>
-                </a:solidFill>
+                  <a:srgbClr val="FF2600"/>
+                </a:solidFill>
+                <a:uFill>
+                  <a:solidFill/>
+                </a:uFill>
                 <a:latin typeface="Times New Roman"/>
                 <a:ea typeface="Times New Roman"/>
                 <a:cs typeface="Times New Roman"/>
@@ -3818,29 +3764,85 @@
                 <a:solidFill>
                   <a:srgbClr val="000000"/>
                 </a:solidFill>
+                <a:uFillTx/>
               </a:defRPr>
             </a:pPr>
             <a:r>
-              <a:rPr sz="1600" b="1">
-                <a:solidFill>
-                  <a:srgbClr val="0433FF"/>
-                </a:solidFill>
+              <a:rPr lang="en-US" sz="1800" b="0" dirty="0" smtClean="0">
+                <a:solidFill>
+                  <a:srgbClr val="FF2600"/>
+                </a:solidFill>
+                <a:uFill>
+                  <a:solidFill/>
+                </a:uFill>
               </a:rPr>
-              <a:t>Use WISE to study spatial dust (and gas) profiles in many SDSS filaments (KU)</a:t>
-            </a:r>
+              <a:t>Paper: C</a:t>
+            </a:r>
+            <a:r>
+              <a:rPr sz="1800" b="0" dirty="0" smtClean="0">
+                <a:solidFill>
+                  <a:srgbClr val="FF2600"/>
+                </a:solidFill>
+                <a:uFill>
+                  <a:solidFill/>
+                </a:uFill>
+              </a:rPr>
+              <a:t>onstrain </a:t>
+            </a:r>
+            <a:r>
+              <a:rPr sz="1800" b="0" dirty="0">
+                <a:solidFill>
+                  <a:srgbClr val="FF2600"/>
+                </a:solidFill>
+                <a:uFill>
+                  <a:solidFill/>
+                </a:uFill>
+              </a:rPr>
+              <a:t>stripping and starvation in </a:t>
+            </a:r>
+            <a:r>
+              <a:rPr sz="1800" b="0" dirty="0" smtClean="0">
+                <a:solidFill>
+                  <a:srgbClr val="FF2600"/>
+                </a:solidFill>
+                <a:uFill>
+                  <a:solidFill/>
+                </a:uFill>
+              </a:rPr>
+              <a:t>models</a:t>
+            </a:r>
+            <a:r>
+              <a:rPr lang="en-US" sz="1800" b="0" dirty="0" smtClean="0">
+                <a:solidFill>
+                  <a:srgbClr val="FF2600"/>
+                </a:solidFill>
+                <a:uFill>
+                  <a:solidFill/>
+                </a:uFill>
+              </a:rPr>
+              <a:t> with gas/dust profiles</a:t>
+            </a:r>
+            <a:endParaRPr sz="1800" b="0" dirty="0">
+              <a:solidFill>
+                <a:srgbClr val="FF2600"/>
+              </a:solidFill>
+              <a:uFill>
+                <a:solidFill/>
+              </a:uFill>
+            </a:endParaRPr>
           </a:p>
         </p:txBody>
       </p:sp>
       <p:sp>
         <p:nvSpPr>
-          <p:cNvPr id="69" name="Shape 69"/>
+          <p:cNvPr id="71" name="Shape 71"/>
           <p:cNvSpPr/>
           <p:nvPr/>
         </p:nvSpPr>
         <p:spPr>
           <a:xfrm>
-            <a:off x="9911227" y="1594092"/>
-            <a:ext cx="2042415" cy="669205"/>
+            <a:off x="4803355" y="3158609"/>
+            <a:ext cx="3026813" cy="803552"/>
           </a:xfrm>
           <a:prstGeom prst="rect">
             <a:avLst/>
@@ -3871,11 +3873,8 @@
             <a:lvl1pPr>
               <a:defRPr sz="1600" b="1">
                 <a:solidFill>
-                  <a:srgbClr val="FF2600"/>
-                </a:solidFill>
-                <a:uFill>
-                  <a:solidFill/>
-                </a:uFill>
+                  <a:srgbClr val="00882B"/>
+                </a:solidFill>
                 <a:latin typeface="Times New Roman"/>
                 <a:ea typeface="Times New Roman"/>
                 <a:cs typeface="Times New Roman"/>
@@ -3889,159 +3888,12 @@
                 <a:solidFill>
                   <a:srgbClr val="000000"/>
                 </a:solidFill>
-                <a:uFillTx/>
               </a:defRPr>
             </a:pPr>
             <a:r>
-              <a:rPr sz="1600" b="1">
-                <a:solidFill>
-                  <a:srgbClr val="FF2600"/>
-                </a:solidFill>
-                <a:uFill>
-                  <a:solidFill/>
-                </a:uFill>
-              </a:rPr>
-              <a:t>Data release with profile maps*</a:t>
-            </a:r>
-          </a:p>
-        </p:txBody>
-      </p:sp>
-      <p:sp>
-        <p:nvSpPr>
-          <p:cNvPr id="70" name="Shape 70"/>
-          <p:cNvSpPr/>
-          <p:nvPr/>
-        </p:nvSpPr>
-        <p:spPr>
-          <a:xfrm>
-            <a:off x="9306810" y="4989596"/>
-            <a:ext cx="2720503" cy="1157882"/>
-          </a:xfrm>
-          <a:prstGeom prst="rect">
-            <a:avLst/>
-          </a:prstGeom>
-          <a:gradFill>
-            <a:gsLst>
-              <a:gs pos="0">
-                <a:srgbClr val="FFFFFF"/>
-              </a:gs>
-              <a:gs pos="100000">
-                <a:srgbClr val="CBCBCB"/>
-              </a:gs>
-            </a:gsLst>
-          </a:gradFill>
-          <a:ln w="12700">
-            <a:solidFill/>
-            <a:miter lim="400000"/>
-          </a:ln>
-          <a:extLst>
-            <a:ext uri="{C572A759-6A51-4108-AA02-DFA0A04FC94B}">
-              <ma14:wrappingTextBoxFlag xmlns:ma14="http://schemas.microsoft.com/office/mac/drawingml/2011/main" val="1"/>
-            </a:ext>
-          </a:extLst>
-        </p:spPr>
-        <p:txBody>
-          <a:bodyPr lIns="0" tIns="0" rIns="0" bIns="0" anchor="ctr"/>
-          <a:lstStyle>
-            <a:lvl1pPr>
-              <a:defRPr sz="1600" b="1">
-                <a:solidFill>
-                  <a:srgbClr val="FF2600"/>
-                </a:solidFill>
-                <a:uFill>
-                  <a:solidFill/>
-                </a:uFill>
-                <a:latin typeface="Times New Roman"/>
-                <a:ea typeface="Times New Roman"/>
-                <a:cs typeface="Times New Roman"/>
-                <a:sym typeface="Times New Roman"/>
-              </a:defRPr>
-            </a:lvl1pPr>
-          </a:lstStyle>
-          <a:p>
-            <a:pPr lvl="0">
-              <a:defRPr sz="1800" b="0">
-                <a:solidFill>
-                  <a:srgbClr val="000000"/>
-                </a:solidFill>
-                <a:uFillTx/>
-              </a:defRPr>
-            </a:pPr>
-            <a:r>
-              <a:rPr sz="1600" b="1">
-                <a:solidFill>
-                  <a:srgbClr val="FF2600"/>
-                </a:solidFill>
-                <a:uFill>
-                  <a:solidFill/>
-                </a:uFill>
-              </a:rPr>
-              <a:t>Use of gas contents and gas profiles to constrain stripping and starvation in models*</a:t>
-            </a:r>
-          </a:p>
-        </p:txBody>
-      </p:sp>
-      <p:sp>
-        <p:nvSpPr>
-          <p:cNvPr id="71" name="Shape 71"/>
-          <p:cNvSpPr/>
-          <p:nvPr/>
-        </p:nvSpPr>
-        <p:spPr>
-          <a:xfrm>
-            <a:off x="5004159" y="3171697"/>
-            <a:ext cx="2792939" cy="572591"/>
-          </a:xfrm>
-          <a:prstGeom prst="rect">
-            <a:avLst/>
-          </a:prstGeom>
-          <a:gradFill>
-            <a:gsLst>
-              <a:gs pos="0">
-                <a:srgbClr val="FFFFFF"/>
-              </a:gs>
-              <a:gs pos="100000">
-                <a:srgbClr val="CBCBCB"/>
-              </a:gs>
-            </a:gsLst>
-          </a:gradFill>
-          <a:ln w="12700">
-            <a:solidFill/>
-            <a:miter lim="400000"/>
-          </a:ln>
-          <a:extLst>
-            <a:ext uri="{C572A759-6A51-4108-AA02-DFA0A04FC94B}">
-              <ma14:wrappingTextBoxFlag xmlns:ma14="http://schemas.microsoft.com/office/mac/drawingml/2011/main" val="1"/>
-            </a:ext>
-          </a:extLst>
-        </p:spPr>
-        <p:txBody>
-          <a:bodyPr lIns="0" tIns="0" rIns="0" bIns="0" anchor="ctr"/>
-          <a:lstStyle>
-            <a:lvl1pPr>
-              <a:defRPr sz="1600" b="1">
-                <a:solidFill>
-                  <a:srgbClr val="00882B"/>
-                </a:solidFill>
-                <a:latin typeface="Times New Roman"/>
-                <a:ea typeface="Times New Roman"/>
-                <a:cs typeface="Times New Roman"/>
-                <a:sym typeface="Times New Roman"/>
-              </a:defRPr>
-            </a:lvl1pPr>
-          </a:lstStyle>
-          <a:p>
-            <a:pPr lvl="0">
-              <a:defRPr sz="1800" b="0">
-                <a:solidFill>
-                  <a:srgbClr val="000000"/>
-                </a:solidFill>
-              </a:defRPr>
-            </a:pPr>
-            <a:r>
-              <a:rPr sz="1600" b="1">
-                <a:solidFill>
-                  <a:srgbClr val="00882B"/>
+              <a:rPr sz="1800" b="0" dirty="0">
+                <a:solidFill>
+                  <a:srgbClr val="0000FF"/>
                 </a:solidFill>
               </a:rPr>
               <a:t>Size measurements from WISE 12um data (Siena)</a:t>
@@ -4057,8 +3909,8 @@
         </p:nvSpPr>
         <p:spPr>
           <a:xfrm>
-            <a:off x="184508" y="1573299"/>
-            <a:ext cx="5790020" cy="539460"/>
+            <a:off x="948450" y="1768695"/>
+            <a:ext cx="5482720" cy="539460"/>
           </a:xfrm>
           <a:prstGeom prst="rect">
             <a:avLst/>
@@ -4105,71 +3957,51 @@
               </a:defRPr>
             </a:pPr>
             <a:r>
-              <a:rPr sz="1600" b="1">
+              <a:rPr sz="1800" b="0" dirty="0">
+                <a:solidFill>
+                  <a:srgbClr val="0000FF"/>
+                </a:solidFill>
                 <a:uFill>
                   <a:solidFill/>
                 </a:uFill>
               </a:rPr>
-              <a:t>H-alpha observing campaign for Leo Virgo Cluster Filaments</a:t>
+              <a:t>H-alpha observing campaign for </a:t>
+            </a:r>
+            <a:r>
+              <a:rPr sz="1800" b="0" dirty="0" smtClean="0">
+                <a:solidFill>
+                  <a:srgbClr val="0000FF"/>
+                </a:solidFill>
+                <a:uFill>
+                  <a:solidFill/>
+                </a:uFill>
+              </a:rPr>
+              <a:t>Leo </a:t>
+            </a:r>
+            <a:r>
+              <a:rPr sz="1800" b="0" dirty="0">
+                <a:solidFill>
+                  <a:srgbClr val="0000FF"/>
+                </a:solidFill>
+                <a:uFill>
+                  <a:solidFill/>
+                </a:uFill>
+              </a:rPr>
+              <a:t>Filaments</a:t>
             </a:r>
           </a:p>
         </p:txBody>
       </p:sp>
       <p:sp>
         <p:nvSpPr>
-          <p:cNvPr id="73" name="Shape 73"/>
+          <p:cNvPr id="75" name="Shape 75"/>
           <p:cNvSpPr/>
           <p:nvPr/>
         </p:nvSpPr>
         <p:spPr>
           <a:xfrm>
-            <a:off x="403611" y="830400"/>
-            <a:ext cx="1479711" cy="625290"/>
-          </a:xfrm>
-          <a:prstGeom prst="rect">
-            <a:avLst/>
-          </a:prstGeom>
-          <a:ln w="12700">
-            <a:miter lim="400000"/>
-          </a:ln>
-          <a:extLst>
-            <a:ext uri="{C572A759-6A51-4108-AA02-DFA0A04FC94B}">
-              <ma14:wrappingTextBoxFlag xmlns:ma14="http://schemas.microsoft.com/office/mac/drawingml/2011/main" val="1"/>
-            </a:ext>
-          </a:extLst>
-        </p:spPr>
-        <p:txBody>
-          <a:bodyPr lIns="50800" tIns="50800" rIns="50800" bIns="50800" anchor="ctr">
-            <a:spAutoFit/>
-          </a:bodyPr>
-          <a:lstStyle>
-            <a:lvl1pPr>
-              <a:defRPr sz="1800">
-                <a:latin typeface="Times New Roman"/>
-                <a:ea typeface="Times New Roman"/>
-                <a:cs typeface="Times New Roman"/>
-                <a:sym typeface="Times New Roman"/>
-              </a:defRPr>
-            </a:lvl1pPr>
-          </a:lstStyle>
-          <a:p>
-            <a:pPr lvl="0"/>
-            <a:r>
-              <a:t>Prior to start of grant</a:t>
-            </a:r>
-          </a:p>
-        </p:txBody>
-      </p:sp>
-      <p:sp>
-        <p:nvSpPr>
-          <p:cNvPr id="74" name="Shape 74"/>
-          <p:cNvSpPr/>
-          <p:nvPr/>
-        </p:nvSpPr>
-        <p:spPr>
-          <a:xfrm>
-            <a:off x="6502877" y="2172466"/>
-            <a:ext cx="3258464" cy="668450"/>
+            <a:off x="5893293" y="4585039"/>
+            <a:ext cx="2573056" cy="1158874"/>
           </a:xfrm>
           <a:prstGeom prst="rect">
             <a:avLst/>
@@ -4200,90 +4032,6 @@
             <a:lvl1pPr>
               <a:defRPr sz="1600" b="1">
                 <a:solidFill>
-                  <a:srgbClr val="0433FF"/>
-                </a:solidFill>
-                <a:latin typeface="Times New Roman"/>
-                <a:ea typeface="Times New Roman"/>
-                <a:cs typeface="Times New Roman"/>
-                <a:sym typeface="Times New Roman"/>
-              </a:defRPr>
-            </a:lvl1pPr>
-          </a:lstStyle>
-          <a:p>
-            <a:pPr lvl="0">
-              <a:defRPr sz="1800" b="0">
-                <a:solidFill>
-                  <a:srgbClr val="000000"/>
-                </a:solidFill>
-              </a:defRPr>
-            </a:pPr>
-            <a:r>
-              <a:rPr sz="1600" b="1" dirty="0">
-                <a:solidFill>
-                  <a:srgbClr val="0433FF"/>
-                </a:solidFill>
-              </a:rPr>
-              <a:t>Analysis of Halpha </a:t>
-            </a:r>
-            <a:r>
-              <a:rPr sz="1600" b="1" dirty="0" smtClean="0">
-                <a:solidFill>
-                  <a:srgbClr val="0433FF"/>
-                </a:solidFill>
-              </a:rPr>
-              <a:t>morphologies </a:t>
-            </a:r>
-            <a:r>
-              <a:rPr sz="1600" b="1" dirty="0">
-                <a:solidFill>
-                  <a:srgbClr val="0433FF"/>
-                </a:solidFill>
-              </a:rPr>
-              <a:t>(KU)</a:t>
-            </a:r>
-          </a:p>
-        </p:txBody>
-      </p:sp>
-      <p:sp>
-        <p:nvSpPr>
-          <p:cNvPr id="75" name="Shape 75"/>
-          <p:cNvSpPr/>
-          <p:nvPr/>
-        </p:nvSpPr>
-        <p:spPr>
-          <a:xfrm>
-            <a:off x="5263573" y="4171838"/>
-            <a:ext cx="2126905" cy="1158874"/>
-          </a:xfrm>
-          <a:prstGeom prst="rect">
-            <a:avLst/>
-          </a:prstGeom>
-          <a:gradFill>
-            <a:gsLst>
-              <a:gs pos="0">
-                <a:srgbClr val="FFFFFF"/>
-              </a:gs>
-              <a:gs pos="100000">
-                <a:srgbClr val="CBCBCB"/>
-              </a:gs>
-            </a:gsLst>
-          </a:gradFill>
-          <a:ln w="12700">
-            <a:solidFill/>
-            <a:miter lim="400000"/>
-          </a:ln>
-          <a:extLst>
-            <a:ext uri="{C572A759-6A51-4108-AA02-DFA0A04FC94B}">
-              <ma14:wrappingTextBoxFlag xmlns:ma14="http://schemas.microsoft.com/office/mac/drawingml/2011/main" val="1"/>
-            </a:ext>
-          </a:extLst>
-        </p:spPr>
-        <p:txBody>
-          <a:bodyPr lIns="0" tIns="0" rIns="0" bIns="0" anchor="ctr"/>
-          <a:lstStyle>
-            <a:lvl1pPr>
-              <a:defRPr sz="1600" b="1">
-                <a:solidFill>
                   <a:srgbClr val="FF2600"/>
                 </a:solidFill>
                 <a:uFill>
@@ -4306,7 +4054,7 @@
               </a:defRPr>
             </a:pPr>
             <a:r>
-              <a:rPr sz="1600" b="1" dirty="0">
+              <a:rPr lang="en-US" sz="1800" b="0" dirty="0" smtClean="0">
                 <a:solidFill>
                   <a:srgbClr val="FF2600"/>
                 </a:solidFill>
@@ -4314,74 +4062,10 @@
                   <a:solidFill/>
                 </a:uFill>
               </a:rPr>
-              <a:t>Effect of environment on total UV+22um SFR and integrated CO, HI, and dust content*</a:t>
-            </a:r>
-          </a:p>
-        </p:txBody>
-      </p:sp>
-      <p:sp>
-        <p:nvSpPr>
-          <p:cNvPr id="76" name="Shape 76"/>
-          <p:cNvSpPr/>
-          <p:nvPr/>
-        </p:nvSpPr>
-        <p:spPr>
-          <a:xfrm>
-            <a:off x="9911227" y="6160177"/>
-            <a:ext cx="2267897" cy="1157882"/>
-          </a:xfrm>
-          <a:prstGeom prst="rect">
-            <a:avLst/>
-          </a:prstGeom>
-          <a:gradFill>
-            <a:gsLst>
-              <a:gs pos="0">
-                <a:srgbClr val="FFFFFF"/>
-              </a:gs>
-              <a:gs pos="100000">
-                <a:srgbClr val="CBCBCB"/>
-              </a:gs>
-            </a:gsLst>
-          </a:gradFill>
-          <a:ln w="12700">
-            <a:solidFill/>
-            <a:miter lim="400000"/>
-          </a:ln>
-          <a:extLst>
-            <a:ext uri="{C572A759-6A51-4108-AA02-DFA0A04FC94B}">
-              <ma14:wrappingTextBoxFlag xmlns:ma14="http://schemas.microsoft.com/office/mac/drawingml/2011/main" val="1"/>
-            </a:ext>
-          </a:extLst>
-        </p:spPr>
-        <p:txBody>
-          <a:bodyPr lIns="0" tIns="0" rIns="0" bIns="0" anchor="ctr"/>
-          <a:lstStyle>
-            <a:lvl1pPr>
-              <a:defRPr sz="1600" b="1">
-                <a:solidFill>
-                  <a:srgbClr val="FF2600"/>
-                </a:solidFill>
-                <a:uFill>
-                  <a:solidFill/>
-                </a:uFill>
-                <a:latin typeface="Times New Roman"/>
-                <a:ea typeface="Times New Roman"/>
-                <a:cs typeface="Times New Roman"/>
-                <a:sym typeface="Times New Roman"/>
-              </a:defRPr>
-            </a:lvl1pPr>
-          </a:lstStyle>
-          <a:p>
-            <a:pPr lvl="0">
-              <a:defRPr sz="1800" b="0">
-                <a:solidFill>
-                  <a:srgbClr val="000000"/>
-                </a:solidFill>
-                <a:uFillTx/>
-              </a:defRPr>
-            </a:pPr>
-            <a:r>
-              <a:rPr sz="1600" b="1">
+              <a:t>Paper: </a:t>
+            </a:r>
+            <a:r>
+              <a:rPr sz="1800" b="0" dirty="0" smtClean="0">
                 <a:solidFill>
                   <a:srgbClr val="FF2600"/>
                 </a:solidFill>
@@ -4389,76 +4073,82 @@
                   <a:solidFill/>
                 </a:uFill>
               </a:rPr>
-              <a:t>Dust-mass based gas estimates and the effect of environment in many SDSS filaments *</a:t>
-            </a:r>
-          </a:p>
-        </p:txBody>
-      </p:sp>
-      <p:sp>
-        <p:nvSpPr>
-          <p:cNvPr id="77" name="Shape 77"/>
-          <p:cNvSpPr/>
-          <p:nvPr/>
-        </p:nvSpPr>
-        <p:spPr>
-          <a:xfrm>
-            <a:off x="4355015" y="7465301"/>
-            <a:ext cx="3563020" cy="571194"/>
-          </a:xfrm>
-          <a:prstGeom prst="rect">
-            <a:avLst/>
-          </a:prstGeom>
-          <a:gradFill>
-            <a:gsLst>
-              <a:gs pos="0">
-                <a:srgbClr val="FFFFFF"/>
-              </a:gs>
-              <a:gs pos="100000">
-                <a:srgbClr val="CBCBCB"/>
-              </a:gs>
-            </a:gsLst>
-          </a:gradFill>
-          <a:ln w="12700">
-            <a:solidFill/>
-            <a:miter lim="400000"/>
-          </a:ln>
-          <a:extLst>
-            <a:ext uri="{C572A759-6A51-4108-AA02-DFA0A04FC94B}">
-              <ma14:wrappingTextBoxFlag xmlns:ma14="http://schemas.microsoft.com/office/mac/drawingml/2011/main" val="1"/>
-            </a:ext>
-          </a:extLst>
-        </p:spPr>
-        <p:txBody>
-          <a:bodyPr lIns="0" tIns="0" rIns="0" bIns="0" anchor="ctr"/>
-          <a:lstStyle>
-            <a:lvl1pPr>
-              <a:defRPr sz="1600" b="1">
-                <a:solidFill>
-                  <a:srgbClr val="00882B"/>
-                </a:solidFill>
-                <a:latin typeface="Times New Roman"/>
-                <a:ea typeface="Times New Roman"/>
-                <a:cs typeface="Times New Roman"/>
-                <a:sym typeface="Times New Roman"/>
-              </a:defRPr>
-            </a:lvl1pPr>
-          </a:lstStyle>
-          <a:p>
-            <a:pPr lvl="0">
-              <a:defRPr sz="1800" b="0">
-                <a:solidFill>
-                  <a:srgbClr val="000000"/>
-                </a:solidFill>
-              </a:defRPr>
-            </a:pPr>
-            <a:r>
-              <a:rPr sz="1600" b="1">
-                <a:solidFill>
-                  <a:srgbClr val="00882B"/>
-                </a:solidFill>
+              <a:t>Effect </a:t>
+            </a:r>
+            <a:r>
+              <a:rPr sz="1800" b="0" dirty="0">
+                <a:solidFill>
+                  <a:srgbClr val="FF2600"/>
+                </a:solidFill>
+                <a:uFill>
+                  <a:solidFill/>
+                </a:uFill>
               </a:rPr>
-              <a:t>Calibrate spatial dust-to-gas ratio using literature (Siena)</a:t>
-            </a:r>
+              <a:t>of environment on total UV+22um </a:t>
+            </a:r>
+            <a:r>
+              <a:rPr sz="1800" b="0" dirty="0" smtClean="0">
+                <a:solidFill>
+                  <a:srgbClr val="FF2600"/>
+                </a:solidFill>
+                <a:uFill>
+                  <a:solidFill/>
+                </a:uFill>
+              </a:rPr>
+              <a:t>SFR</a:t>
+            </a:r>
+            <a:r>
+              <a:rPr lang="en-US" sz="1800" b="0" dirty="0" smtClean="0">
+                <a:solidFill>
+                  <a:srgbClr val="FF2600"/>
+                </a:solidFill>
+                <a:uFill>
+                  <a:solidFill/>
+                </a:uFill>
+              </a:rPr>
+              <a:t>, </a:t>
+            </a:r>
+            <a:r>
+              <a:rPr sz="1800" b="0" dirty="0" smtClean="0">
+                <a:solidFill>
+                  <a:srgbClr val="FF2600"/>
+                </a:solidFill>
+                <a:uFill>
+                  <a:solidFill/>
+                </a:uFill>
+              </a:rPr>
+              <a:t>CO</a:t>
+            </a:r>
+            <a:r>
+              <a:rPr sz="1800" b="0" dirty="0">
+                <a:solidFill>
+                  <a:srgbClr val="FF2600"/>
+                </a:solidFill>
+                <a:uFill>
+                  <a:solidFill/>
+                </a:uFill>
+              </a:rPr>
+              <a:t>, HI, and </a:t>
+            </a:r>
+            <a:r>
+              <a:rPr sz="1800" b="0" dirty="0" smtClean="0">
+                <a:solidFill>
+                  <a:srgbClr val="FF2600"/>
+                </a:solidFill>
+                <a:uFill>
+                  <a:solidFill/>
+                </a:uFill>
+              </a:rPr>
+              <a:t>dust</a:t>
+            </a:r>
+            <a:endParaRPr sz="1800" b="0" dirty="0">
+              <a:solidFill>
+                <a:srgbClr val="FF2600"/>
+              </a:solidFill>
+              <a:uFill>
+                <a:solidFill/>
+              </a:uFill>
+            </a:endParaRPr>
           </a:p>
         </p:txBody>
       </p:sp>
@@ -4470,8 +4160,8 @@
         </p:nvSpPr>
         <p:spPr>
           <a:xfrm>
-            <a:off x="317045" y="4187639"/>
-            <a:ext cx="4872618" cy="571195"/>
+            <a:off x="901895" y="4585040"/>
+            <a:ext cx="4872618" cy="1158874"/>
           </a:xfrm>
           <a:prstGeom prst="rect">
             <a:avLst/>
@@ -4557,25 +4247,433 @@
       </p:sp>
       <p:sp>
         <p:nvSpPr>
-          <p:cNvPr id="2" name="Rectangle 1"/>
+          <p:cNvPr id="40" name="Shape 66"/>
           <p:cNvSpPr/>
           <p:nvPr/>
         </p:nvSpPr>
         <p:spPr>
           <a:xfrm>
-            <a:off x="82096" y="2168307"/>
-            <a:ext cx="202387" cy="762339"/>
+            <a:off x="10496077" y="1738778"/>
+            <a:ext cx="2139951" cy="2190815"/>
           </a:xfrm>
           <a:prstGeom prst="rect">
             <a:avLst/>
           </a:prstGeom>
-          <a:solidFill>
-            <a:srgbClr val="FFFFFF"/>
-          </a:solidFill>
+          <a:gradFill>
+            <a:gsLst>
+              <a:gs pos="0">
+                <a:srgbClr val="FFFFFF"/>
+              </a:gs>
+              <a:gs pos="100000">
+                <a:srgbClr val="CBCBCB"/>
+              </a:gs>
+            </a:gsLst>
+          </a:gradFill>
+          <a:ln w="12700">
+            <a:solidFill/>
+            <a:miter lim="400000"/>
+          </a:ln>
+          <a:extLst>
+            <a:ext uri="{C572A759-6A51-4108-AA02-DFA0A04FC94B}">
+              <ma14:wrappingTextBoxFlag xmlns:ma14="http://schemas.microsoft.com/office/mac/drawingml/2011/main" val="1"/>
+            </a:ext>
+          </a:extLst>
+        </p:spPr>
+        <p:txBody>
+          <a:bodyPr lIns="0" tIns="0" rIns="0" bIns="0" anchor="ctr"/>
+          <a:lstStyle>
+            <a:lvl1pPr>
+              <a:defRPr sz="1600" b="1">
+                <a:solidFill>
+                  <a:srgbClr val="FF2600"/>
+                </a:solidFill>
+                <a:uFill>
+                  <a:solidFill/>
+                </a:uFill>
+                <a:latin typeface="Times New Roman"/>
+                <a:ea typeface="Times New Roman"/>
+                <a:cs typeface="Times New Roman"/>
+                <a:sym typeface="Times New Roman"/>
+              </a:defRPr>
+            </a:lvl1pPr>
+          </a:lstStyle>
+          <a:p>
+            <a:pPr lvl="0">
+              <a:defRPr sz="1800" b="0">
+                <a:solidFill>
+                  <a:srgbClr val="000000"/>
+                </a:solidFill>
+                <a:uFillTx/>
+              </a:defRPr>
+            </a:pPr>
+            <a:r>
+              <a:rPr lang="en-US" sz="1800" b="0" dirty="0" smtClean="0"/>
+              <a:t/>
+            </a:r>
+            <a:r>
+              <a:rPr lang="en-US" sz="1800" b="0" dirty="0" smtClean="0">
+                <a:solidFill>
+                  <a:srgbClr val="FF2600"/>
+                </a:solidFill>
+                <a:uFill>
+                  <a:solidFill/>
+                </a:uFill>
+              </a:rPr>
+              <a:t>Paper: Spa</a:t>
+            </a:r>
+            <a:r>
+              <a:rPr sz="1800" b="0" dirty="0" smtClean="0">
+                <a:solidFill>
+                  <a:srgbClr val="FF2600"/>
+                </a:solidFill>
+                <a:uFill>
+                  <a:solidFill/>
+                </a:uFill>
+              </a:rPr>
+              <a:t>tial </a:t>
+            </a:r>
+            <a:r>
+              <a:rPr sz="1800" b="0" dirty="0">
+                <a:solidFill>
+                  <a:srgbClr val="FF2600"/>
+                </a:solidFill>
+                <a:uFill>
+                  <a:solidFill/>
+                </a:uFill>
+              </a:rPr>
+              <a:t>distribution of H-</a:t>
+            </a:r>
+            <a:r>
+              <a:rPr sz="1800" b="0" dirty="0" smtClean="0">
+                <a:solidFill>
+                  <a:srgbClr val="FF2600"/>
+                </a:solidFill>
+                <a:uFill>
+                  <a:solidFill/>
+                </a:uFill>
+              </a:rPr>
+              <a:t>alpha</a:t>
+            </a:r>
+            <a:r>
+              <a:rPr lang="en-US" sz="1800" b="0" dirty="0" smtClean="0">
+                <a:solidFill>
+                  <a:srgbClr val="FF2600"/>
+                </a:solidFill>
+                <a:uFill>
+                  <a:solidFill/>
+                </a:uFill>
+              </a:rPr>
+              <a:t>/</a:t>
+            </a:r>
+            <a:r>
+              <a:rPr sz="1800" b="0" dirty="0" smtClean="0">
+                <a:solidFill>
+                  <a:srgbClr val="FF2600"/>
+                </a:solidFill>
+                <a:uFill>
+                  <a:solidFill/>
+                </a:uFill>
+              </a:rPr>
+              <a:t>dust</a:t>
+            </a:r>
+            <a:r>
+              <a:rPr lang="en-US" sz="1800" b="0" dirty="0" smtClean="0">
+                <a:solidFill>
+                  <a:srgbClr val="FF2600"/>
+                </a:solidFill>
+                <a:uFill>
+                  <a:solidFill/>
+                </a:uFill>
+              </a:rPr>
+              <a:t> in Leo filaments </a:t>
+            </a:r>
+            <a:br>
+              <a:rPr lang="en-US" sz="1800" b="0" dirty="0" smtClean="0">
+                <a:solidFill>
+                  <a:srgbClr val="FF2600"/>
+                </a:solidFill>
+                <a:uFill>
+                  <a:solidFill/>
+                </a:uFill>
+              </a:rPr>
+            </a:br>
+            <a:r>
+              <a:rPr lang="en-US" sz="1800" b="0" dirty="0" smtClean="0">
+                <a:solidFill>
+                  <a:srgbClr val="FF2600"/>
+                </a:solidFill>
+                <a:uFill>
+                  <a:solidFill/>
+                </a:uFill>
+              </a:rPr>
+              <a:t>(data release)</a:t>
+            </a:r>
+            <a:endParaRPr sz="1800" b="0" dirty="0">
+              <a:solidFill>
+                <a:srgbClr val="FF2600"/>
+              </a:solidFill>
+              <a:uFill>
+                <a:solidFill/>
+              </a:uFill>
+            </a:endParaRPr>
+          </a:p>
+        </p:txBody>
+      </p:sp>
+      <p:sp>
+        <p:nvSpPr>
+          <p:cNvPr id="41" name="Shape 70"/>
+          <p:cNvSpPr/>
+          <p:nvPr/>
+        </p:nvSpPr>
+        <p:spPr>
+          <a:xfrm>
+            <a:off x="6098687" y="6410819"/>
+            <a:ext cx="2720503" cy="1157882"/>
+          </a:xfrm>
+          <a:prstGeom prst="rect">
+            <a:avLst/>
+          </a:prstGeom>
+          <a:gradFill>
+            <a:gsLst>
+              <a:gs pos="0">
+                <a:srgbClr val="FFFFFF"/>
+              </a:gs>
+              <a:gs pos="100000">
+                <a:srgbClr val="CBCBCB"/>
+              </a:gs>
+            </a:gsLst>
+          </a:gradFill>
+          <a:ln w="12700">
+            <a:solidFill/>
+            <a:miter lim="400000"/>
+          </a:ln>
+          <a:extLst>
+            <a:ext uri="{C572A759-6A51-4108-AA02-DFA0A04FC94B}">
+              <ma14:wrappingTextBoxFlag xmlns:ma14="http://schemas.microsoft.com/office/mac/drawingml/2011/main" val="1"/>
+            </a:ext>
+          </a:extLst>
+        </p:spPr>
+        <p:txBody>
+          <a:bodyPr lIns="0" tIns="0" rIns="0" bIns="0" anchor="ctr"/>
+          <a:lstStyle>
+            <a:lvl1pPr>
+              <a:defRPr sz="1600" b="1">
+                <a:solidFill>
+                  <a:srgbClr val="FF2600"/>
+                </a:solidFill>
+                <a:uFill>
+                  <a:solidFill/>
+                </a:uFill>
+                <a:latin typeface="Times New Roman"/>
+                <a:ea typeface="Times New Roman"/>
+                <a:cs typeface="Times New Roman"/>
+                <a:sym typeface="Times New Roman"/>
+              </a:defRPr>
+            </a:lvl1pPr>
+          </a:lstStyle>
+          <a:p>
+            <a:pPr lvl="0">
+              <a:defRPr sz="1800" b="0">
+                <a:solidFill>
+                  <a:srgbClr val="000000"/>
+                </a:solidFill>
+                <a:uFillTx/>
+              </a:defRPr>
+            </a:pPr>
+            <a:r>
+              <a:rPr lang="en-US" sz="1800" b="0" dirty="0" smtClean="0">
+                <a:solidFill>
+                  <a:srgbClr val="FF2600"/>
+                </a:solidFill>
+                <a:uFill>
+                  <a:solidFill/>
+                </a:uFill>
+              </a:rPr>
+              <a:t>Paper: Co</a:t>
+            </a:r>
+            <a:r>
+              <a:rPr sz="1800" b="0" dirty="0" smtClean="0">
+                <a:solidFill>
+                  <a:srgbClr val="FF2600"/>
+                </a:solidFill>
+                <a:uFill>
+                  <a:solidFill/>
+                </a:uFill>
+              </a:rPr>
+              <a:t>nstrain </a:t>
+            </a:r>
+            <a:r>
+              <a:rPr sz="1800" b="0" dirty="0">
+                <a:solidFill>
+                  <a:srgbClr val="FF2600"/>
+                </a:solidFill>
+                <a:uFill>
+                  <a:solidFill/>
+                </a:uFill>
+              </a:rPr>
+              <a:t>stripping and starvation in </a:t>
+            </a:r>
+            <a:r>
+              <a:rPr sz="1800" b="0" dirty="0" smtClean="0">
+                <a:solidFill>
+                  <a:srgbClr val="FF2600"/>
+                </a:solidFill>
+                <a:uFill>
+                  <a:solidFill/>
+                </a:uFill>
+              </a:rPr>
+              <a:t>models</a:t>
+            </a:r>
+            <a:r>
+              <a:rPr lang="en-US" sz="1800" b="0" dirty="0" smtClean="0">
+                <a:solidFill>
+                  <a:srgbClr val="FF2600"/>
+                </a:solidFill>
+                <a:uFill>
+                  <a:solidFill/>
+                </a:uFill>
+              </a:rPr>
+              <a:t> with total gas</a:t>
+            </a:r>
+            <a:endParaRPr sz="1800" b="0" dirty="0">
+              <a:solidFill>
+                <a:srgbClr val="FF2600"/>
+              </a:solidFill>
+              <a:uFill>
+                <a:solidFill/>
+              </a:uFill>
+            </a:endParaRPr>
+          </a:p>
+        </p:txBody>
+      </p:sp>
+      <p:cxnSp>
+        <p:nvCxnSpPr>
+          <p:cNvPr id="4" name="Straight Connector 3"/>
+          <p:cNvCxnSpPr/>
+          <p:nvPr/>
+        </p:nvCxnSpPr>
+        <p:spPr>
+          <a:xfrm>
+            <a:off x="967019" y="4217335"/>
+            <a:ext cx="11619833" cy="0"/>
+          </a:xfrm>
+          <a:prstGeom prst="line">
+            <a:avLst/>
+          </a:prstGeom>
+          <a:noFill/>
+          <a:ln w="25400" cap="flat">
+            <a:solidFill>
+              <a:srgbClr val="000000"/>
+            </a:solidFill>
+            <a:prstDash val="dash"/>
+            <a:miter lim="400000"/>
+          </a:ln>
+          <a:effectLst/>
+        </p:spPr>
+        <p:style>
+          <a:lnRef idx="0">
+            <a:scrgbClr r="0" g="0" b="0"/>
+          </a:lnRef>
+          <a:fillRef idx="0">
+            <a:scrgbClr r="0" g="0" b="0"/>
+          </a:fillRef>
+          <a:effectRef idx="0">
+            <a:scrgbClr r="0" g="0" b="0"/>
+          </a:effectRef>
+          <a:fontRef idx="none"/>
+        </p:style>
+      </p:cxnSp>
+      <p:cxnSp>
+        <p:nvCxnSpPr>
+          <p:cNvPr id="79" name="Straight Connector 78"/>
+          <p:cNvCxnSpPr/>
+          <p:nvPr/>
+        </p:nvCxnSpPr>
+        <p:spPr>
+          <a:xfrm>
+            <a:off x="1016195" y="6112029"/>
+            <a:ext cx="11619833" cy="0"/>
+          </a:xfrm>
+          <a:prstGeom prst="line">
+            <a:avLst/>
+          </a:prstGeom>
+          <a:noFill/>
+          <a:ln w="25400" cap="flat">
+            <a:solidFill>
+              <a:srgbClr val="000000"/>
+            </a:solidFill>
+            <a:prstDash val="dash"/>
+            <a:miter lim="400000"/>
+          </a:ln>
+          <a:effectLst/>
+        </p:spPr>
+        <p:style>
+          <a:lnRef idx="0">
+            <a:scrgbClr r="0" g="0" b="0"/>
+          </a:lnRef>
+          <a:fillRef idx="0">
+            <a:scrgbClr r="0" g="0" b="0"/>
+          </a:fillRef>
+          <a:effectRef idx="0">
+            <a:scrgbClr r="0" g="0" b="0"/>
+          </a:effectRef>
+          <a:fontRef idx="none"/>
+        </p:style>
+      </p:cxnSp>
+      <p:cxnSp>
+        <p:nvCxnSpPr>
+          <p:cNvPr id="80" name="Straight Connector 79"/>
+          <p:cNvCxnSpPr/>
+          <p:nvPr/>
+        </p:nvCxnSpPr>
+        <p:spPr>
+          <a:xfrm>
+            <a:off x="1016195" y="7892743"/>
+            <a:ext cx="11619833" cy="0"/>
+          </a:xfrm>
+          <a:prstGeom prst="line">
+            <a:avLst/>
+          </a:prstGeom>
+          <a:noFill/>
+          <a:ln w="25400" cap="flat">
+            <a:solidFill>
+              <a:srgbClr val="000000"/>
+            </a:solidFill>
+            <a:prstDash val="dash"/>
+            <a:miter lim="400000"/>
+          </a:ln>
+          <a:effectLst/>
+        </p:spPr>
+        <p:style>
+          <a:lnRef idx="0">
+            <a:scrgbClr r="0" g="0" b="0"/>
+          </a:lnRef>
+          <a:fillRef idx="0">
+            <a:scrgbClr r="0" g="0" b="0"/>
+          </a:fillRef>
+          <a:effectRef idx="0">
+            <a:scrgbClr r="0" g="0" b="0"/>
+          </a:effectRef>
+          <a:fontRef idx="none"/>
+        </p:style>
+      </p:cxnSp>
+      <p:sp>
+        <p:nvSpPr>
+          <p:cNvPr id="5" name="TextBox 4"/>
+          <p:cNvSpPr txBox="1"/>
+          <p:nvPr/>
+        </p:nvSpPr>
+        <p:spPr>
+          <a:xfrm rot="16200000">
+            <a:off x="-502349" y="2543399"/>
+            <a:ext cx="2141211" cy="595035"/>
+          </a:xfrm>
+          <a:prstGeom prst="rect">
+            <a:avLst/>
+          </a:prstGeom>
+          <a:noFill/>
           <a:ln w="12700" cap="flat">
-            <a:solidFill>
-              <a:schemeClr val="bg1"/>
-            </a:solidFill>
+            <a:noFill/>
             <a:miter lim="400000"/>
           </a:ln>
           <a:effectLst/>
@@ -4593,7 +4691,7 @@
           <a:fontRef idx="none"/>
         </p:style>
         <p:txBody>
-          <a:bodyPr rot="0" spcFirstLastPara="1" vertOverflow="overflow" horzOverflow="overflow" vert="horz" wrap="square" lIns="50800" tIns="50800" rIns="50800" bIns="50800" numCol="1" spcCol="38100" rtlCol="0" anchor="ctr">
+          <a:bodyPr rot="0" spcFirstLastPara="1" vertOverflow="overflow" horzOverflow="overflow" vert="horz" wrap="none" lIns="50800" tIns="50800" rIns="50800" bIns="50800" numCol="1" spcCol="38100" rtlCol="0" anchor="ctr">
             <a:spAutoFit/>
           </a:bodyPr>
           <a:lstStyle/>
@@ -4614,29 +4712,331 @@
               <a:buNone/>
               <a:tabLst/>
             </a:pPr>
-            <a:endParaRPr kumimoji="0" lang="en-US" sz="4000" b="0" i="0" u="none" strike="noStrike" cap="none" spc="0" normalizeH="0" baseline="0">
+            <a:r>
+              <a:rPr kumimoji="0" lang="en-US" sz="3200" b="0" i="0" u="none" strike="noStrike" cap="none" spc="0" normalizeH="0" baseline="0" dirty="0" smtClean="0">
+                <a:ln>
+                  <a:noFill/>
+                </a:ln>
+                <a:solidFill>
+                  <a:srgbClr val="000000"/>
+                </a:solidFill>
+                <a:effectLst/>
+                <a:uFillTx/>
+                <a:latin typeface="Times New Roman"/>
+                <a:ea typeface="+mn-ea"/>
+                <a:cs typeface="Times New Roman"/>
+                <a:sym typeface="Gill Sans"/>
+              </a:rPr>
+              <a:t>Hα &amp; WISE</a:t>
+            </a:r>
+            <a:endParaRPr kumimoji="0" lang="en-US" sz="3200" b="0" i="0" u="none" strike="noStrike" cap="none" spc="0" normalizeH="0" baseline="0" dirty="0">
               <a:ln>
                 <a:noFill/>
               </a:ln>
               <a:solidFill>
-                <a:srgbClr val="FFFFFF"/>
+                <a:srgbClr val="000000"/>
               </a:solidFill>
-              <a:effectLst>
-                <a:outerShdw blurRad="38100" dist="12700" dir="5400000" rotWithShape="0">
-                  <a:srgbClr val="000000">
-                    <a:alpha val="50000"/>
-                  </a:srgbClr>
-                </a:outerShdw>
-              </a:effectLst>
+              <a:effectLst/>
               <a:uFillTx/>
-              <a:latin typeface="+mn-lt"/>
+              <a:latin typeface="Times New Roman"/>
               <a:ea typeface="+mn-ea"/>
-              <a:cs typeface="+mn-cs"/>
+              <a:cs typeface="Times New Roman"/>
               <a:sym typeface="Gill Sans"/>
             </a:endParaRPr>
           </a:p>
         </p:txBody>
       </p:sp>
+      <p:sp>
+        <p:nvSpPr>
+          <p:cNvPr id="81" name="TextBox 80"/>
+          <p:cNvSpPr txBox="1"/>
+          <p:nvPr/>
+        </p:nvSpPr>
+        <p:spPr>
+          <a:xfrm rot="16200000">
+            <a:off x="-41585" y="4811066"/>
+            <a:ext cx="1219685" cy="595035"/>
+          </a:xfrm>
+          <a:prstGeom prst="rect">
+            <a:avLst/>
+          </a:prstGeom>
+          <a:noFill/>
+          <a:ln w="12700" cap="flat">
+            <a:noFill/>
+            <a:miter lim="400000"/>
+          </a:ln>
+          <a:effectLst/>
+        </p:spPr>
+        <p:style>
+          <a:lnRef idx="0">
+            <a:scrgbClr r="0" g="0" b="0"/>
+          </a:lnRef>
+          <a:fillRef idx="0">
+            <a:scrgbClr r="0" g="0" b="0"/>
+          </a:fillRef>
+          <a:effectRef idx="0">
+            <a:scrgbClr r="0" g="0" b="0"/>
+          </a:effectRef>
+          <a:fontRef idx="none"/>
+        </p:style>
+        <p:txBody>
+          <a:bodyPr rot="0" spcFirstLastPara="1" vertOverflow="overflow" horzOverflow="overflow" vert="horz" wrap="none" lIns="50800" tIns="50800" rIns="50800" bIns="50800" numCol="1" spcCol="38100" rtlCol="0" anchor="ctr">
+            <a:spAutoFit/>
+          </a:bodyPr>
+          <a:lstStyle/>
+          <a:p>
+            <a:pPr marL="0" marR="0" indent="0" algn="ctr" defTabSz="584200" rtl="0" fontAlgn="auto" latinLnBrk="1" hangingPunct="0">
+              <a:lnSpc>
+                <a:spcPct val="100000"/>
+              </a:lnSpc>
+              <a:spcBef>
+                <a:spcPts val="0"/>
+              </a:spcBef>
+              <a:spcAft>
+                <a:spcPts val="0"/>
+              </a:spcAft>
+              <a:buClrTx/>
+              <a:buSzTx/>
+              <a:buFontTx/>
+              <a:buNone/>
+              <a:tabLst/>
+            </a:pPr>
+            <a:r>
+              <a:rPr kumimoji="0" lang="en-US" sz="3200" b="0" i="0" u="none" strike="noStrike" cap="none" spc="0" normalizeH="0" baseline="0" dirty="0" smtClean="0">
+                <a:ln>
+                  <a:noFill/>
+                </a:ln>
+                <a:solidFill>
+                  <a:srgbClr val="000000"/>
+                </a:solidFill>
+                <a:effectLst/>
+                <a:uFillTx/>
+                <a:latin typeface="Times New Roman"/>
+                <a:ea typeface="+mn-ea"/>
+                <a:cs typeface="Times New Roman"/>
+                <a:sym typeface="Gill Sans"/>
+              </a:rPr>
+              <a:t>CO/HI</a:t>
+            </a:r>
+            <a:endParaRPr kumimoji="0" lang="en-US" sz="3200" b="0" i="0" u="none" strike="noStrike" cap="none" spc="0" normalizeH="0" baseline="0" dirty="0">
+              <a:ln>
+                <a:noFill/>
+              </a:ln>
+              <a:solidFill>
+                <a:srgbClr val="000000"/>
+              </a:solidFill>
+              <a:effectLst/>
+              <a:uFillTx/>
+              <a:latin typeface="Times New Roman"/>
+              <a:ea typeface="+mn-ea"/>
+              <a:cs typeface="Times New Roman"/>
+              <a:sym typeface="Gill Sans"/>
+            </a:endParaRPr>
+          </a:p>
+        </p:txBody>
+      </p:sp>
+      <p:sp>
+        <p:nvSpPr>
+          <p:cNvPr id="82" name="TextBox 81"/>
+          <p:cNvSpPr txBox="1"/>
+          <p:nvPr/>
+        </p:nvSpPr>
+        <p:spPr>
+          <a:xfrm rot="16200000">
+            <a:off x="-75548" y="6723144"/>
+            <a:ext cx="1287612" cy="595035"/>
+          </a:xfrm>
+          <a:prstGeom prst="rect">
+            <a:avLst/>
+          </a:prstGeom>
+          <a:noFill/>
+          <a:ln w="12700" cap="flat">
+            <a:noFill/>
+            <a:miter lim="400000"/>
+          </a:ln>
+          <a:effectLst/>
+        </p:spPr>
+        <p:style>
+          <a:lnRef idx="0">
+            <a:scrgbClr r="0" g="0" b="0"/>
+          </a:lnRef>
+          <a:fillRef idx="0">
+            <a:scrgbClr r="0" g="0" b="0"/>
+          </a:fillRef>
+          <a:effectRef idx="0">
+            <a:scrgbClr r="0" g="0" b="0"/>
+          </a:effectRef>
+          <a:fontRef idx="none"/>
+        </p:style>
+        <p:txBody>
+          <a:bodyPr rot="0" spcFirstLastPara="1" vertOverflow="overflow" horzOverflow="overflow" vert="horz" wrap="none" lIns="50800" tIns="50800" rIns="50800" bIns="50800" numCol="1" spcCol="38100" rtlCol="0" anchor="ctr">
+            <a:spAutoFit/>
+          </a:bodyPr>
+          <a:lstStyle/>
+          <a:p>
+            <a:pPr marL="0" marR="0" indent="0" algn="ctr" defTabSz="584200" rtl="0" fontAlgn="auto" latinLnBrk="1" hangingPunct="0">
+              <a:lnSpc>
+                <a:spcPct val="100000"/>
+              </a:lnSpc>
+              <a:spcBef>
+                <a:spcPts val="0"/>
+              </a:spcBef>
+              <a:spcAft>
+                <a:spcPts val="0"/>
+              </a:spcAft>
+              <a:buClrTx/>
+              <a:buSzTx/>
+              <a:buFontTx/>
+              <a:buNone/>
+              <a:tabLst/>
+            </a:pPr>
+            <a:r>
+              <a:rPr lang="en-US" sz="3200" dirty="0" smtClean="0">
+                <a:solidFill>
+                  <a:srgbClr val="000000"/>
+                </a:solidFill>
+                <a:latin typeface="Times New Roman"/>
+                <a:cs typeface="Times New Roman"/>
+              </a:rPr>
+              <a:t>Theory</a:t>
+            </a:r>
+            <a:endParaRPr kumimoji="0" lang="en-US" sz="3200" b="0" i="0" u="none" strike="noStrike" cap="none" spc="0" normalizeH="0" baseline="0" dirty="0">
+              <a:ln>
+                <a:noFill/>
+              </a:ln>
+              <a:solidFill>
+                <a:srgbClr val="000000"/>
+              </a:solidFill>
+              <a:effectLst/>
+              <a:uFillTx/>
+              <a:latin typeface="Times New Roman"/>
+              <a:ea typeface="+mn-ea"/>
+              <a:cs typeface="Times New Roman"/>
+              <a:sym typeface="Gill Sans"/>
+            </a:endParaRPr>
+          </a:p>
+        </p:txBody>
+      </p:sp>
+      <p:sp>
+        <p:nvSpPr>
+          <p:cNvPr id="83" name="TextBox 82"/>
+          <p:cNvSpPr txBox="1"/>
+          <p:nvPr/>
+        </p:nvSpPr>
+        <p:spPr>
+          <a:xfrm rot="16200000">
+            <a:off x="-246670" y="8481887"/>
+            <a:ext cx="1629853" cy="595035"/>
+          </a:xfrm>
+          <a:prstGeom prst="rect">
+            <a:avLst/>
+          </a:prstGeom>
+          <a:noFill/>
+          <a:ln w="12700" cap="flat">
+            <a:noFill/>
+            <a:miter lim="400000"/>
+          </a:ln>
+          <a:effectLst/>
+        </p:spPr>
+        <p:style>
+          <a:lnRef idx="0">
+            <a:scrgbClr r="0" g="0" b="0"/>
+          </a:lnRef>
+          <a:fillRef idx="0">
+            <a:scrgbClr r="0" g="0" b="0"/>
+          </a:fillRef>
+          <a:effectRef idx="0">
+            <a:scrgbClr r="0" g="0" b="0"/>
+          </a:effectRef>
+          <a:fontRef idx="none"/>
+        </p:style>
+        <p:txBody>
+          <a:bodyPr rot="0" spcFirstLastPara="1" vertOverflow="overflow" horzOverflow="overflow" vert="horz" wrap="none" lIns="50800" tIns="50800" rIns="50800" bIns="50800" numCol="1" spcCol="38100" rtlCol="0" anchor="ctr">
+            <a:spAutoFit/>
+          </a:bodyPr>
+          <a:lstStyle/>
+          <a:p>
+            <a:pPr marL="0" marR="0" indent="0" algn="ctr" defTabSz="584200" rtl="0" fontAlgn="auto" latinLnBrk="1" hangingPunct="0">
+              <a:lnSpc>
+                <a:spcPct val="100000"/>
+              </a:lnSpc>
+              <a:spcBef>
+                <a:spcPts val="0"/>
+              </a:spcBef>
+              <a:spcAft>
+                <a:spcPts val="0"/>
+              </a:spcAft>
+              <a:buClrTx/>
+              <a:buSzTx/>
+              <a:buFontTx/>
+              <a:buNone/>
+              <a:tabLst/>
+            </a:pPr>
+            <a:r>
+              <a:rPr lang="en-US" sz="3200" dirty="0" smtClean="0">
+                <a:solidFill>
+                  <a:srgbClr val="000000"/>
+                </a:solidFill>
+                <a:latin typeface="Times New Roman"/>
+                <a:cs typeface="Times New Roman"/>
+              </a:rPr>
+              <a:t>Meetings</a:t>
+            </a:r>
+            <a:endParaRPr kumimoji="0" lang="en-US" sz="3200" b="0" i="0" u="none" strike="noStrike" cap="none" spc="0" normalizeH="0" baseline="0" dirty="0">
+              <a:ln>
+                <a:noFill/>
+              </a:ln>
+              <a:solidFill>
+                <a:srgbClr val="000000"/>
+              </a:solidFill>
+              <a:effectLst/>
+              <a:uFillTx/>
+              <a:latin typeface="Times New Roman"/>
+              <a:ea typeface="+mn-ea"/>
+              <a:cs typeface="Times New Roman"/>
+              <a:sym typeface="Gill Sans"/>
+            </a:endParaRPr>
+          </a:p>
+        </p:txBody>
+      </p:sp>
+      <p:cxnSp>
+        <p:nvCxnSpPr>
+          <p:cNvPr id="11" name="Straight Arrow Connector 10"/>
+          <p:cNvCxnSpPr/>
+          <p:nvPr/>
+        </p:nvCxnSpPr>
+        <p:spPr>
+          <a:xfrm flipH="1">
+            <a:off x="1016195" y="606940"/>
+            <a:ext cx="502540" cy="467747"/>
+          </a:xfrm>
+          <a:prstGeom prst="straightConnector1">
+            <a:avLst/>
+          </a:prstGeom>
+          <a:noFill/>
+          <a:ln w="25400" cap="flat">
+            <a:solidFill>
+              <a:srgbClr val="000000"/>
+            </a:solidFill>
+            <a:prstDash val="solid"/>
+            <a:miter lim="400000"/>
+            <a:tailEnd type="arrow"/>
+          </a:ln>
+          <a:effectLst/>
+        </p:spPr>
+        <p:style>
+          <a:lnRef idx="0">
+            <a:scrgbClr r="0" g="0" b="0"/>
+          </a:lnRef>
+          <a:fillRef idx="0">
+            <a:scrgbClr r="0" g="0" b="0"/>
+          </a:fillRef>
+          <a:effectRef idx="0">
+            <a:scrgbClr r="0" g="0" b="0"/>
+          </a:effectRef>
+          <a:fontRef idx="none"/>
+        </p:style>
+      </p:cxnSp>
     </p:spTree>
   </p:cSld>
   <p:clrMapOvr>

--- a/work-plan_v1.pptx
+++ b/work-plan_v1.pptx
@@ -2415,7 +2415,7 @@
         </p:nvSpPr>
         <p:spPr>
           <a:xfrm>
-            <a:off x="6281516" y="953250"/>
+            <a:off x="6622856" y="962078"/>
             <a:ext cx="685735" cy="379591"/>
           </a:xfrm>
           <a:prstGeom prst="rect">
@@ -2708,8 +2708,8 @@
         </p:nvSpPr>
         <p:spPr>
           <a:xfrm>
-            <a:off x="4428552" y="2400428"/>
-            <a:ext cx="4530826" cy="668450"/>
+            <a:off x="4314582" y="2400428"/>
+            <a:ext cx="2328247" cy="668450"/>
           </a:xfrm>
           <a:prstGeom prst="rect">
             <a:avLst/>
@@ -2763,34 +2763,44 @@
                 <a:cs typeface="Times New Roman"/>
                 <a:sym typeface="Times New Roman"/>
               </a:rPr>
-              <a:t>and analysis</a:t>
-            </a:r>
-            <a:r>
-              <a:rPr sz="1800" dirty="0" smtClean="0">
-                <a:solidFill>
-                  <a:srgbClr val="0433FF"/>
+              <a:t>of NGC </a:t>
+            </a:r>
+            <a:r>
+              <a:rPr lang="en-US" sz="1800" dirty="0" smtClean="0">
+                <a:solidFill>
+                  <a:srgbClr val="0000FF"/>
                 </a:solidFill>
                 <a:latin typeface="Times New Roman"/>
                 <a:ea typeface="Times New Roman"/>
                 <a:cs typeface="Times New Roman"/>
                 <a:sym typeface="Times New Roman"/>
               </a:rPr>
-              <a:t> </a:t>
-            </a:r>
-            <a:r>
-              <a:rPr sz="1800" dirty="0">
-                <a:solidFill>
-                  <a:srgbClr val="0433FF"/>
+              <a:t>filament </a:t>
+            </a:r>
+            <a:r>
+              <a:rPr lang="en-US" sz="1800" dirty="0" smtClean="0">
+                <a:solidFill>
+                  <a:srgbClr val="0000FF"/>
+                </a:solidFill>
+                <a:latin typeface="Times New Roman"/>
+                <a:cs typeface="Times New Roman"/>
+              </a:rPr>
+              <a:t>Hα</a:t>
+            </a:r>
+            <a:r>
+              <a:rPr lang="en-US" sz="1800" dirty="0">
+                <a:solidFill>
+                  <a:srgbClr val="0000FF"/>
                 </a:solidFill>
                 <a:latin typeface="Times New Roman"/>
                 <a:ea typeface="Times New Roman"/>
                 <a:cs typeface="Times New Roman"/>
                 <a:sym typeface="Times New Roman"/>
               </a:rPr>
-              <a:t>Halpha data </a:t>
-            </a:r>
-            <a:br>
-              <a:rPr sz="1800" dirty="0">
+              <a:t> </a:t>
+            </a:r>
+            <a:r>
+              <a:rPr sz="1800" dirty="0" smtClean="0">
                 <a:solidFill>
                   <a:srgbClr val="0433FF"/>
                 </a:solidFill>
@@ -2799,9 +2809,10 @@
                 <a:cs typeface="Times New Roman"/>
                 <a:sym typeface="Times New Roman"/>
               </a:rPr>
-            </a:br>
-            <a:r>
-              <a:rPr sz="1800" dirty="0">
+              <a:t>(</a:t>
+            </a:r>
+            <a:r>
+              <a:rPr sz="1800" dirty="0" smtClean="0">
                 <a:solidFill>
                   <a:srgbClr val="0433FF"/>
                 </a:solidFill>
@@ -2810,7 +2821,19 @@
                 <a:cs typeface="Times New Roman"/>
                 <a:sym typeface="Times New Roman"/>
               </a:rPr>
-              <a:t>(KU/Siena)</a:t>
+              <a:t>Siena</a:t>
+            </a:r>
+            <a:r>
+              <a:rPr sz="1800" dirty="0">
+                <a:solidFill>
+                  <a:srgbClr val="0433FF"/>
+                </a:solidFill>
+                <a:latin typeface="Times New Roman"/>
+                <a:ea typeface="Times New Roman"/>
+                <a:cs typeface="Times New Roman"/>
+                <a:sym typeface="Times New Roman"/>
+              </a:rPr>
+              <a:t>)</a:t>
             </a:r>
           </a:p>
         </p:txBody>
@@ -2823,7 +2846,7 @@
         </p:nvSpPr>
         <p:spPr>
           <a:xfrm>
-            <a:off x="7685226" y="8029610"/>
+            <a:off x="6708692" y="8029610"/>
             <a:ext cx="1274151" cy="1127471"/>
           </a:xfrm>
           <a:prstGeom prst="rect">
@@ -2977,7 +3000,7 @@
         </p:nvSpPr>
         <p:spPr>
           <a:xfrm>
-            <a:off x="9840261" y="8029610"/>
+            <a:off x="9775463" y="8029610"/>
             <a:ext cx="1286234" cy="1127471"/>
           </a:xfrm>
           <a:prstGeom prst="rect">
@@ -3068,7 +3091,7 @@
         </p:nvSpPr>
         <p:spPr>
           <a:xfrm>
-            <a:off x="3773875" y="8029610"/>
+            <a:off x="3643953" y="8029610"/>
             <a:ext cx="1178988" cy="1127133"/>
           </a:xfrm>
           <a:prstGeom prst="rect">
@@ -3167,7 +3190,7 @@
         </p:nvSpPr>
         <p:spPr>
           <a:xfrm>
-            <a:off x="967019" y="2396269"/>
+            <a:off x="954060" y="2396269"/>
             <a:ext cx="3278390" cy="669205"/>
           </a:xfrm>
           <a:prstGeom prst="rect">
@@ -3370,7 +3393,7 @@
         </p:nvSpPr>
         <p:spPr>
           <a:xfrm>
-            <a:off x="5881274" y="8029610"/>
+            <a:off x="4904740" y="8029610"/>
             <a:ext cx="1714501" cy="1127133"/>
           </a:xfrm>
           <a:prstGeom prst="rect">
@@ -3439,7 +3462,7 @@
         </p:nvSpPr>
         <p:spPr>
           <a:xfrm>
-            <a:off x="11330601" y="8029610"/>
+            <a:off x="11233241" y="8029610"/>
             <a:ext cx="1402787" cy="1127471"/>
           </a:xfrm>
           <a:prstGeom prst="rect">
@@ -3508,7 +3531,7 @@
         </p:nvSpPr>
         <p:spPr>
           <a:xfrm>
-            <a:off x="7962900" y="3158608"/>
+            <a:off x="8125710" y="3158608"/>
             <a:ext cx="2139951" cy="803554"/>
           </a:xfrm>
           <a:prstGeom prst="rect">
@@ -3592,18 +3615,15 @@
                   <a:solidFill/>
                 </a:uFill>
               </a:rPr>
-              <a:t>of H-</a:t>
-            </a:r>
-            <a:r>
-              <a:rPr sz="1800" b="0" dirty="0" smtClean="0">
-                <a:solidFill>
-                  <a:srgbClr val="FF2600"/>
-                </a:solidFill>
-                <a:uFill>
-                  <a:solidFill/>
-                </a:uFill>
-              </a:rPr>
-              <a:t>alpha</a:t>
+              <a:t>of </a:t>
+            </a:r>
+            <a:r>
+              <a:rPr lang="en-US" sz="1800" dirty="0">
+                <a:solidFill>
+                  <a:srgbClr val="FF0000"/>
+                </a:solidFill>
+              </a:rPr>
+              <a:t>Hα</a:t>
             </a:r>
             <a:r>
               <a:rPr lang="en-US" sz="1800" b="0" dirty="0" smtClean="0">
@@ -3657,8 +3677,8 @@
         </p:nvSpPr>
         <p:spPr>
           <a:xfrm>
-            <a:off x="2879791" y="6425704"/>
-            <a:ext cx="3151236" cy="1125347"/>
+            <a:off x="954060" y="6455312"/>
+            <a:ext cx="3151236" cy="1157882"/>
           </a:xfrm>
           <a:prstGeom prst="rect">
             <a:avLst/>
@@ -3701,8 +3721,29 @@
             </a:pPr>
             <a:r>
               <a:rPr sz="1800" b="0" dirty="0"/>
-              <a:t>Implementation of SAMs in constrained local simulation (Trieste)</a:t>
-            </a:r>
+              <a:t>Implementation of </a:t>
+            </a:r>
+            <a:r>
+              <a:rPr sz="1800" b="0" dirty="0" smtClean="0"/>
+              <a:t>SAMs</a:t>
+            </a:r>
+            <a:r>
+              <a:rPr lang="en-US" sz="1800" b="0" dirty="0" smtClean="0"/>
+              <a:t> Millenium, cluster zoom, and</a:t>
+            </a:r>
+            <a:r>
+              <a:rPr sz="1800" b="0" dirty="0" smtClean="0"/>
+              <a:t> constrained </a:t>
+            </a:r>
+            <a:r>
+              <a:rPr sz="1800" b="0" dirty="0"/>
+              <a:t>local simulation (</a:t>
+            </a:r>
+            <a:r>
+              <a:rPr sz="1800" b="0" dirty="0" smtClean="0"/>
+              <a:t>Trieste)</a:t>
+            </a:r>
+            <a:endParaRPr sz="1800" b="0" dirty="0"/>
           </a:p>
         </p:txBody>
       </p:sp>
@@ -3714,8 +3755,8 @@
         </p:nvSpPr>
         <p:spPr>
           <a:xfrm>
-            <a:off x="10167642" y="6422777"/>
-            <a:ext cx="2419210" cy="1157882"/>
+            <a:off x="10462995" y="6455312"/>
+            <a:ext cx="2058732" cy="1157882"/>
           </a:xfrm>
           <a:prstGeom prst="rect">
             <a:avLst/>
@@ -4000,7 +4041,7 @@
         </p:nvSpPr>
         <p:spPr>
           <a:xfrm>
-            <a:off x="5893293" y="4585039"/>
+            <a:off x="5970550" y="4559552"/>
             <a:ext cx="2573056" cy="1158874"/>
           </a:xfrm>
           <a:prstGeom prst="rect">
@@ -4160,8 +4201,8 @@
         </p:nvSpPr>
         <p:spPr>
           <a:xfrm>
-            <a:off x="901895" y="4585040"/>
-            <a:ext cx="4872618" cy="1158874"/>
+            <a:off x="948450" y="4559552"/>
+            <a:ext cx="3021932" cy="1158874"/>
           </a:xfrm>
           <a:prstGeom prst="rect">
             <a:avLst/>
@@ -4211,29 +4252,20 @@
               <a:t>and HI </a:t>
             </a:r>
             <a:r>
+              <a:rPr lang="en-US" dirty="0" smtClean="0"/>
+              <a:t>observing &amp; </a:t>
+            </a:r>
+            <a:r>
               <a:rPr dirty="0" smtClean="0"/>
               <a:t>reduction</a:t>
             </a:r>
             <a:r>
               <a:rPr lang="en-US" dirty="0" smtClean="0"/>
-              <a:t>; </a:t>
-            </a:r>
-            <a:r>
-              <a:rPr dirty="0" smtClean="0"/>
-              <a:t>CO </a:t>
-            </a:r>
-            <a:r>
+              <a:t> </a:t>
+            </a:r>
+            <a:br>
               <a:rPr lang="en-US" dirty="0" smtClean="0"/>
-              <a:t>and HI mass</a:t>
-            </a:r>
-            <a:r>
-              <a:rPr dirty="0" smtClean="0"/>
-              <a:t> derivation</a:t>
-            </a:r>
-            <a:r>
-              <a:rPr lang="en-US" dirty="0" smtClean="0"/>
-              <a:t> </a:t>
-            </a:r>
+            </a:br>
             <a:r>
               <a:rPr dirty="0" smtClean="0"/>
               <a:t>(</a:t>
@@ -4253,8 +4285,8 @@
         </p:nvSpPr>
         <p:spPr>
           <a:xfrm>
-            <a:off x="10496077" y="1738778"/>
-            <a:ext cx="2139951" cy="2190815"/>
+            <a:off x="10496077" y="1771347"/>
+            <a:ext cx="2025651" cy="2190815"/>
           </a:xfrm>
           <a:prstGeom prst="rect">
             <a:avLst/>
@@ -4307,10 +4339,6 @@
               </a:defRPr>
             </a:pPr>
             <a:r>
-              <a:rPr lang="en-US" sz="1800" b="0" dirty="0" smtClean="0"/>
-              <a:t/>
-            </a:r>
-            <a:r>
               <a:rPr lang="en-US" sz="1800" b="0" dirty="0" smtClean="0">
                 <a:solidFill>
                   <a:srgbClr val="FF2600"/>
@@ -4427,8 +4455,8 @@
         </p:nvSpPr>
         <p:spPr>
           <a:xfrm>
-            <a:off x="6098687" y="6410819"/>
-            <a:ext cx="2720503" cy="1157882"/>
+            <a:off x="6203237" y="6446249"/>
+            <a:ext cx="2302822" cy="1157882"/>
           </a:xfrm>
           <a:prstGeom prst="rect">
             <a:avLst/>
@@ -5006,9 +5034,9 @@
           <p:nvPr/>
         </p:nvCxnSpPr>
         <p:spPr>
-          <a:xfrm flipH="1">
-            <a:off x="1016195" y="606940"/>
-            <a:ext cx="502540" cy="467747"/>
+          <a:xfrm>
+            <a:off x="6203236" y="606940"/>
+            <a:ext cx="227934" cy="870871"/>
           </a:xfrm>
           <a:prstGeom prst="straightConnector1">
             <a:avLst/>
@@ -5037,6 +5065,937 @@
           <a:fontRef idx="none"/>
         </p:style>
       </p:cxnSp>
+      <p:sp>
+        <p:nvSpPr>
+          <p:cNvPr id="84" name="Shape 50"/>
+          <p:cNvSpPr/>
+          <p:nvPr/>
+        </p:nvSpPr>
+        <p:spPr>
+          <a:xfrm>
+            <a:off x="6470047" y="1768695"/>
+            <a:ext cx="3992948" cy="539460"/>
+          </a:xfrm>
+          <a:prstGeom prst="rect">
+            <a:avLst/>
+          </a:prstGeom>
+          <a:gradFill>
+            <a:gsLst>
+              <a:gs pos="0">
+                <a:srgbClr val="FFFFFF"/>
+              </a:gs>
+              <a:gs pos="100000">
+                <a:srgbClr val="CBCBCB"/>
+              </a:gs>
+            </a:gsLst>
+          </a:gradFill>
+          <a:ln w="12700">
+            <a:solidFill/>
+            <a:miter lim="400000"/>
+          </a:ln>
+          <a:extLst>
+            <a:ext uri="{C572A759-6A51-4108-AA02-DFA0A04FC94B}">
+              <ma14:wrappingTextBoxFlag xmlns:ma14="http://schemas.microsoft.com/office/mac/drawingml/2011/main" val="1"/>
+            </a:ext>
+          </a:extLst>
+        </p:spPr>
+        <p:txBody>
+          <a:bodyPr lIns="0" tIns="0" rIns="0" bIns="0" anchor="ctr"/>
+          <a:lstStyle/>
+          <a:p>
+            <a:pPr lvl="0">
+              <a:defRPr sz="1800"/>
+            </a:pPr>
+            <a:r>
+              <a:rPr sz="1800" dirty="0">
+                <a:solidFill>
+                  <a:srgbClr val="0433FF"/>
+                </a:solidFill>
+                <a:latin typeface="Times New Roman"/>
+                <a:ea typeface="Times New Roman"/>
+                <a:cs typeface="Times New Roman"/>
+                <a:sym typeface="Times New Roman"/>
+              </a:rPr>
+              <a:t>Reduction </a:t>
+            </a:r>
+            <a:r>
+              <a:rPr lang="en-US" sz="1800" dirty="0" smtClean="0">
+                <a:solidFill>
+                  <a:srgbClr val="0433FF"/>
+                </a:solidFill>
+                <a:latin typeface="Times New Roman"/>
+                <a:ea typeface="Times New Roman"/>
+                <a:cs typeface="Times New Roman"/>
+                <a:sym typeface="Times New Roman"/>
+              </a:rPr>
+              <a:t>and analysis</a:t>
+            </a:r>
+            <a:r>
+              <a:rPr sz="1800" dirty="0" smtClean="0">
+                <a:solidFill>
+                  <a:srgbClr val="0433FF"/>
+                </a:solidFill>
+                <a:latin typeface="Times New Roman"/>
+                <a:ea typeface="Times New Roman"/>
+                <a:cs typeface="Times New Roman"/>
+                <a:sym typeface="Times New Roman"/>
+              </a:rPr>
+              <a:t> </a:t>
+            </a:r>
+            <a:r>
+              <a:rPr lang="en-US" sz="1800" dirty="0" smtClean="0">
+                <a:solidFill>
+                  <a:srgbClr val="0433FF"/>
+                </a:solidFill>
+                <a:latin typeface="Times New Roman"/>
+                <a:ea typeface="Times New Roman"/>
+                <a:cs typeface="Times New Roman"/>
+                <a:sym typeface="Times New Roman"/>
+              </a:rPr>
+              <a:t>of Leo filament </a:t>
+            </a:r>
+            <a:r>
+              <a:rPr sz="1800" dirty="0" smtClean="0">
+                <a:solidFill>
+                  <a:srgbClr val="0433FF"/>
+                </a:solidFill>
+                <a:latin typeface="Times New Roman"/>
+                <a:ea typeface="Times New Roman"/>
+                <a:cs typeface="Times New Roman"/>
+                <a:sym typeface="Times New Roman"/>
+              </a:rPr>
+              <a:t>Halpha </a:t>
+            </a:r>
+            <a:r>
+              <a:rPr sz="1800" dirty="0">
+                <a:solidFill>
+                  <a:srgbClr val="0433FF"/>
+                </a:solidFill>
+                <a:latin typeface="Times New Roman"/>
+                <a:ea typeface="Times New Roman"/>
+                <a:cs typeface="Times New Roman"/>
+                <a:sym typeface="Times New Roman"/>
+              </a:rPr>
+              <a:t>data </a:t>
+            </a:r>
+            <a:r>
+              <a:rPr sz="1800" dirty="0" smtClean="0">
+                <a:solidFill>
+                  <a:srgbClr val="0433FF"/>
+                </a:solidFill>
+                <a:latin typeface="Times New Roman"/>
+                <a:ea typeface="Times New Roman"/>
+                <a:cs typeface="Times New Roman"/>
+                <a:sym typeface="Times New Roman"/>
+              </a:rPr>
+              <a:t>(</a:t>
+            </a:r>
+            <a:r>
+              <a:rPr sz="1800" dirty="0" smtClean="0">
+                <a:solidFill>
+                  <a:srgbClr val="0433FF"/>
+                </a:solidFill>
+                <a:latin typeface="Times New Roman"/>
+                <a:ea typeface="Times New Roman"/>
+                <a:cs typeface="Times New Roman"/>
+                <a:sym typeface="Times New Roman"/>
+              </a:rPr>
+              <a:t>KU)</a:t>
+            </a:r>
+            <a:endParaRPr sz="1800" dirty="0">
+              <a:solidFill>
+                <a:srgbClr val="0433FF"/>
+              </a:solidFill>
+              <a:latin typeface="Times New Roman"/>
+              <a:ea typeface="Times New Roman"/>
+              <a:cs typeface="Times New Roman"/>
+              <a:sym typeface="Times New Roman"/>
+            </a:endParaRPr>
+          </a:p>
+        </p:txBody>
+      </p:sp>
+      <p:sp>
+        <p:nvSpPr>
+          <p:cNvPr id="37" name="Shape 50"/>
+          <p:cNvSpPr/>
+          <p:nvPr/>
+        </p:nvSpPr>
+        <p:spPr>
+          <a:xfrm>
+            <a:off x="6713823" y="2396269"/>
+            <a:ext cx="2230557" cy="668450"/>
+          </a:xfrm>
+          <a:prstGeom prst="rect">
+            <a:avLst/>
+          </a:prstGeom>
+          <a:gradFill>
+            <a:gsLst>
+              <a:gs pos="0">
+                <a:srgbClr val="FFFFFF"/>
+              </a:gs>
+              <a:gs pos="100000">
+                <a:srgbClr val="CBCBCB"/>
+              </a:gs>
+            </a:gsLst>
+          </a:gradFill>
+          <a:ln w="12700">
+            <a:solidFill/>
+            <a:miter lim="400000"/>
+          </a:ln>
+          <a:extLst>
+            <a:ext uri="{C572A759-6A51-4108-AA02-DFA0A04FC94B}">
+              <ma14:wrappingTextBoxFlag xmlns:ma14="http://schemas.microsoft.com/office/mac/drawingml/2011/main" val="1"/>
+            </a:ext>
+          </a:extLst>
+        </p:spPr>
+        <p:txBody>
+          <a:bodyPr lIns="0" tIns="0" rIns="0" bIns="0" anchor="ctr"/>
+          <a:lstStyle/>
+          <a:p>
+            <a:pPr lvl="0">
+              <a:defRPr sz="1800"/>
+            </a:pPr>
+            <a:r>
+              <a:rPr lang="en-US" sz="1800" dirty="0">
+                <a:solidFill>
+                  <a:srgbClr val="0433FF"/>
+                </a:solidFill>
+                <a:latin typeface="Times New Roman"/>
+                <a:ea typeface="Times New Roman"/>
+                <a:cs typeface="Times New Roman"/>
+                <a:sym typeface="Times New Roman"/>
+              </a:rPr>
+              <a:t>A</a:t>
+            </a:r>
+            <a:r>
+              <a:rPr lang="en-US" sz="1800" dirty="0" smtClean="0">
+                <a:solidFill>
+                  <a:srgbClr val="0433FF"/>
+                </a:solidFill>
+                <a:latin typeface="Times New Roman"/>
+                <a:ea typeface="Times New Roman"/>
+                <a:cs typeface="Times New Roman"/>
+                <a:sym typeface="Times New Roman"/>
+              </a:rPr>
+              <a:t>nalysis</a:t>
+            </a:r>
+            <a:r>
+              <a:rPr sz="1800" dirty="0" smtClean="0">
+                <a:solidFill>
+                  <a:srgbClr val="0433FF"/>
+                </a:solidFill>
+                <a:latin typeface="Times New Roman"/>
+                <a:ea typeface="Times New Roman"/>
+                <a:cs typeface="Times New Roman"/>
+                <a:sym typeface="Times New Roman"/>
+              </a:rPr>
+              <a:t> </a:t>
+            </a:r>
+            <a:r>
+              <a:rPr lang="en-US" sz="1800" dirty="0" smtClean="0">
+                <a:solidFill>
+                  <a:srgbClr val="0433FF"/>
+                </a:solidFill>
+                <a:latin typeface="Times New Roman"/>
+                <a:ea typeface="Times New Roman"/>
+                <a:cs typeface="Times New Roman"/>
+                <a:sym typeface="Times New Roman"/>
+              </a:rPr>
+              <a:t> of NGC </a:t>
+            </a:r>
+            <a:r>
+              <a:rPr lang="en-US" sz="1800" dirty="0" smtClean="0">
+                <a:solidFill>
+                  <a:srgbClr val="0433FF"/>
+                </a:solidFill>
+                <a:latin typeface="Times New Roman"/>
+                <a:ea typeface="Times New Roman"/>
+                <a:cs typeface="Times New Roman"/>
+                <a:sym typeface="Times New Roman"/>
+              </a:rPr>
+              <a:t>filament </a:t>
+            </a:r>
+            <a:r>
+              <a:rPr lang="en-US" sz="1800" dirty="0">
+                <a:solidFill>
+                  <a:srgbClr val="0000FF"/>
+                </a:solidFill>
+                <a:latin typeface="Times New Roman"/>
+                <a:cs typeface="Times New Roman"/>
+              </a:rPr>
+              <a:t>Hα</a:t>
+            </a:r>
+            <a:r>
+              <a:rPr sz="1800" dirty="0" smtClean="0">
+                <a:solidFill>
+                  <a:srgbClr val="0433FF"/>
+                </a:solidFill>
+                <a:latin typeface="Times New Roman"/>
+                <a:ea typeface="Times New Roman"/>
+                <a:cs typeface="Times New Roman"/>
+                <a:sym typeface="Times New Roman"/>
+              </a:rPr>
+              <a:t> </a:t>
+            </a:r>
+            <a:r>
+              <a:rPr sz="1800" dirty="0" smtClean="0">
+                <a:solidFill>
+                  <a:srgbClr val="0433FF"/>
+                </a:solidFill>
+                <a:latin typeface="Times New Roman"/>
+                <a:ea typeface="Times New Roman"/>
+                <a:cs typeface="Times New Roman"/>
+                <a:sym typeface="Times New Roman"/>
+              </a:rPr>
+              <a:t>(KU)</a:t>
+            </a:r>
+            <a:endParaRPr sz="1800" dirty="0">
+              <a:solidFill>
+                <a:srgbClr val="0433FF"/>
+              </a:solidFill>
+              <a:latin typeface="Times New Roman"/>
+              <a:ea typeface="Times New Roman"/>
+              <a:cs typeface="Times New Roman"/>
+              <a:sym typeface="Times New Roman"/>
+            </a:endParaRPr>
+          </a:p>
+        </p:txBody>
+      </p:sp>
+      <p:sp>
+        <p:nvSpPr>
+          <p:cNvPr id="38" name="Shape 78"/>
+          <p:cNvSpPr/>
+          <p:nvPr/>
+        </p:nvSpPr>
+        <p:spPr>
+          <a:xfrm>
+            <a:off x="4068329" y="4559552"/>
+            <a:ext cx="1764102" cy="1158874"/>
+          </a:xfrm>
+          <a:prstGeom prst="rect">
+            <a:avLst/>
+          </a:prstGeom>
+          <a:gradFill>
+            <a:gsLst>
+              <a:gs pos="0">
+                <a:srgbClr val="FFFFFF"/>
+              </a:gs>
+              <a:gs pos="100000">
+                <a:srgbClr val="CBCBCB"/>
+              </a:gs>
+            </a:gsLst>
+          </a:gradFill>
+          <a:ln w="12700">
+            <a:solidFill/>
+            <a:miter lim="400000"/>
+          </a:ln>
+          <a:extLst>
+            <a:ext uri="{C572A759-6A51-4108-AA02-DFA0A04FC94B}">
+              <ma14:wrappingTextBoxFlag xmlns:ma14="http://schemas.microsoft.com/office/mac/drawingml/2011/main" val="1"/>
+            </a:ext>
+          </a:extLst>
+        </p:spPr>
+        <p:txBody>
+          <a:bodyPr lIns="0" tIns="0" rIns="0" bIns="0" anchor="ctr"/>
+          <a:lstStyle>
+            <a:lvl1pPr>
+              <a:defRPr sz="1600" b="1">
+                <a:latin typeface="Times New Roman"/>
+                <a:ea typeface="Times New Roman"/>
+                <a:cs typeface="Times New Roman"/>
+                <a:sym typeface="Times New Roman"/>
+              </a:defRPr>
+            </a:lvl1pPr>
+          </a:lstStyle>
+          <a:p>
+            <a:pPr lvl="0">
+              <a:defRPr sz="1800" b="0"/>
+            </a:pPr>
+            <a:r>
+              <a:rPr lang="en-US" dirty="0" smtClean="0">
+                <a:solidFill>
+                  <a:srgbClr val="0000FF"/>
+                </a:solidFill>
+              </a:rPr>
+              <a:t>H</a:t>
+            </a:r>
+            <a:r>
+              <a:rPr lang="en-US" baseline="-25000" dirty="0" smtClean="0">
+                <a:solidFill>
+                  <a:srgbClr val="0000FF"/>
+                </a:solidFill>
+              </a:rPr>
+              <a:t>2</a:t>
+            </a:r>
+            <a:r>
+              <a:rPr lang="en-US" dirty="0" smtClean="0">
+                <a:solidFill>
+                  <a:srgbClr val="0000FF"/>
+                </a:solidFill>
+              </a:rPr>
+              <a:t> </a:t>
+            </a:r>
+            <a:r>
+              <a:rPr lang="en-US" dirty="0" smtClean="0">
+                <a:solidFill>
+                  <a:srgbClr val="0000FF"/>
+                </a:solidFill>
+              </a:rPr>
+              <a:t>and </a:t>
+            </a:r>
+            <a:r>
+              <a:rPr lang="en-US" dirty="0" smtClean="0">
+                <a:solidFill>
+                  <a:srgbClr val="0000FF"/>
+                </a:solidFill>
+              </a:rPr>
+              <a:t>HI mass</a:t>
+            </a:r>
+            <a:r>
+              <a:rPr dirty="0" smtClean="0">
+                <a:solidFill>
+                  <a:srgbClr val="0000FF"/>
+                </a:solidFill>
+              </a:rPr>
+              <a:t> derivation</a:t>
+            </a:r>
+            <a:r>
+              <a:rPr lang="en-US" dirty="0" smtClean="0">
+                <a:solidFill>
+                  <a:srgbClr val="0000FF"/>
+                </a:solidFill>
+              </a:rPr>
+              <a:t> </a:t>
+            </a:r>
+            <a:r>
+              <a:rPr dirty="0" smtClean="0">
+                <a:solidFill>
+                  <a:srgbClr val="0000FF"/>
+                </a:solidFill>
+              </a:rPr>
+              <a:t>(</a:t>
+            </a:r>
+            <a:r>
+              <a:rPr lang="en-US" dirty="0" smtClean="0">
+                <a:solidFill>
+                  <a:srgbClr val="0000FF"/>
+                </a:solidFill>
+              </a:rPr>
+              <a:t>KU</a:t>
+            </a:r>
+            <a:r>
+              <a:rPr dirty="0" smtClean="0">
+                <a:solidFill>
+                  <a:srgbClr val="0000FF"/>
+                </a:solidFill>
+              </a:rPr>
+              <a:t>)</a:t>
+            </a:r>
+            <a:endParaRPr dirty="0">
+              <a:solidFill>
+                <a:srgbClr val="0000FF"/>
+              </a:solidFill>
+            </a:endParaRPr>
+          </a:p>
+        </p:txBody>
+      </p:sp>
+      <p:sp>
+        <p:nvSpPr>
+          <p:cNvPr id="39" name="Shape 67"/>
+          <p:cNvSpPr/>
+          <p:nvPr/>
+        </p:nvSpPr>
+        <p:spPr>
+          <a:xfrm>
+            <a:off x="4174643" y="6455312"/>
+            <a:ext cx="1956936" cy="1157882"/>
+          </a:xfrm>
+          <a:prstGeom prst="rect">
+            <a:avLst/>
+          </a:prstGeom>
+          <a:gradFill>
+            <a:gsLst>
+              <a:gs pos="0">
+                <a:srgbClr val="FFFFFF"/>
+              </a:gs>
+              <a:gs pos="100000">
+                <a:srgbClr val="CBCBCB"/>
+              </a:gs>
+            </a:gsLst>
+          </a:gradFill>
+          <a:ln w="12700">
+            <a:solidFill/>
+            <a:miter lim="400000"/>
+          </a:ln>
+          <a:extLst>
+            <a:ext uri="{C572A759-6A51-4108-AA02-DFA0A04FC94B}">
+              <ma14:wrappingTextBoxFlag xmlns:ma14="http://schemas.microsoft.com/office/mac/drawingml/2011/main" val="1"/>
+            </a:ext>
+          </a:extLst>
+        </p:spPr>
+        <p:txBody>
+          <a:bodyPr lIns="0" tIns="0" rIns="0" bIns="0" anchor="ctr"/>
+          <a:lstStyle>
+            <a:lvl1pPr>
+              <a:defRPr sz="1600" b="1">
+                <a:latin typeface="Times New Roman"/>
+                <a:ea typeface="Times New Roman"/>
+                <a:cs typeface="Times New Roman"/>
+                <a:sym typeface="Times New Roman"/>
+              </a:defRPr>
+            </a:lvl1pPr>
+          </a:lstStyle>
+          <a:p>
+            <a:pPr lvl="0">
+              <a:defRPr sz="1800" b="0"/>
+            </a:pPr>
+            <a:r>
+              <a:rPr lang="en-US" sz="1800" b="0" dirty="0" smtClean="0">
+                <a:solidFill>
+                  <a:srgbClr val="0000FF"/>
+                </a:solidFill>
+              </a:rPr>
+              <a:t>Compare SAM results to integrated data (Trieste/KU/Siena)</a:t>
+            </a:r>
+            <a:endParaRPr sz="1800" b="0" dirty="0">
+              <a:solidFill>
+                <a:srgbClr val="0000FF"/>
+              </a:solidFill>
+            </a:endParaRPr>
+          </a:p>
+        </p:txBody>
+      </p:sp>
+      <p:sp>
+        <p:nvSpPr>
+          <p:cNvPr id="2" name="TextBox 1"/>
+          <p:cNvSpPr txBox="1"/>
+          <p:nvPr/>
+        </p:nvSpPr>
+        <p:spPr>
+          <a:xfrm>
+            <a:off x="984135" y="9205487"/>
+            <a:ext cx="4568959" cy="410369"/>
+          </a:xfrm>
+          <a:prstGeom prst="rect">
+            <a:avLst/>
+          </a:prstGeom>
+          <a:noFill/>
+          <a:ln w="12700" cap="flat">
+            <a:noFill/>
+            <a:miter lim="400000"/>
+          </a:ln>
+          <a:effectLst/>
+        </p:spPr>
+        <p:style>
+          <a:lnRef idx="0">
+            <a:scrgbClr r="0" g="0" b="0"/>
+          </a:lnRef>
+          <a:fillRef idx="0">
+            <a:scrgbClr r="0" g="0" b="0"/>
+          </a:fillRef>
+          <a:effectRef idx="0">
+            <a:scrgbClr r="0" g="0" b="0"/>
+          </a:effectRef>
+          <a:fontRef idx="none"/>
+        </p:style>
+        <p:txBody>
+          <a:bodyPr rot="0" spcFirstLastPara="1" vertOverflow="overflow" horzOverflow="overflow" vert="horz" wrap="none" lIns="50800" tIns="50800" rIns="50800" bIns="50800" numCol="1" spcCol="38100" rtlCol="0" anchor="ctr">
+            <a:spAutoFit/>
+          </a:bodyPr>
+          <a:lstStyle/>
+          <a:p>
+            <a:pPr marL="0" marR="0" indent="0" algn="ctr" defTabSz="584200" rtl="0" fontAlgn="auto" latinLnBrk="1" hangingPunct="0">
+              <a:lnSpc>
+                <a:spcPct val="100000"/>
+              </a:lnSpc>
+              <a:spcBef>
+                <a:spcPts val="0"/>
+              </a:spcBef>
+              <a:spcAft>
+                <a:spcPts val="0"/>
+              </a:spcAft>
+              <a:buClrTx/>
+              <a:buSzTx/>
+              <a:buFontTx/>
+              <a:buNone/>
+              <a:tabLst/>
+            </a:pPr>
+            <a:r>
+              <a:rPr lang="en-US" sz="2000" dirty="0" smtClean="0">
+                <a:solidFill>
+                  <a:srgbClr val="0000FF"/>
+                </a:solidFill>
+                <a:latin typeface="Times New Roman"/>
+                <a:cs typeface="Times New Roman"/>
+              </a:rPr>
+              <a:t>Blue denotes w</a:t>
+            </a:r>
+            <a:r>
+              <a:rPr kumimoji="0" lang="en-US" sz="2000" b="0" i="0" u="none" strike="noStrike" cap="none" spc="0" normalizeH="0" baseline="0" dirty="0" smtClean="0">
+                <a:ln>
+                  <a:noFill/>
+                </a:ln>
+                <a:solidFill>
+                  <a:srgbClr val="0000FF"/>
+                </a:solidFill>
+                <a:effectLst/>
+                <a:uFillTx/>
+                <a:latin typeface="Times New Roman"/>
+                <a:cs typeface="Times New Roman"/>
+                <a:sym typeface="Gill Sans"/>
+              </a:rPr>
+              <a:t>or</a:t>
+            </a:r>
+            <a:r>
+              <a:rPr lang="en-US" sz="2000" dirty="0" smtClean="0">
+                <a:solidFill>
+                  <a:srgbClr val="0000FF"/>
+                </a:solidFill>
+                <a:latin typeface="Times New Roman"/>
+                <a:cs typeface="Times New Roman"/>
+              </a:rPr>
+              <a:t>k funded by this proposal. </a:t>
+            </a:r>
+            <a:endParaRPr kumimoji="0" lang="en-US" sz="2000" b="0" i="0" u="none" strike="noStrike" cap="none" spc="0" normalizeH="0" baseline="0" dirty="0">
+              <a:ln>
+                <a:noFill/>
+              </a:ln>
+              <a:solidFill>
+                <a:srgbClr val="0000FF"/>
+              </a:solidFill>
+              <a:effectLst/>
+              <a:uFillTx/>
+              <a:latin typeface="Times New Roman"/>
+              <a:cs typeface="Times New Roman"/>
+              <a:sym typeface="Gill Sans"/>
+            </a:endParaRPr>
+          </a:p>
+        </p:txBody>
+      </p:sp>
+      <p:sp>
+        <p:nvSpPr>
+          <p:cNvPr id="51" name="Shape 60"/>
+          <p:cNvSpPr/>
+          <p:nvPr/>
+        </p:nvSpPr>
+        <p:spPr>
+          <a:xfrm>
+            <a:off x="8081589" y="8029610"/>
+            <a:ext cx="1541071" cy="1127133"/>
+          </a:xfrm>
+          <a:prstGeom prst="rect">
+            <a:avLst/>
+          </a:prstGeom>
+          <a:gradFill>
+            <a:gsLst>
+              <a:gs pos="0">
+                <a:srgbClr val="FFFFFF"/>
+              </a:gs>
+              <a:gs pos="100000">
+                <a:srgbClr val="CBCBCB"/>
+              </a:gs>
+            </a:gsLst>
+          </a:gradFill>
+          <a:ln w="12700">
+            <a:solidFill/>
+            <a:miter lim="400000"/>
+          </a:ln>
+          <a:extLst>
+            <a:ext uri="{C572A759-6A51-4108-AA02-DFA0A04FC94B}">
+              <ma14:wrappingTextBoxFlag xmlns:ma14="http://schemas.microsoft.com/office/mac/drawingml/2011/main" val="1"/>
+            </a:ext>
+          </a:extLst>
+        </p:spPr>
+        <p:txBody>
+          <a:bodyPr lIns="0" tIns="0" rIns="0" bIns="0" anchor="ctr"/>
+          <a:lstStyle>
+            <a:lvl1pPr>
+              <a:defRPr sz="1500">
+                <a:uFill>
+                  <a:solidFill/>
+                </a:uFill>
+                <a:latin typeface="Times New Roman"/>
+                <a:ea typeface="Times New Roman"/>
+                <a:cs typeface="Times New Roman"/>
+                <a:sym typeface="Times New Roman"/>
+              </a:defRPr>
+            </a:lvl1pPr>
+          </a:lstStyle>
+          <a:p>
+            <a:pPr lvl="0">
+              <a:defRPr sz="1800">
+                <a:uFillTx/>
+              </a:defRPr>
+            </a:pPr>
+            <a:r>
+              <a:rPr sz="1800" dirty="0">
+                <a:solidFill>
+                  <a:srgbClr val="0000FF"/>
+                </a:solidFill>
+                <a:uFill>
+                  <a:solidFill/>
+                </a:uFill>
+              </a:rPr>
+              <a:t>Disseminate </a:t>
+            </a:r>
+            <a:r>
+              <a:rPr sz="1800" dirty="0" smtClean="0">
+                <a:solidFill>
+                  <a:srgbClr val="0000FF"/>
+                </a:solidFill>
+                <a:uFill>
+                  <a:solidFill/>
+                </a:uFill>
+              </a:rPr>
+              <a:t>results </a:t>
+            </a:r>
+            <a:r>
+              <a:rPr sz="1800" dirty="0">
+                <a:solidFill>
+                  <a:srgbClr val="0000FF"/>
+                </a:solidFill>
+                <a:uFill>
+                  <a:solidFill/>
+                </a:uFill>
+              </a:rPr>
+              <a:t>at domestic conference</a:t>
+            </a:r>
+          </a:p>
+        </p:txBody>
+      </p:sp>
+      <p:sp>
+        <p:nvSpPr>
+          <p:cNvPr id="58" name="Shape 53"/>
+          <p:cNvSpPr/>
+          <p:nvPr/>
+        </p:nvSpPr>
+        <p:spPr>
+          <a:xfrm>
+            <a:off x="6115299" y="49111"/>
+            <a:ext cx="2115317" cy="562570"/>
+          </a:xfrm>
+          <a:prstGeom prst="rect">
+            <a:avLst/>
+          </a:prstGeom>
+          <a:ln w="12700">
+            <a:solidFill/>
+            <a:miter lim="400000"/>
+          </a:ln>
+          <a:extLst>
+            <a:ext uri="{C572A759-6A51-4108-AA02-DFA0A04FC94B}">
+              <ma14:wrappingTextBoxFlag xmlns:ma14="http://schemas.microsoft.com/office/mac/drawingml/2011/main" val="1"/>
+            </a:ext>
+          </a:extLst>
+        </p:spPr>
+        <p:txBody>
+          <a:bodyPr lIns="0" tIns="0" rIns="0" bIns="0" anchor="ctr"/>
+          <a:lstStyle>
+            <a:lvl1pPr>
+              <a:defRPr sz="1600" b="1">
+                <a:latin typeface="Times New Roman"/>
+                <a:ea typeface="Times New Roman"/>
+                <a:cs typeface="Times New Roman"/>
+                <a:sym typeface="Times New Roman"/>
+              </a:defRPr>
+            </a:lvl1pPr>
+          </a:lstStyle>
+          <a:p>
+            <a:pPr lvl="0">
+              <a:defRPr sz="1800" b="0"/>
+            </a:pPr>
+            <a:r>
+              <a:rPr lang="en-US" sz="1600" b="1" dirty="0" smtClean="0"/>
+              <a:t>Completion of data acquisition phase</a:t>
+            </a:r>
+            <a:endParaRPr sz="1600" b="1" dirty="0"/>
+          </a:p>
+        </p:txBody>
+      </p:sp>
+      <p:cxnSp>
+        <p:nvCxnSpPr>
+          <p:cNvPr id="59" name="Straight Arrow Connector 58"/>
+          <p:cNvCxnSpPr/>
+          <p:nvPr/>
+        </p:nvCxnSpPr>
+        <p:spPr>
+          <a:xfrm flipH="1">
+            <a:off x="1016195" y="606940"/>
+            <a:ext cx="568979" cy="725901"/>
+          </a:xfrm>
+          <a:prstGeom prst="straightConnector1">
+            <a:avLst/>
+          </a:prstGeom>
+          <a:noFill/>
+          <a:ln w="25400" cap="flat">
+            <a:solidFill>
+              <a:srgbClr val="000000"/>
+            </a:solidFill>
+            <a:prstDash val="solid"/>
+            <a:miter lim="400000"/>
+            <a:tailEnd type="arrow"/>
+          </a:ln>
+          <a:effectLst/>
+        </p:spPr>
+        <p:style>
+          <a:lnRef idx="0">
+            <a:scrgbClr r="0" g="0" b="0"/>
+          </a:lnRef>
+          <a:fillRef idx="0">
+            <a:scrgbClr r="0" g="0" b="0"/>
+          </a:fillRef>
+          <a:effectRef idx="0">
+            <a:scrgbClr r="0" g="0" b="0"/>
+          </a:effectRef>
+          <a:fontRef idx="none"/>
+        </p:style>
+      </p:cxnSp>
+      <p:sp>
+        <p:nvSpPr>
+          <p:cNvPr id="62" name="TextBox 61"/>
+          <p:cNvSpPr txBox="1"/>
+          <p:nvPr/>
+        </p:nvSpPr>
+        <p:spPr>
+          <a:xfrm>
+            <a:off x="10087907" y="9205487"/>
+            <a:ext cx="2645481" cy="410369"/>
+          </a:xfrm>
+          <a:prstGeom prst="rect">
+            <a:avLst/>
+          </a:prstGeom>
+          <a:noFill/>
+          <a:ln w="12700" cap="flat">
+            <a:noFill/>
+            <a:miter lim="400000"/>
+          </a:ln>
+          <a:effectLst/>
+        </p:spPr>
+        <p:style>
+          <a:lnRef idx="0">
+            <a:scrgbClr r="0" g="0" b="0"/>
+          </a:lnRef>
+          <a:fillRef idx="0">
+            <a:scrgbClr r="0" g="0" b="0"/>
+          </a:fillRef>
+          <a:effectRef idx="0">
+            <a:scrgbClr r="0" g="0" b="0"/>
+          </a:effectRef>
+          <a:fontRef idx="none"/>
+        </p:style>
+        <p:txBody>
+          <a:bodyPr rot="0" spcFirstLastPara="1" vertOverflow="overflow" horzOverflow="overflow" vert="horz" wrap="none" lIns="50800" tIns="50800" rIns="50800" bIns="50800" numCol="1" spcCol="38100" rtlCol="0" anchor="ctr">
+            <a:spAutoFit/>
+          </a:bodyPr>
+          <a:lstStyle/>
+          <a:p>
+            <a:pPr marL="0" marR="0" indent="0" algn="ctr" defTabSz="584200" rtl="0" fontAlgn="auto" latinLnBrk="1" hangingPunct="0">
+              <a:lnSpc>
+                <a:spcPct val="100000"/>
+              </a:lnSpc>
+              <a:spcBef>
+                <a:spcPts val="0"/>
+              </a:spcBef>
+              <a:spcAft>
+                <a:spcPts val="0"/>
+              </a:spcAft>
+              <a:buClrTx/>
+              <a:buSzTx/>
+              <a:buFontTx/>
+              <a:buNone/>
+              <a:tabLst/>
+            </a:pPr>
+            <a:r>
+              <a:rPr lang="en-US" sz="2000" dirty="0" smtClean="0">
+                <a:solidFill>
+                  <a:srgbClr val="FF0000"/>
+                </a:solidFill>
+                <a:latin typeface="Times New Roman"/>
+                <a:cs typeface="Times New Roman"/>
+              </a:rPr>
+              <a:t>Red denotes publication.</a:t>
+            </a:r>
+            <a:endParaRPr kumimoji="0" lang="en-US" sz="2000" b="0" i="0" u="none" strike="noStrike" cap="none" spc="0" normalizeH="0" baseline="0" dirty="0">
+              <a:ln>
+                <a:noFill/>
+              </a:ln>
+              <a:solidFill>
+                <a:srgbClr val="FF0000"/>
+              </a:solidFill>
+              <a:effectLst/>
+              <a:uFillTx/>
+              <a:latin typeface="Times New Roman"/>
+              <a:cs typeface="Times New Roman"/>
+              <a:sym typeface="Gill Sans"/>
+            </a:endParaRPr>
+          </a:p>
+        </p:txBody>
+      </p:sp>
+      <p:sp>
+        <p:nvSpPr>
+          <p:cNvPr id="63" name="Shape 67"/>
+          <p:cNvSpPr/>
+          <p:nvPr/>
+        </p:nvSpPr>
+        <p:spPr>
+          <a:xfrm>
+            <a:off x="8587464" y="6446249"/>
+            <a:ext cx="1787974" cy="1157882"/>
+          </a:xfrm>
+          <a:prstGeom prst="rect">
+            <a:avLst/>
+          </a:prstGeom>
+          <a:gradFill>
+            <a:gsLst>
+              <a:gs pos="0">
+                <a:srgbClr val="FFFFFF"/>
+              </a:gs>
+              <a:gs pos="100000">
+                <a:srgbClr val="CBCBCB"/>
+              </a:gs>
+            </a:gsLst>
+          </a:gradFill>
+          <a:ln w="12700">
+            <a:solidFill/>
+            <a:miter lim="400000"/>
+          </a:ln>
+          <a:extLst>
+            <a:ext uri="{C572A759-6A51-4108-AA02-DFA0A04FC94B}">
+              <ma14:wrappingTextBoxFlag xmlns:ma14="http://schemas.microsoft.com/office/mac/drawingml/2011/main" val="1"/>
+            </a:ext>
+          </a:extLst>
+        </p:spPr>
+        <p:txBody>
+          <a:bodyPr lIns="0" tIns="0" rIns="0" bIns="0" anchor="ctr"/>
+          <a:lstStyle>
+            <a:lvl1pPr>
+              <a:defRPr sz="1600" b="1">
+                <a:latin typeface="Times New Roman"/>
+                <a:ea typeface="Times New Roman"/>
+                <a:cs typeface="Times New Roman"/>
+                <a:sym typeface="Times New Roman"/>
+              </a:defRPr>
+            </a:lvl1pPr>
+          </a:lstStyle>
+          <a:p>
+            <a:pPr lvl="0">
+              <a:defRPr sz="1800" b="0"/>
+            </a:pPr>
+            <a:r>
+              <a:rPr lang="en-US" sz="1800" b="0" dirty="0" smtClean="0">
+                <a:solidFill>
+                  <a:srgbClr val="0000FF"/>
+                </a:solidFill>
+              </a:rPr>
+              <a:t>Compare SAM results to resolved data (Trieste/KU/Siena)</a:t>
+            </a:r>
+            <a:endParaRPr sz="1800" b="0" dirty="0">
+              <a:solidFill>
+                <a:srgbClr val="0000FF"/>
+              </a:solidFill>
+            </a:endParaRPr>
+          </a:p>
+        </p:txBody>
+      </p:sp>
     </p:spTree>
   </p:cSld>
   <p:clrMapOvr>
